--- a/презентация.pptx
+++ b/презентация.pptx
@@ -9,14 +9,12 @@
     <p:sldId id="257" r:id="rId3"/>
     <p:sldId id="258" r:id="rId4"/>
     <p:sldId id="259" r:id="rId5"/>
-    <p:sldId id="260" r:id="rId6"/>
-    <p:sldId id="261" r:id="rId7"/>
+    <p:sldId id="261" r:id="rId6"/>
+    <p:sldId id="269" r:id="rId7"/>
     <p:sldId id="262" r:id="rId8"/>
     <p:sldId id="263" r:id="rId9"/>
-    <p:sldId id="264" r:id="rId10"/>
-    <p:sldId id="265" r:id="rId11"/>
-    <p:sldId id="268" r:id="rId12"/>
-    <p:sldId id="266" r:id="rId13"/>
+    <p:sldId id="265" r:id="rId10"/>
+    <p:sldId id="266" r:id="rId11"/>
   </p:sldIdLst>
   <p:sldSz cx="12192000" cy="6858000"/>
   <p:notesSz cx="6858000" cy="9144000"/>
@@ -115,6 +113,11 @@
       </a:defRPr>
     </a:lvl9pPr>
   </p:defaultTextStyle>
+  <p:extLst>
+    <p:ext uri="{EFAFB233-063F-42B5-8137-9DF3F51BA10A}">
+      <p15:sldGuideLst xmlns:p15="http://schemas.microsoft.com/office/powerpoint/2012/main"/>
+    </p:ext>
+  </p:extLst>
 </p:presentation>
 </file>
 
@@ -307,7 +310,7 @@
             <a:fld id="{B61BEF0D-F0BB-DE4B-95CE-6DB70DBA9567}" type="datetimeFigureOut">
               <a:rPr lang="en-US" dirty="0"/>
               <a:pPr/>
-              <a:t>5/25/2017</a:t>
+              <a:t>5/31/2017</a:t>
             </a:fld>
             <a:endParaRPr lang="en-US" dirty="0"/>
           </a:p>
@@ -642,7 +645,7 @@
             <a:fld id="{B61BEF0D-F0BB-DE4B-95CE-6DB70DBA9567}" type="datetimeFigureOut">
               <a:rPr lang="en-US" dirty="0"/>
               <a:pPr/>
-              <a:t>5/25/2017</a:t>
+              <a:t>5/31/2017</a:t>
             </a:fld>
             <a:endParaRPr lang="en-US" dirty="0"/>
           </a:p>
@@ -1040,7 +1043,7 @@
             <a:fld id="{B61BEF0D-F0BB-DE4B-95CE-6DB70DBA9567}" type="datetimeFigureOut">
               <a:rPr lang="en-US" dirty="0"/>
               <a:pPr/>
-              <a:t>5/25/2017</a:t>
+              <a:t>5/31/2017</a:t>
             </a:fld>
             <a:endParaRPr lang="en-US" dirty="0"/>
           </a:p>
@@ -1372,7 +1375,7 @@
             <a:fld id="{B61BEF0D-F0BB-DE4B-95CE-6DB70DBA9567}" type="datetimeFigureOut">
               <a:rPr lang="en-US" dirty="0"/>
               <a:pPr/>
-              <a:t>5/25/2017</a:t>
+              <a:t>5/31/2017</a:t>
             </a:fld>
             <a:endParaRPr lang="en-US" dirty="0"/>
           </a:p>
@@ -1689,7 +1692,7 @@
             <a:fld id="{B61BEF0D-F0BB-DE4B-95CE-6DB70DBA9567}" type="datetimeFigureOut">
               <a:rPr lang="en-US" dirty="0"/>
               <a:pPr/>
-              <a:t>5/25/2017</a:t>
+              <a:t>5/31/2017</a:t>
             </a:fld>
             <a:endParaRPr lang="en-US" dirty="0"/>
           </a:p>
@@ -2082,7 +2085,7 @@
             <a:fld id="{B61BEF0D-F0BB-DE4B-95CE-6DB70DBA9567}" type="datetimeFigureOut">
               <a:rPr lang="en-US" dirty="0"/>
               <a:pPr/>
-              <a:t>5/25/2017</a:t>
+              <a:t>5/31/2017</a:t>
             </a:fld>
             <a:endParaRPr lang="en-US" dirty="0"/>
           </a:p>
@@ -2336,7 +2339,7 @@
             <a:fld id="{B61BEF0D-F0BB-DE4B-95CE-6DB70DBA9567}" type="datetimeFigureOut">
               <a:rPr lang="en-US" dirty="0"/>
               <a:pPr/>
-              <a:t>5/25/2017</a:t>
+              <a:t>5/31/2017</a:t>
             </a:fld>
             <a:endParaRPr lang="en-US" dirty="0"/>
           </a:p>
@@ -2595,7 +2598,7 @@
             <a:fld id="{B61BEF0D-F0BB-DE4B-95CE-6DB70DBA9567}" type="datetimeFigureOut">
               <a:rPr lang="en-US" dirty="0"/>
               <a:pPr/>
-              <a:t>5/25/2017</a:t>
+              <a:t>5/31/2017</a:t>
             </a:fld>
             <a:endParaRPr lang="en-US" dirty="0"/>
           </a:p>
@@ -2854,7 +2857,7 @@
             <a:fld id="{B61BEF0D-F0BB-DE4B-95CE-6DB70DBA9567}" type="datetimeFigureOut">
               <a:rPr lang="en-US" dirty="0"/>
               <a:pPr/>
-              <a:t>5/25/2017</a:t>
+              <a:t>5/31/2017</a:t>
             </a:fld>
             <a:endParaRPr lang="en-US" dirty="0"/>
           </a:p>
@@ -3180,7 +3183,7 @@
             <a:fld id="{B61BEF0D-F0BB-DE4B-95CE-6DB70DBA9567}" type="datetimeFigureOut">
               <a:rPr lang="en-US" dirty="0"/>
               <a:pPr/>
-              <a:t>5/25/2017</a:t>
+              <a:t>5/31/2017</a:t>
             </a:fld>
             <a:endParaRPr lang="en-US" dirty="0"/>
           </a:p>
@@ -3500,7 +3503,7 @@
             <a:fld id="{B61BEF0D-F0BB-DE4B-95CE-6DB70DBA9567}" type="datetimeFigureOut">
               <a:rPr lang="en-US" dirty="0"/>
               <a:pPr/>
-              <a:t>5/25/2017</a:t>
+              <a:t>5/31/2017</a:t>
             </a:fld>
             <a:endParaRPr lang="en-US" dirty="0"/>
           </a:p>
@@ -3954,7 +3957,7 @@
             <a:fld id="{B61BEF0D-F0BB-DE4B-95CE-6DB70DBA9567}" type="datetimeFigureOut">
               <a:rPr lang="en-US" dirty="0"/>
               <a:pPr/>
-              <a:t>5/25/2017</a:t>
+              <a:t>5/31/2017</a:t>
             </a:fld>
             <a:endParaRPr lang="en-US" dirty="0"/>
           </a:p>
@@ -4156,7 +4159,7 @@
             <a:fld id="{B61BEF0D-F0BB-DE4B-95CE-6DB70DBA9567}" type="datetimeFigureOut">
               <a:rPr lang="en-US" dirty="0"/>
               <a:pPr/>
-              <a:t>5/25/2017</a:t>
+              <a:t>5/31/2017</a:t>
             </a:fld>
             <a:endParaRPr lang="en-US" dirty="0"/>
           </a:p>
@@ -4330,7 +4333,7 @@
             <a:fld id="{B61BEF0D-F0BB-DE4B-95CE-6DB70DBA9567}" type="datetimeFigureOut">
               <a:rPr lang="en-US" dirty="0"/>
               <a:pPr/>
-              <a:t>5/25/2017</a:t>
+              <a:t>5/31/2017</a:t>
             </a:fld>
             <a:endParaRPr lang="en-US" dirty="0"/>
           </a:p>
@@ -4660,7 +4663,7 @@
             <a:fld id="{B61BEF0D-F0BB-DE4B-95CE-6DB70DBA9567}" type="datetimeFigureOut">
               <a:rPr lang="en-US" dirty="0"/>
               <a:pPr/>
-              <a:t>5/25/2017</a:t>
+              <a:t>5/31/2017</a:t>
             </a:fld>
             <a:endParaRPr lang="en-US" dirty="0"/>
           </a:p>
@@ -5002,7 +5005,7 @@
             <a:fld id="{B61BEF0D-F0BB-DE4B-95CE-6DB70DBA9567}" type="datetimeFigureOut">
               <a:rPr lang="en-US" dirty="0"/>
               <a:pPr/>
-              <a:t>5/25/2017</a:t>
+              <a:t>5/31/2017</a:t>
             </a:fld>
             <a:endParaRPr lang="en-US" dirty="0"/>
           </a:p>
@@ -7116,7 +7119,7 @@
             <a:fld id="{B61BEF0D-F0BB-DE4B-95CE-6DB70DBA9567}" type="datetimeFigureOut">
               <a:rPr lang="en-US" dirty="0"/>
               <a:pPr/>
-              <a:t>5/25/2017</a:t>
+              <a:t>5/31/2017</a:t>
             </a:fld>
             <a:endParaRPr lang="en-US" dirty="0"/>
           </a:p>
@@ -7705,21 +7708,21 @@
           <a:p>
             <a:r>
               <a:rPr lang="ru-RU" sz="2500" dirty="0" smtClean="0"/>
-              <a:t>Исполнитель: Габидуллин Ибрагим </a:t>
-            </a:r>
-            <a:r>
-              <a:rPr lang="ru-RU" sz="2500" dirty="0" err="1" smtClean="0"/>
-              <a:t>Анварович</a:t>
+              <a:t>Выполнил: </a:t>
             </a:r>
             <a:r>
               <a:rPr lang="ru-RU" sz="2500" dirty="0" smtClean="0"/>
-              <a:t> гр. 11-308</a:t>
+              <a:t>Габидуллин Ибрагим Анварович гр. 11-308</a:t>
             </a:r>
           </a:p>
           <a:p>
             <a:r>
               <a:rPr lang="ru-RU" sz="2500" dirty="0" smtClean="0"/>
-              <a:t>Руководитель: Тощев Александр Сергеевич</a:t>
+              <a:t>Научный руководитель</a:t>
+            </a:r>
+            <a:r>
+              <a:rPr lang="ru-RU" sz="2500" dirty="0" smtClean="0"/>
+              <a:t>: Тощев Александр Сергеевич</a:t>
             </a:r>
             <a:endParaRPr lang="ru-RU" sz="2500" dirty="0"/>
           </a:p>
@@ -7772,157 +7775,9 @@
             <p:ph type="title"/>
           </p:nvPr>
         </p:nvSpPr>
-        <p:spPr/>
-        <p:txBody>
-          <a:bodyPr/>
-          <a:lstStyle/>
-          <a:p>
-            <a:r>
-              <a:rPr lang="ru-RU" dirty="0" smtClean="0"/>
-              <a:t>Работа </a:t>
-            </a:r>
-            <a:r>
-              <a:rPr lang="ru-RU" dirty="0" err="1" smtClean="0"/>
-              <a:t>фреймворка</a:t>
-            </a:r>
-            <a:endParaRPr lang="ru-RU" dirty="0"/>
-          </a:p>
-        </p:txBody>
-      </p:sp>
-      <p:sp>
-        <p:nvSpPr>
-          <p:cNvPr id="3" name="Объект 2"/>
-          <p:cNvSpPr>
-            <a:spLocks noGrp="1"/>
-          </p:cNvSpPr>
-          <p:nvPr>
-            <p:ph idx="1"/>
-          </p:nvPr>
-        </p:nvSpPr>
-        <p:spPr/>
-        <p:txBody>
-          <a:bodyPr/>
-          <a:lstStyle/>
-          <a:p>
-            <a:endParaRPr lang="ru-RU"/>
-          </a:p>
-        </p:txBody>
-      </p:sp>
-    </p:spTree>
-    <p:extLst>
-      <p:ext uri="{BB962C8B-B14F-4D97-AF65-F5344CB8AC3E}">
-        <p14:creationId xmlns:p14="http://schemas.microsoft.com/office/powerpoint/2010/main" val="112246041"/>
-      </p:ext>
-    </p:extLst>
-  </p:cSld>
-  <p:clrMapOvr>
-    <a:masterClrMapping/>
-  </p:clrMapOvr>
-</p:sld>
-</file>
-
-<file path=ppt/slides/slide11.xml><?xml version="1.0" encoding="utf-8"?>
-<p:sld xmlns:a="http://schemas.openxmlformats.org/drawingml/2006/main" xmlns:r="http://schemas.openxmlformats.org/officeDocument/2006/relationships" xmlns:p="http://schemas.openxmlformats.org/presentationml/2006/main">
-  <p:cSld>
-    <p:spTree>
-      <p:nvGrpSpPr>
-        <p:cNvPr id="1" name=""/>
-        <p:cNvGrpSpPr/>
-        <p:nvPr/>
-      </p:nvGrpSpPr>
-      <p:grpSpPr>
-        <a:xfrm>
-          <a:off x="0" y="0"/>
-          <a:ext cx="0" cy="0"/>
-          <a:chOff x="0" y="0"/>
-          <a:chExt cx="0" cy="0"/>
-        </a:xfrm>
-      </p:grpSpPr>
-      <p:sp>
-        <p:nvSpPr>
-          <p:cNvPr id="2" name="Заголовок 1"/>
-          <p:cNvSpPr>
-            <a:spLocks noGrp="1"/>
-          </p:cNvSpPr>
-          <p:nvPr>
-            <p:ph type="title"/>
-          </p:nvPr>
-        </p:nvSpPr>
-        <p:spPr/>
-        <p:txBody>
-          <a:bodyPr/>
-          <a:lstStyle/>
-          <a:p>
-            <a:r>
-              <a:rPr lang="ru-RU" dirty="0" smtClean="0"/>
-              <a:t>Итоги работы</a:t>
-            </a:r>
-            <a:endParaRPr lang="ru-RU" dirty="0"/>
-          </a:p>
-        </p:txBody>
-      </p:sp>
-      <p:sp>
-        <p:nvSpPr>
-          <p:cNvPr id="3" name="Объект 2"/>
-          <p:cNvSpPr>
-            <a:spLocks noGrp="1"/>
-          </p:cNvSpPr>
-          <p:nvPr>
-            <p:ph idx="1"/>
-          </p:nvPr>
-        </p:nvSpPr>
-        <p:spPr/>
-        <p:txBody>
-          <a:bodyPr/>
-          <a:lstStyle/>
-          <a:p>
-            <a:endParaRPr lang="ru-RU"/>
-          </a:p>
-        </p:txBody>
-      </p:sp>
-    </p:spTree>
-    <p:extLst>
-      <p:ext uri="{BB962C8B-B14F-4D97-AF65-F5344CB8AC3E}">
-        <p14:creationId xmlns:p14="http://schemas.microsoft.com/office/powerpoint/2010/main" val="2427192614"/>
-      </p:ext>
-    </p:extLst>
-  </p:cSld>
-  <p:clrMapOvr>
-    <a:masterClrMapping/>
-  </p:clrMapOvr>
-</p:sld>
-</file>
-
-<file path=ppt/slides/slide12.xml><?xml version="1.0" encoding="utf-8"?>
-<p:sld xmlns:a="http://schemas.openxmlformats.org/drawingml/2006/main" xmlns:r="http://schemas.openxmlformats.org/officeDocument/2006/relationships" xmlns:p="http://schemas.openxmlformats.org/presentationml/2006/main">
-  <p:cSld>
-    <p:spTree>
-      <p:nvGrpSpPr>
-        <p:cNvPr id="1" name=""/>
-        <p:cNvGrpSpPr/>
-        <p:nvPr/>
-      </p:nvGrpSpPr>
-      <p:grpSpPr>
-        <a:xfrm>
-          <a:off x="0" y="0"/>
-          <a:ext cx="0" cy="0"/>
-          <a:chOff x="0" y="0"/>
-          <a:chExt cx="0" cy="0"/>
-        </a:xfrm>
-      </p:grpSpPr>
-      <p:sp>
-        <p:nvSpPr>
-          <p:cNvPr id="2" name="Заголовок 1"/>
-          <p:cNvSpPr>
-            <a:spLocks noGrp="1"/>
-          </p:cNvSpPr>
-          <p:nvPr>
-            <p:ph type="title"/>
-          </p:nvPr>
-        </p:nvSpPr>
         <p:spPr>
           <a:xfrm>
-            <a:off x="2592925" y="2021110"/>
+            <a:off x="2211925" y="2046510"/>
             <a:ext cx="9980075" cy="3757390"/>
           </a:xfrm>
         </p:spPr>
@@ -7952,33 +7807,27 @@
         </p:nvSpPr>
         <p:spPr>
           <a:xfrm>
-            <a:off x="2592925" y="4381500"/>
-            <a:ext cx="8915400" cy="3777622"/>
+            <a:off x="2211925" y="5181600"/>
+            <a:ext cx="9446675" cy="3777622"/>
           </a:xfrm>
         </p:spPr>
         <p:txBody>
-          <a:bodyPr/>
+          <a:bodyPr>
+            <a:normAutofit/>
+          </a:bodyPr>
           <a:lstStyle/>
           <a:p>
             <a:r>
-              <a:rPr lang="ru-RU" dirty="0" smtClean="0"/>
-              <a:t>Исполнитель: Габидуллин Ибрагим </a:t>
-            </a:r>
-            <a:r>
-              <a:rPr lang="ru-RU" dirty="0" err="1" smtClean="0"/>
-              <a:t>Анварович</a:t>
-            </a:r>
-            <a:r>
-              <a:rPr lang="ru-RU" dirty="0" smtClean="0"/>
-              <a:t> гр. 11-308</a:t>
-            </a:r>
-          </a:p>
-          <a:p>
-            <a:r>
-              <a:rPr lang="ru-RU" dirty="0" smtClean="0"/>
-              <a:t>Руководитель: Тощев Александр Сергеевич</a:t>
-            </a:r>
-            <a:endParaRPr lang="ru-RU" dirty="0"/>
+              <a:rPr lang="ru-RU" sz="2500" dirty="0"/>
+              <a:t>Выполнил: Габидуллин Ибрагим Анварович гр. 11-308</a:t>
+            </a:r>
+          </a:p>
+          <a:p>
+            <a:r>
+              <a:rPr lang="ru-RU" sz="2500" dirty="0"/>
+              <a:t>Научный руководитель: Тощев Александр Сергеевич</a:t>
+            </a:r>
+            <a:endParaRPr lang="ru-RU" sz="2500" dirty="0"/>
           </a:p>
         </p:txBody>
       </p:sp>
@@ -7992,6 +7841,13 @@
   <p:clrMapOvr>
     <a:masterClrMapping/>
   </p:clrMapOvr>
+  <p:timing>
+    <p:tnLst>
+      <p:par>
+        <p:cTn id="1" dur="indefinite" restart="never" nodeType="tmRoot"/>
+      </p:par>
+    </p:tnLst>
+  </p:timing>
 </p:sld>
 </file>
 
@@ -8024,7 +7880,7 @@
         </p:nvSpPr>
         <p:spPr>
           <a:xfrm>
-            <a:off x="2592925" y="1132110"/>
+            <a:off x="2592925" y="636810"/>
             <a:ext cx="8911687" cy="1280890"/>
           </a:xfrm>
         </p:spPr>
@@ -8034,7 +7890,11 @@
           <a:p>
             <a:r>
               <a:rPr lang="ru-RU" dirty="0" smtClean="0"/>
-              <a:t>Цель работы:</a:t>
+              <a:t>Цель </a:t>
+            </a:r>
+            <a:r>
+              <a:rPr lang="ru-RU" dirty="0" smtClean="0"/>
+              <a:t>работы</a:t>
             </a:r>
             <a:endParaRPr lang="ru-RU" dirty="0"/>
           </a:p>
@@ -8067,7 +7927,15 @@
             </a:pPr>
             <a:r>
               <a:rPr lang="ru-RU" sz="3000" dirty="0" smtClean="0"/>
-              <a:t>Разработать готовый к использованию гибкий клиент-серверный </a:t>
+              <a:t>Разработать </a:t>
+            </a:r>
+            <a:r>
+              <a:rPr lang="ru-RU" sz="3000" dirty="0" smtClean="0"/>
+              <a:t>гибкий </a:t>
+            </a:r>
+            <a:r>
+              <a:rPr lang="ru-RU" sz="3000" dirty="0" smtClean="0"/>
+              <a:t>клиент-серверный </a:t>
             </a:r>
             <a:r>
               <a:rPr lang="ru-RU" sz="3000" dirty="0" err="1" smtClean="0"/>
@@ -8075,33 +7943,17 @@
             </a:r>
             <a:r>
               <a:rPr lang="ru-RU" sz="3000" dirty="0" smtClean="0"/>
-              <a:t> для управления параллельными, высокопроизводительными вычислениями на базе </a:t>
-            </a:r>
-            <a:r>
-              <a:rPr lang="en-US" sz="3000" dirty="0" smtClean="0"/>
-              <a:t>Linux </a:t>
+              <a:t> для управления </a:t>
             </a:r>
             <a:r>
               <a:rPr lang="ru-RU" sz="3000" dirty="0" smtClean="0"/>
-              <a:t>и </a:t>
-            </a:r>
-            <a:r>
-              <a:rPr lang="en-US" sz="3000" dirty="0" smtClean="0"/>
-              <a:t>MPI</a:t>
-            </a:r>
-            <a:r>
-              <a:rPr lang="ru-RU" sz="3000" dirty="0" smtClean="0"/>
+              <a:t>параллельными вычислениями</a:t>
+            </a:r>
+            <a:r>
+              <a:rPr lang="ru-RU" dirty="0"/>
               <a:t>.</a:t>
             </a:r>
-          </a:p>
-          <a:p>
-            <a:pPr marL="0" indent="0">
-              <a:buNone/>
-            </a:pPr>
-            <a:r>
-              <a:rPr lang="ru-RU" dirty="0" smtClean="0"/>
-              <a:t>	</a:t>
-            </a:r>
+            <a:endParaRPr lang="ru-RU" dirty="0" smtClean="0"/>
           </a:p>
           <a:p>
             <a:pPr>
@@ -8253,8 +8105,8 @@
               <a:t>разработать </a:t>
             </a:r>
             <a:r>
-              <a:rPr lang="ru-RU" sz="2000" dirty="0"/>
-              <a:t>серверной </a:t>
+              <a:rPr lang="ru-RU" sz="2000" dirty="0" smtClean="0"/>
+              <a:t>серверную </a:t>
             </a:r>
             <a:r>
               <a:rPr lang="ru-RU" sz="2000" dirty="0" smtClean="0"/>
@@ -8364,10 +8216,224 @@
         </p:nvSpPr>
         <p:spPr/>
         <p:txBody>
-          <a:bodyPr/>
+          <a:bodyPr>
+            <a:noAutofit/>
+          </a:bodyPr>
           <a:lstStyle/>
           <a:p>
-            <a:endParaRPr lang="ru-RU" dirty="0"/>
+            <a:pPr lvl="0"/>
+            <a:r>
+              <a:rPr lang="ru-RU" sz="2000" dirty="0"/>
+              <a:t>ОКОД — система, которая работает с одиночным потоком команд и одиночным потоком данных (</a:t>
+            </a:r>
+            <a:r>
+              <a:rPr lang="ru-RU" sz="2000" dirty="0" err="1"/>
+              <a:t>Single</a:t>
+            </a:r>
+            <a:r>
+              <a:rPr lang="ru-RU" sz="2000" dirty="0"/>
+              <a:t> </a:t>
+            </a:r>
+            <a:r>
+              <a:rPr lang="ru-RU" sz="2000" dirty="0" err="1"/>
+              <a:t>Instruction</a:t>
+            </a:r>
+            <a:r>
+              <a:rPr lang="ru-RU" sz="2000" dirty="0"/>
+              <a:t> </a:t>
+            </a:r>
+            <a:r>
+              <a:rPr lang="ru-RU" sz="2000" dirty="0" err="1"/>
+              <a:t>stream</a:t>
+            </a:r>
+            <a:r>
+              <a:rPr lang="ru-RU" sz="2000" dirty="0"/>
+              <a:t> </a:t>
+            </a:r>
+            <a:r>
+              <a:rPr lang="ru-RU" sz="2000" dirty="0" err="1"/>
+              <a:t>over</a:t>
+            </a:r>
+            <a:r>
+              <a:rPr lang="ru-RU" sz="2000" dirty="0"/>
+              <a:t> a </a:t>
+            </a:r>
+            <a:r>
+              <a:rPr lang="ru-RU" sz="2000" dirty="0" err="1"/>
+              <a:t>Single</a:t>
+            </a:r>
+            <a:r>
+              <a:rPr lang="ru-RU" sz="2000" dirty="0"/>
+              <a:t> </a:t>
+            </a:r>
+            <a:r>
+              <a:rPr lang="ru-RU" sz="2000" dirty="0" err="1"/>
+              <a:t>Data</a:t>
+            </a:r>
+            <a:r>
+              <a:rPr lang="ru-RU" sz="2000" dirty="0"/>
+              <a:t> </a:t>
+            </a:r>
+            <a:r>
+              <a:rPr lang="ru-RU" sz="2000" dirty="0" err="1"/>
+              <a:t>stream</a:t>
+            </a:r>
+            <a:r>
+              <a:rPr lang="ru-RU" sz="2000" dirty="0" smtClean="0"/>
+              <a:t>)</a:t>
+            </a:r>
+            <a:r>
+              <a:rPr lang="en-US" sz="2000" dirty="0" smtClean="0"/>
+              <a:t> – </a:t>
+            </a:r>
+            <a:r>
+              <a:rPr lang="ru-RU" sz="2000" dirty="0" smtClean="0"/>
+              <a:t>классический компьютер;</a:t>
+            </a:r>
+            <a:endParaRPr lang="ru-RU" sz="2000" dirty="0"/>
+          </a:p>
+          <a:p>
+            <a:pPr lvl="0"/>
+            <a:r>
+              <a:rPr lang="ru-RU" sz="2000" dirty="0"/>
+              <a:t>ОКМД — система, которая работает с одиночным потоком команд и множественным потоком данных (</a:t>
+            </a:r>
+            <a:r>
+              <a:rPr lang="ru-RU" sz="2000" dirty="0" err="1"/>
+              <a:t>Single</a:t>
+            </a:r>
+            <a:r>
+              <a:rPr lang="ru-RU" sz="2000" dirty="0"/>
+              <a:t> </a:t>
+            </a:r>
+            <a:r>
+              <a:rPr lang="ru-RU" sz="2000" dirty="0" err="1"/>
+              <a:t>Instruction</a:t>
+            </a:r>
+            <a:r>
+              <a:rPr lang="ru-RU" sz="2000" dirty="0"/>
+              <a:t>, </a:t>
+            </a:r>
+            <a:r>
+              <a:rPr lang="ru-RU" sz="2000" dirty="0" err="1"/>
+              <a:t>Multiple</a:t>
+            </a:r>
+            <a:r>
+              <a:rPr lang="ru-RU" sz="2000" dirty="0"/>
+              <a:t> </a:t>
+            </a:r>
+            <a:r>
+              <a:rPr lang="ru-RU" sz="2000" dirty="0" err="1" smtClean="0"/>
+              <a:t>Data</a:t>
+            </a:r>
+            <a:r>
+              <a:rPr lang="ru-RU" sz="2000" dirty="0" smtClean="0"/>
+              <a:t>)</a:t>
+            </a:r>
+            <a:r>
+              <a:rPr lang="en-US" sz="2000" dirty="0" smtClean="0"/>
+              <a:t> –</a:t>
+            </a:r>
+            <a:r>
+              <a:rPr lang="ru-RU" sz="2000" dirty="0" smtClean="0"/>
+              <a:t> </a:t>
+            </a:r>
+            <a:r>
+              <a:rPr lang="en-US" sz="2000" dirty="0" err="1" smtClean="0"/>
+              <a:t>OpenMP</a:t>
+            </a:r>
+            <a:r>
+              <a:rPr lang="ru-RU" sz="2000" dirty="0" smtClean="0"/>
+              <a:t>;</a:t>
+            </a:r>
+            <a:endParaRPr lang="ru-RU" sz="2000" dirty="0"/>
+          </a:p>
+          <a:p>
+            <a:pPr lvl="0"/>
+            <a:r>
+              <a:rPr lang="ru-RU" sz="2000" dirty="0"/>
+              <a:t>МКОД — система, которая работает со множественным потоком команд и одиночным потоком данных (</a:t>
+            </a:r>
+            <a:r>
+              <a:rPr lang="ru-RU" sz="2000" dirty="0" err="1"/>
+              <a:t>Multiple</a:t>
+            </a:r>
+            <a:r>
+              <a:rPr lang="ru-RU" sz="2000" dirty="0"/>
+              <a:t> </a:t>
+            </a:r>
+            <a:r>
+              <a:rPr lang="ru-RU" sz="2000" dirty="0" err="1"/>
+              <a:t>Instruction</a:t>
+            </a:r>
+            <a:r>
+              <a:rPr lang="ru-RU" sz="2000" dirty="0"/>
+              <a:t> </a:t>
+            </a:r>
+            <a:r>
+              <a:rPr lang="ru-RU" sz="2000" dirty="0" err="1"/>
+              <a:t>Single</a:t>
+            </a:r>
+            <a:r>
+              <a:rPr lang="ru-RU" sz="2000" dirty="0"/>
+              <a:t> </a:t>
+            </a:r>
+            <a:r>
+              <a:rPr lang="ru-RU" sz="2000" dirty="0" err="1"/>
+              <a:t>Data</a:t>
+            </a:r>
+            <a:r>
+              <a:rPr lang="ru-RU" sz="2000" dirty="0" smtClean="0"/>
+              <a:t>);</a:t>
+            </a:r>
+            <a:endParaRPr lang="ru-RU" sz="2000" dirty="0"/>
+          </a:p>
+          <a:p>
+            <a:r>
+              <a:rPr lang="ru-RU" sz="2000" dirty="0"/>
+              <a:t>МКМД — система, которая работает со множественным потоком команд и множественным потоком данных (</a:t>
+            </a:r>
+            <a:r>
+              <a:rPr lang="ru-RU" sz="2000" dirty="0" err="1"/>
+              <a:t>Multiple</a:t>
+            </a:r>
+            <a:r>
+              <a:rPr lang="ru-RU" sz="2000" dirty="0"/>
+              <a:t> </a:t>
+            </a:r>
+            <a:r>
+              <a:rPr lang="ru-RU" sz="2000" dirty="0" err="1"/>
+              <a:t>Instruction</a:t>
+            </a:r>
+            <a:r>
+              <a:rPr lang="ru-RU" sz="2000" dirty="0"/>
+              <a:t> </a:t>
+            </a:r>
+            <a:r>
+              <a:rPr lang="ru-RU" sz="2000" dirty="0" err="1"/>
+              <a:t>Multiple</a:t>
+            </a:r>
+            <a:r>
+              <a:rPr lang="ru-RU" sz="2000" dirty="0"/>
+              <a:t> </a:t>
+            </a:r>
+            <a:r>
+              <a:rPr lang="ru-RU" sz="2000" dirty="0" err="1"/>
+              <a:t>Data</a:t>
+            </a:r>
+            <a:r>
+              <a:rPr lang="ru-RU" sz="2000" dirty="0" smtClean="0"/>
+              <a:t>)</a:t>
+            </a:r>
+            <a:r>
+              <a:rPr lang="en-US" sz="2000" dirty="0" smtClean="0"/>
+              <a:t> – MPI</a:t>
+            </a:r>
+            <a:r>
+              <a:rPr lang="ru-RU" sz="2000" dirty="0" smtClean="0"/>
+              <a:t>. </a:t>
+            </a:r>
+            <a:endParaRPr lang="ru-RU" sz="2000" dirty="0"/>
           </a:p>
         </p:txBody>
       </p:sp>
@@ -8425,12 +8491,17 @@
           <a:p>
             <a:r>
               <a:rPr lang="ru-RU" dirty="0" smtClean="0"/>
-              <a:t>Технологии </a:t>
+              <a:t>Системы </a:t>
             </a:r>
             <a:r>
               <a:rPr lang="ru-RU" dirty="0"/>
-              <a:t>параллельных вычислений</a:t>
-            </a:r>
+              <a:t>управления параллельными </a:t>
+            </a:r>
+            <a:r>
+              <a:rPr lang="ru-RU" dirty="0" smtClean="0"/>
+              <a:t>вычислениями</a:t>
+            </a:r>
+            <a:endParaRPr lang="ru-RU" dirty="0"/>
           </a:p>
         </p:txBody>
       </p:sp>
@@ -8449,14 +8520,35 @@
           <a:bodyPr/>
           <a:lstStyle/>
           <a:p>
-            <a:endParaRPr lang="ru-RU"/>
+            <a:r>
+              <a:rPr lang="en-US" sz="3000" dirty="0" smtClean="0"/>
+              <a:t>PBS;</a:t>
+            </a:r>
+            <a:endParaRPr lang="en-US" sz="3000" dirty="0"/>
+          </a:p>
+          <a:p>
+            <a:r>
+              <a:rPr lang="en-US" sz="3000" dirty="0" smtClean="0"/>
+              <a:t>TORQUE;</a:t>
+            </a:r>
+            <a:endParaRPr lang="en-US" sz="3000" dirty="0"/>
+          </a:p>
+          <a:p>
+            <a:r>
+              <a:rPr lang="en-US" sz="3000" dirty="0" smtClean="0"/>
+              <a:t>IBM Platform LSF.</a:t>
+            </a:r>
+            <a:endParaRPr lang="en-US" sz="3000" dirty="0"/>
+          </a:p>
+          <a:p>
+            <a:endParaRPr lang="ru-RU" dirty="0"/>
           </a:p>
         </p:txBody>
       </p:sp>
     </p:spTree>
     <p:extLst>
       <p:ext uri="{BB962C8B-B14F-4D97-AF65-F5344CB8AC3E}">
-        <p14:creationId xmlns:p14="http://schemas.microsoft.com/office/powerpoint/2010/main" val="1668576122"/>
+        <p14:creationId xmlns:p14="http://schemas.microsoft.com/office/powerpoint/2010/main" val="1250003929"/>
       </p:ext>
     </p:extLst>
   </p:cSld>
@@ -8507,47 +8599,60 @@
           <a:p>
             <a:r>
               <a:rPr lang="ru-RU" dirty="0" smtClean="0"/>
-              <a:t>Системы </a:t>
-            </a:r>
-            <a:r>
-              <a:rPr lang="ru-RU" dirty="0"/>
-              <a:t>управления </a:t>
-            </a:r>
-            <a:r>
-              <a:rPr lang="ru-RU"/>
-              <a:t>параллельными </a:t>
-            </a:r>
-            <a:r>
-              <a:rPr lang="ru-RU" smtClean="0"/>
-              <a:t>вычислениями</a:t>
+              <a:t>Архитектура проекта</a:t>
             </a:r>
             <a:endParaRPr lang="ru-RU" dirty="0"/>
           </a:p>
         </p:txBody>
       </p:sp>
-      <p:sp>
-        <p:nvSpPr>
-          <p:cNvPr id="3" name="Объект 2"/>
-          <p:cNvSpPr>
-            <a:spLocks noGrp="1"/>
-          </p:cNvSpPr>
+      <p:pic>
+        <p:nvPicPr>
+          <p:cNvPr id="4" name="Объект 3"/>
+          <p:cNvPicPr>
+            <a:picLocks noGrp="1" noChangeAspect="1"/>
+          </p:cNvPicPr>
           <p:nvPr>
             <p:ph idx="1"/>
           </p:nvPr>
-        </p:nvSpPr>
-        <p:spPr/>
-        <p:txBody>
-          <a:bodyPr/>
-          <a:lstStyle/>
-          <a:p>
-            <a:endParaRPr lang="ru-RU"/>
-          </a:p>
-        </p:txBody>
-      </p:sp>
+        </p:nvPicPr>
+        <p:blipFill rotWithShape="1">
+          <a:blip r:embed="rId2">
+            <a:extLst>
+              <a:ext uri="{28A0092B-C50C-407E-A947-70E740481C1C}">
+                <a14:useLocalDpi xmlns:a14="http://schemas.microsoft.com/office/drawing/2010/main" val="0"/>
+              </a:ext>
+            </a:extLst>
+          </a:blip>
+          <a:srcRect/>
+          <a:stretch/>
+        </p:blipFill>
+        <p:spPr>
+          <a:xfrm>
+            <a:off x="1527242" y="1447800"/>
+            <a:ext cx="8708958" cy="5087812"/>
+          </a:xfrm>
+          <a:prstGeom prst="roundRect">
+            <a:avLst>
+              <a:gd name="adj" fmla="val 8594"/>
+            </a:avLst>
+          </a:prstGeom>
+          <a:solidFill>
+            <a:srgbClr val="FFFFFF">
+              <a:shade val="85000"/>
+            </a:srgbClr>
+          </a:solidFill>
+          <a:ln>
+            <a:noFill/>
+          </a:ln>
+          <a:effectLst>
+            <a:reflection blurRad="12700" stA="38000" endPos="28000" dist="5000" dir="5400000" sy="-100000" algn="bl" rotWithShape="0"/>
+          </a:effectLst>
+        </p:spPr>
+      </p:pic>
     </p:spTree>
     <p:extLst>
       <p:ext uri="{BB962C8B-B14F-4D97-AF65-F5344CB8AC3E}">
-        <p14:creationId xmlns:p14="http://schemas.microsoft.com/office/powerpoint/2010/main" val="1250003929"/>
+        <p14:creationId xmlns:p14="http://schemas.microsoft.com/office/powerpoint/2010/main" val="1453981639"/>
       </p:ext>
     </p:extLst>
   </p:cSld>
@@ -8604,25 +8709,51 @@
           </a:p>
         </p:txBody>
       </p:sp>
-      <p:sp>
-        <p:nvSpPr>
-          <p:cNvPr id="3" name="Объект 2"/>
-          <p:cNvSpPr>
-            <a:spLocks noGrp="1"/>
-          </p:cNvSpPr>
+      <p:pic>
+        <p:nvPicPr>
+          <p:cNvPr id="4" name="Объект 3"/>
+          <p:cNvPicPr>
+            <a:picLocks noGrp="1" noChangeAspect="1"/>
+          </p:cNvPicPr>
           <p:nvPr>
             <p:ph idx="1"/>
           </p:nvPr>
-        </p:nvSpPr>
-        <p:spPr/>
-        <p:txBody>
-          <a:bodyPr/>
-          <a:lstStyle/>
-          <a:p>
-            <a:endParaRPr lang="ru-RU"/>
-          </a:p>
-        </p:txBody>
-      </p:sp>
+        </p:nvPicPr>
+        <p:blipFill>
+          <a:blip r:embed="rId2">
+            <a:extLst>
+              <a:ext uri="{28A0092B-C50C-407E-A947-70E740481C1C}">
+                <a14:useLocalDpi xmlns:a14="http://schemas.microsoft.com/office/drawing/2010/main" val="0"/>
+              </a:ext>
+            </a:extLst>
+          </a:blip>
+          <a:stretch>
+            <a:fillRect/>
+          </a:stretch>
+        </p:blipFill>
+        <p:spPr>
+          <a:xfrm>
+            <a:off x="903017" y="1612900"/>
+            <a:ext cx="10880995" cy="3975100"/>
+          </a:xfrm>
+          <a:prstGeom prst="roundRect">
+            <a:avLst>
+              <a:gd name="adj" fmla="val 8594"/>
+            </a:avLst>
+          </a:prstGeom>
+          <a:solidFill>
+            <a:srgbClr val="FFFFFF">
+              <a:shade val="85000"/>
+            </a:srgbClr>
+          </a:solidFill>
+          <a:ln>
+            <a:noFill/>
+          </a:ln>
+          <a:effectLst>
+            <a:reflection blurRad="12700" stA="38000" endPos="28000" dist="5000" dir="5400000" sy="-100000" algn="bl" rotWithShape="0"/>
+          </a:effectLst>
+        </p:spPr>
+      </p:pic>
     </p:spTree>
     <p:extLst>
       <p:ext uri="{BB962C8B-B14F-4D97-AF65-F5344CB8AC3E}">
@@ -8677,7 +8808,11 @@
           <a:p>
             <a:r>
               <a:rPr lang="ru-RU" dirty="0" smtClean="0"/>
-              <a:t>Разработка серверной части</a:t>
+              <a:t>Разработк</a:t>
+            </a:r>
+            <a:r>
+              <a:rPr lang="ru-RU" dirty="0"/>
+              <a:t>а</a:t>
             </a:r>
             <a:endParaRPr lang="ru-RU" dirty="0"/>
           </a:p>
@@ -8693,15 +8828,108 @@
             <p:ph idx="1"/>
           </p:nvPr>
         </p:nvSpPr>
-        <p:spPr/>
-        <p:txBody>
-          <a:bodyPr/>
+        <p:spPr>
+          <a:xfrm>
+            <a:off x="2592925" y="1473200"/>
+            <a:ext cx="8915400" cy="3777622"/>
+          </a:xfrm>
+        </p:spPr>
+        <p:txBody>
+          <a:bodyPr>
+            <a:normAutofit/>
+          </a:bodyPr>
           <a:lstStyle/>
           <a:p>
-            <a:endParaRPr lang="ru-RU"/>
-          </a:p>
-        </p:txBody>
-      </p:sp>
+            <a:r>
+              <a:rPr lang="en-US" sz="3000" dirty="0" smtClean="0"/>
+              <a:t>C#;</a:t>
+            </a:r>
+          </a:p>
+          <a:p>
+            <a:r>
+              <a:rPr lang="en-US" sz="3000" dirty="0" smtClean="0"/>
+              <a:t>.NET Core;</a:t>
+            </a:r>
+          </a:p>
+          <a:p>
+            <a:r>
+              <a:rPr lang="en-US" sz="3000" dirty="0" smtClean="0"/>
+              <a:t>Web API.</a:t>
+            </a:r>
+          </a:p>
+        </p:txBody>
+      </p:sp>
+      <p:pic>
+        <p:nvPicPr>
+          <p:cNvPr id="4" name="Рисунок 3"/>
+          <p:cNvPicPr/>
+          <p:nvPr/>
+        </p:nvPicPr>
+        <p:blipFill>
+          <a:blip r:embed="rId2">
+            <a:extLst>
+              <a:ext uri="{28A0092B-C50C-407E-A947-70E740481C1C}">
+                <a14:useLocalDpi xmlns:a14="http://schemas.microsoft.com/office/drawing/2010/main" val="0"/>
+              </a:ext>
+            </a:extLst>
+          </a:blip>
+          <a:stretch>
+            <a:fillRect/>
+          </a:stretch>
+        </p:blipFill>
+        <p:spPr>
+          <a:xfrm>
+            <a:off x="7876123" y="624110"/>
+            <a:ext cx="4315877" cy="2879817"/>
+          </a:xfrm>
+          <a:prstGeom prst="rect">
+            <a:avLst/>
+          </a:prstGeom>
+        </p:spPr>
+      </p:pic>
+      <p:pic>
+        <p:nvPicPr>
+          <p:cNvPr id="5" name="Рисунок 4"/>
+          <p:cNvPicPr/>
+          <p:nvPr/>
+        </p:nvPicPr>
+        <p:blipFill>
+          <a:blip r:embed="rId3"/>
+          <a:stretch>
+            <a:fillRect/>
+          </a:stretch>
+        </p:blipFill>
+        <p:spPr>
+          <a:xfrm>
+            <a:off x="6476998" y="3738861"/>
+            <a:ext cx="5715002" cy="3119139"/>
+          </a:xfrm>
+          <a:prstGeom prst="rect">
+            <a:avLst/>
+          </a:prstGeom>
+        </p:spPr>
+      </p:pic>
+      <p:pic>
+        <p:nvPicPr>
+          <p:cNvPr id="6" name="Рисунок 5"/>
+          <p:cNvPicPr/>
+          <p:nvPr/>
+        </p:nvPicPr>
+        <p:blipFill rotWithShape="1">
+          <a:blip r:embed="rId4"/>
+          <a:srcRect l="-224" t="23754" r="23938" b="1200"/>
+          <a:stretch/>
+        </p:blipFill>
+        <p:spPr>
+          <a:xfrm>
+            <a:off x="0" y="3347810"/>
+            <a:ext cx="4787899" cy="3510190"/>
+          </a:xfrm>
+          <a:prstGeom prst="rect">
+            <a:avLst/>
+          </a:prstGeom>
+        </p:spPr>
+      </p:pic>
     </p:spTree>
     <p:extLst>
       <p:ext uri="{BB962C8B-B14F-4D97-AF65-F5344CB8AC3E}">
@@ -8756,41 +8984,92 @@
           <a:p>
             <a:r>
               <a:rPr lang="ru-RU" dirty="0" smtClean="0"/>
-              <a:t>Разработка клиентской части</a:t>
+              <a:t>Работа </a:t>
+            </a:r>
+            <a:r>
+              <a:rPr lang="ru-RU" dirty="0" err="1" smtClean="0"/>
+              <a:t>фреймворка</a:t>
             </a:r>
             <a:endParaRPr lang="ru-RU" dirty="0"/>
           </a:p>
         </p:txBody>
       </p:sp>
-      <p:sp>
-        <p:nvSpPr>
-          <p:cNvPr id="3" name="Объект 2"/>
-          <p:cNvSpPr>
-            <a:spLocks noGrp="1"/>
-          </p:cNvSpPr>
+      <p:pic>
+        <p:nvPicPr>
+          <p:cNvPr id="5" name="Рисунок 4"/>
+          <p:cNvPicPr>
+            <a:picLocks noChangeAspect="1"/>
+          </p:cNvPicPr>
+          <p:nvPr/>
+        </p:nvPicPr>
+        <p:blipFill>
+          <a:blip r:embed="rId2">
+            <a:extLst>
+              <a:ext uri="{28A0092B-C50C-407E-A947-70E740481C1C}">
+                <a14:useLocalDpi xmlns:a14="http://schemas.microsoft.com/office/drawing/2010/main" val="0"/>
+              </a:ext>
+            </a:extLst>
+          </a:blip>
+          <a:stretch>
+            <a:fillRect/>
+          </a:stretch>
+        </p:blipFill>
+        <p:spPr>
+          <a:xfrm>
+            <a:off x="674833" y="1308100"/>
+            <a:ext cx="10040145" cy="3797300"/>
+          </a:xfrm>
+          <a:prstGeom prst="rect">
+            <a:avLst/>
+          </a:prstGeom>
+        </p:spPr>
+      </p:pic>
+      <p:pic>
+        <p:nvPicPr>
+          <p:cNvPr id="4" name="Объект 3"/>
+          <p:cNvPicPr>
+            <a:picLocks noGrp="1" noChangeAspect="1"/>
+          </p:cNvPicPr>
           <p:nvPr>
             <p:ph idx="1"/>
           </p:nvPr>
-        </p:nvSpPr>
-        <p:spPr/>
-        <p:txBody>
-          <a:bodyPr/>
-          <a:lstStyle/>
-          <a:p>
-            <a:endParaRPr lang="ru-RU"/>
-          </a:p>
-        </p:txBody>
-      </p:sp>
+        </p:nvPicPr>
+        <p:blipFill>
+          <a:blip r:embed="rId3">
+            <a:extLst>
+              <a:ext uri="{28A0092B-C50C-407E-A947-70E740481C1C}">
+                <a14:useLocalDpi xmlns:a14="http://schemas.microsoft.com/office/drawing/2010/main" val="0"/>
+              </a:ext>
+            </a:extLst>
+          </a:blip>
+          <a:stretch>
+            <a:fillRect/>
+          </a:stretch>
+        </p:blipFill>
+        <p:spPr>
+          <a:xfrm>
+            <a:off x="3394795" y="2666998"/>
+            <a:ext cx="8644805" cy="4191002"/>
+          </a:xfrm>
+        </p:spPr>
+      </p:pic>
     </p:spTree>
     <p:extLst>
       <p:ext uri="{BB962C8B-B14F-4D97-AF65-F5344CB8AC3E}">
-        <p14:creationId xmlns:p14="http://schemas.microsoft.com/office/powerpoint/2010/main" val="2711600969"/>
+        <p14:creationId xmlns:p14="http://schemas.microsoft.com/office/powerpoint/2010/main" val="112246041"/>
       </p:ext>
     </p:extLst>
   </p:cSld>
   <p:clrMapOvr>
     <a:masterClrMapping/>
   </p:clrMapOvr>
+  <p:timing>
+    <p:tnLst>
+      <p:par>
+        <p:cTn id="1" dur="indefinite" restart="never" nodeType="tmRoot"/>
+      </p:par>
+    </p:tnLst>
+  </p:timing>
 </p:sld>
 </file>
 

--- a/презентация.pptx
+++ b/презентация.pptx
@@ -310,7 +310,7 @@
             <a:fld id="{B61BEF0D-F0BB-DE4B-95CE-6DB70DBA9567}" type="datetimeFigureOut">
               <a:rPr lang="en-US" dirty="0"/>
               <a:pPr/>
-              <a:t>5/31/2017</a:t>
+              <a:t>6/4/2017</a:t>
             </a:fld>
             <a:endParaRPr lang="en-US" dirty="0"/>
           </a:p>
@@ -645,7 +645,7 @@
             <a:fld id="{B61BEF0D-F0BB-DE4B-95CE-6DB70DBA9567}" type="datetimeFigureOut">
               <a:rPr lang="en-US" dirty="0"/>
               <a:pPr/>
-              <a:t>5/31/2017</a:t>
+              <a:t>6/4/2017</a:t>
             </a:fld>
             <a:endParaRPr lang="en-US" dirty="0"/>
           </a:p>
@@ -1043,7 +1043,7 @@
             <a:fld id="{B61BEF0D-F0BB-DE4B-95CE-6DB70DBA9567}" type="datetimeFigureOut">
               <a:rPr lang="en-US" dirty="0"/>
               <a:pPr/>
-              <a:t>5/31/2017</a:t>
+              <a:t>6/4/2017</a:t>
             </a:fld>
             <a:endParaRPr lang="en-US" dirty="0"/>
           </a:p>
@@ -1375,7 +1375,7 @@
             <a:fld id="{B61BEF0D-F0BB-DE4B-95CE-6DB70DBA9567}" type="datetimeFigureOut">
               <a:rPr lang="en-US" dirty="0"/>
               <a:pPr/>
-              <a:t>5/31/2017</a:t>
+              <a:t>6/4/2017</a:t>
             </a:fld>
             <a:endParaRPr lang="en-US" dirty="0"/>
           </a:p>
@@ -1692,7 +1692,7 @@
             <a:fld id="{B61BEF0D-F0BB-DE4B-95CE-6DB70DBA9567}" type="datetimeFigureOut">
               <a:rPr lang="en-US" dirty="0"/>
               <a:pPr/>
-              <a:t>5/31/2017</a:t>
+              <a:t>6/4/2017</a:t>
             </a:fld>
             <a:endParaRPr lang="en-US" dirty="0"/>
           </a:p>
@@ -2085,7 +2085,7 @@
             <a:fld id="{B61BEF0D-F0BB-DE4B-95CE-6DB70DBA9567}" type="datetimeFigureOut">
               <a:rPr lang="en-US" dirty="0"/>
               <a:pPr/>
-              <a:t>5/31/2017</a:t>
+              <a:t>6/4/2017</a:t>
             </a:fld>
             <a:endParaRPr lang="en-US" dirty="0"/>
           </a:p>
@@ -2339,7 +2339,7 @@
             <a:fld id="{B61BEF0D-F0BB-DE4B-95CE-6DB70DBA9567}" type="datetimeFigureOut">
               <a:rPr lang="en-US" dirty="0"/>
               <a:pPr/>
-              <a:t>5/31/2017</a:t>
+              <a:t>6/4/2017</a:t>
             </a:fld>
             <a:endParaRPr lang="en-US" dirty="0"/>
           </a:p>
@@ -2598,7 +2598,7 @@
             <a:fld id="{B61BEF0D-F0BB-DE4B-95CE-6DB70DBA9567}" type="datetimeFigureOut">
               <a:rPr lang="en-US" dirty="0"/>
               <a:pPr/>
-              <a:t>5/31/2017</a:t>
+              <a:t>6/4/2017</a:t>
             </a:fld>
             <a:endParaRPr lang="en-US" dirty="0"/>
           </a:p>
@@ -2857,7 +2857,7 @@
             <a:fld id="{B61BEF0D-F0BB-DE4B-95CE-6DB70DBA9567}" type="datetimeFigureOut">
               <a:rPr lang="en-US" dirty="0"/>
               <a:pPr/>
-              <a:t>5/31/2017</a:t>
+              <a:t>6/4/2017</a:t>
             </a:fld>
             <a:endParaRPr lang="en-US" dirty="0"/>
           </a:p>
@@ -3183,7 +3183,7 @@
             <a:fld id="{B61BEF0D-F0BB-DE4B-95CE-6DB70DBA9567}" type="datetimeFigureOut">
               <a:rPr lang="en-US" dirty="0"/>
               <a:pPr/>
-              <a:t>5/31/2017</a:t>
+              <a:t>6/4/2017</a:t>
             </a:fld>
             <a:endParaRPr lang="en-US" dirty="0"/>
           </a:p>
@@ -3503,7 +3503,7 @@
             <a:fld id="{B61BEF0D-F0BB-DE4B-95CE-6DB70DBA9567}" type="datetimeFigureOut">
               <a:rPr lang="en-US" dirty="0"/>
               <a:pPr/>
-              <a:t>5/31/2017</a:t>
+              <a:t>6/4/2017</a:t>
             </a:fld>
             <a:endParaRPr lang="en-US" dirty="0"/>
           </a:p>
@@ -3957,7 +3957,7 @@
             <a:fld id="{B61BEF0D-F0BB-DE4B-95CE-6DB70DBA9567}" type="datetimeFigureOut">
               <a:rPr lang="en-US" dirty="0"/>
               <a:pPr/>
-              <a:t>5/31/2017</a:t>
+              <a:t>6/4/2017</a:t>
             </a:fld>
             <a:endParaRPr lang="en-US" dirty="0"/>
           </a:p>
@@ -4159,7 +4159,7 @@
             <a:fld id="{B61BEF0D-F0BB-DE4B-95CE-6DB70DBA9567}" type="datetimeFigureOut">
               <a:rPr lang="en-US" dirty="0"/>
               <a:pPr/>
-              <a:t>5/31/2017</a:t>
+              <a:t>6/4/2017</a:t>
             </a:fld>
             <a:endParaRPr lang="en-US" dirty="0"/>
           </a:p>
@@ -4333,7 +4333,7 @@
             <a:fld id="{B61BEF0D-F0BB-DE4B-95CE-6DB70DBA9567}" type="datetimeFigureOut">
               <a:rPr lang="en-US" dirty="0"/>
               <a:pPr/>
-              <a:t>5/31/2017</a:t>
+              <a:t>6/4/2017</a:t>
             </a:fld>
             <a:endParaRPr lang="en-US" dirty="0"/>
           </a:p>
@@ -4663,7 +4663,7 @@
             <a:fld id="{B61BEF0D-F0BB-DE4B-95CE-6DB70DBA9567}" type="datetimeFigureOut">
               <a:rPr lang="en-US" dirty="0"/>
               <a:pPr/>
-              <a:t>5/31/2017</a:t>
+              <a:t>6/4/2017</a:t>
             </a:fld>
             <a:endParaRPr lang="en-US" dirty="0"/>
           </a:p>
@@ -5005,7 +5005,7 @@
             <a:fld id="{B61BEF0D-F0BB-DE4B-95CE-6DB70DBA9567}" type="datetimeFigureOut">
               <a:rPr lang="en-US" dirty="0"/>
               <a:pPr/>
-              <a:t>5/31/2017</a:t>
+              <a:t>6/4/2017</a:t>
             </a:fld>
             <a:endParaRPr lang="en-US" dirty="0"/>
           </a:p>
@@ -7119,7 +7119,7 @@
             <a:fld id="{B61BEF0D-F0BB-DE4B-95CE-6DB70DBA9567}" type="datetimeFigureOut">
               <a:rPr lang="en-US" dirty="0"/>
               <a:pPr/>
-              <a:t>5/31/2017</a:t>
+              <a:t>6/4/2017</a:t>
             </a:fld>
             <a:endParaRPr lang="en-US" dirty="0"/>
           </a:p>
@@ -7708,21 +7708,13 @@
           <a:p>
             <a:r>
               <a:rPr lang="ru-RU" sz="2500" dirty="0" smtClean="0"/>
-              <a:t>Выполнил: </a:t>
-            </a:r>
+              <a:t>Выполнил: Габидуллин Ибрагим Анварович гр. 11-308</a:t>
+            </a:r>
+          </a:p>
+          <a:p>
             <a:r>
               <a:rPr lang="ru-RU" sz="2500" dirty="0" smtClean="0"/>
-              <a:t>Габидуллин Ибрагим Анварович гр. 11-308</a:t>
-            </a:r>
-          </a:p>
-          <a:p>
-            <a:r>
-              <a:rPr lang="ru-RU" sz="2500" dirty="0" smtClean="0"/>
-              <a:t>Научный руководитель</a:t>
-            </a:r>
-            <a:r>
-              <a:rPr lang="ru-RU" sz="2500" dirty="0" smtClean="0"/>
-              <a:t>: Тощев Александр Сергеевич</a:t>
+              <a:t>Научный руководитель: Тощев Александр Сергеевич</a:t>
             </a:r>
             <a:endParaRPr lang="ru-RU" sz="2500" dirty="0"/>
           </a:p>
@@ -7827,7 +7819,6 @@
               <a:rPr lang="ru-RU" sz="2500" dirty="0"/>
               <a:t>Научный руководитель: Тощев Александр Сергеевич</a:t>
             </a:r>
-            <a:endParaRPr lang="ru-RU" sz="2500" dirty="0"/>
           </a:p>
         </p:txBody>
       </p:sp>
@@ -7890,11 +7881,7 @@
           <a:p>
             <a:r>
               <a:rPr lang="ru-RU" dirty="0" smtClean="0"/>
-              <a:t>Цель </a:t>
-            </a:r>
-            <a:r>
-              <a:rPr lang="ru-RU" dirty="0" smtClean="0"/>
-              <a:t>работы</a:t>
+              <a:t>Цель работы</a:t>
             </a:r>
             <a:endParaRPr lang="ru-RU" dirty="0"/>
           </a:p>
@@ -7927,11 +7914,11 @@
             </a:pPr>
             <a:r>
               <a:rPr lang="ru-RU" sz="3000" dirty="0" smtClean="0"/>
-              <a:t>Разработать </a:t>
-            </a:r>
-            <a:r>
-              <a:rPr lang="ru-RU" sz="3000" dirty="0" smtClean="0"/>
-              <a:t>гибкий </a:t>
+              <a:t>Гибкий, лёгкий в настройке </a:t>
+            </a:r>
+            <a:r>
+              <a:rPr lang="ru-RU" sz="3000" smtClean="0"/>
+              <a:t>и развёртывании </a:t>
             </a:r>
             <a:r>
               <a:rPr lang="ru-RU" sz="3000" dirty="0" smtClean="0"/>
@@ -7943,11 +7930,7 @@
             </a:r>
             <a:r>
               <a:rPr lang="ru-RU" sz="3000" dirty="0" smtClean="0"/>
-              <a:t> для управления </a:t>
-            </a:r>
-            <a:r>
-              <a:rPr lang="ru-RU" sz="3000" dirty="0" smtClean="0"/>
-              <a:t>параллельными вычислениями</a:t>
+              <a:t> для управления параллельными вычислениями</a:t>
             </a:r>
             <a:r>
               <a:rPr lang="ru-RU" dirty="0"/>
@@ -8102,15 +8085,7 @@
             <a:pPr lvl="0"/>
             <a:r>
               <a:rPr lang="ru-RU" sz="2000" dirty="0" smtClean="0"/>
-              <a:t>разработать </a:t>
-            </a:r>
-            <a:r>
-              <a:rPr lang="ru-RU" sz="2000" dirty="0" smtClean="0"/>
-              <a:t>серверную </a:t>
-            </a:r>
-            <a:r>
-              <a:rPr lang="ru-RU" sz="2000" dirty="0" smtClean="0"/>
-              <a:t>и клиентскую части;</a:t>
+              <a:t>разработать серверную и клиентскую части;</a:t>
             </a:r>
             <a:endParaRPr lang="ru-RU" sz="2000" dirty="0"/>
           </a:p>
@@ -8814,7 +8789,6 @@
               <a:rPr lang="ru-RU" dirty="0"/>
               <a:t>а</a:t>
             </a:r>
-            <a:endParaRPr lang="ru-RU" dirty="0"/>
           </a:p>
         </p:txBody>
       </p:sp>

--- a/презентация.pptx
+++ b/презентация.pptx
@@ -7914,15 +7914,7 @@
             </a:pPr>
             <a:r>
               <a:rPr lang="ru-RU" sz="3000" dirty="0" smtClean="0"/>
-              <a:t>Гибкий, лёгкий в настройке </a:t>
-            </a:r>
-            <a:r>
-              <a:rPr lang="ru-RU" sz="3000" smtClean="0"/>
-              <a:t>и развёртывании </a:t>
-            </a:r>
-            <a:r>
-              <a:rPr lang="ru-RU" sz="3000" dirty="0" smtClean="0"/>
-              <a:t>клиент-серверный </a:t>
+              <a:t>Разработать гибкий, лёгкий в настройке и развёртывании клиент-серверный </a:t>
             </a:r>
             <a:r>
               <a:rPr lang="ru-RU" sz="3000" dirty="0" err="1" smtClean="0"/>
@@ -7933,20 +7925,9 @@
               <a:t> для управления параллельными вычислениями</a:t>
             </a:r>
             <a:r>
-              <a:rPr lang="ru-RU" dirty="0"/>
+              <a:rPr lang="ru-RU" dirty="0" smtClean="0"/>
               <a:t>.</a:t>
             </a:r>
-            <a:endParaRPr lang="ru-RU" dirty="0" smtClean="0"/>
-          </a:p>
-          <a:p>
-            <a:pPr>
-              <a:buFont typeface="+mj-lt"/>
-              <a:buAutoNum type="arabicPeriod"/>
-            </a:pPr>
-            <a:endParaRPr lang="ru-RU" dirty="0" smtClean="0"/>
-          </a:p>
-          <a:p>
-            <a:endParaRPr lang="ru-RU" dirty="0" smtClean="0"/>
           </a:p>
           <a:p>
             <a:pPr>

--- a/презентация.pptx
+++ b/презентация.pptx
@@ -1,20 +1,23 @@
 
 <file path=ppt/presentation.xml><?xml version="1.0" encoding="utf-8"?>
-<p:presentation xmlns:a="http://schemas.openxmlformats.org/drawingml/2006/main" xmlns:r="http://schemas.openxmlformats.org/officeDocument/2006/relationships" xmlns:p="http://schemas.openxmlformats.org/presentationml/2006/main" autoCompressPictures="0">
+<p:presentation xmlns:a="http://schemas.openxmlformats.org/drawingml/2006/main" xmlns:r="http://schemas.openxmlformats.org/officeDocument/2006/relationships" xmlns:p="http://schemas.openxmlformats.org/presentationml/2006/main" showSpecialPlsOnTitleSld="0" autoCompressPictures="0">
   <p:sldMasterIdLst>
     <p:sldMasterId id="2147483648" r:id="rId1"/>
   </p:sldMasterIdLst>
+  <p:notesMasterIdLst>
+    <p:notesMasterId r:id="rId12"/>
+  </p:notesMasterIdLst>
   <p:sldIdLst>
     <p:sldId id="256" r:id="rId2"/>
-    <p:sldId id="257" r:id="rId3"/>
-    <p:sldId id="258" r:id="rId4"/>
-    <p:sldId id="259" r:id="rId5"/>
+    <p:sldId id="270" r:id="rId3"/>
+    <p:sldId id="257" r:id="rId4"/>
+    <p:sldId id="258" r:id="rId5"/>
     <p:sldId id="261" r:id="rId6"/>
     <p:sldId id="269" r:id="rId7"/>
     <p:sldId id="262" r:id="rId8"/>
     <p:sldId id="263" r:id="rId9"/>
     <p:sldId id="265" r:id="rId10"/>
-    <p:sldId id="266" r:id="rId11"/>
+    <p:sldId id="272" r:id="rId11"/>
   </p:sldIdLst>
   <p:sldSz cx="12192000" cy="6858000"/>
   <p:notesSz cx="6858000" cy="9144000"/>
@@ -121,6 +124,440 @@
 </p:presentation>
 </file>
 
+<file path=ppt/notesMasters/notesMaster1.xml><?xml version="1.0" encoding="utf-8"?>
+<p:notesMaster xmlns:a="http://schemas.openxmlformats.org/drawingml/2006/main" xmlns:r="http://schemas.openxmlformats.org/officeDocument/2006/relationships" xmlns:p="http://schemas.openxmlformats.org/presentationml/2006/main">
+  <p:cSld>
+    <p:bg>
+      <p:bgRef idx="1001">
+        <a:schemeClr val="bg1"/>
+      </p:bgRef>
+    </p:bg>
+    <p:spTree>
+      <p:nvGrpSpPr>
+        <p:cNvPr id="1" name=""/>
+        <p:cNvGrpSpPr/>
+        <p:nvPr/>
+      </p:nvGrpSpPr>
+      <p:grpSpPr>
+        <a:xfrm>
+          <a:off x="0" y="0"/>
+          <a:ext cx="0" cy="0"/>
+          <a:chOff x="0" y="0"/>
+          <a:chExt cx="0" cy="0"/>
+        </a:xfrm>
+      </p:grpSpPr>
+      <p:sp>
+        <p:nvSpPr>
+          <p:cNvPr id="2" name="Верхний колонтитул 1"/>
+          <p:cNvSpPr>
+            <a:spLocks noGrp="1"/>
+          </p:cNvSpPr>
+          <p:nvPr>
+            <p:ph type="hdr" sz="quarter"/>
+          </p:nvPr>
+        </p:nvSpPr>
+        <p:spPr>
+          <a:xfrm>
+            <a:off x="0" y="0"/>
+            <a:ext cx="2971800" cy="458788"/>
+          </a:xfrm>
+          <a:prstGeom prst="rect">
+            <a:avLst/>
+          </a:prstGeom>
+        </p:spPr>
+        <p:txBody>
+          <a:bodyPr vert="horz" lIns="91440" tIns="45720" rIns="91440" bIns="45720" rtlCol="0"/>
+          <a:lstStyle>
+            <a:lvl1pPr algn="l">
+              <a:defRPr sz="1200"/>
+            </a:lvl1pPr>
+          </a:lstStyle>
+          <a:p>
+            <a:endParaRPr lang="ru-RU"/>
+          </a:p>
+        </p:txBody>
+      </p:sp>
+      <p:sp>
+        <p:nvSpPr>
+          <p:cNvPr id="3" name="Дата 2"/>
+          <p:cNvSpPr>
+            <a:spLocks noGrp="1"/>
+          </p:cNvSpPr>
+          <p:nvPr>
+            <p:ph type="dt" idx="1"/>
+          </p:nvPr>
+        </p:nvSpPr>
+        <p:spPr>
+          <a:xfrm>
+            <a:off x="3884613" y="0"/>
+            <a:ext cx="2971800" cy="458788"/>
+          </a:xfrm>
+          <a:prstGeom prst="rect">
+            <a:avLst/>
+          </a:prstGeom>
+        </p:spPr>
+        <p:txBody>
+          <a:bodyPr vert="horz" lIns="91440" tIns="45720" rIns="91440" bIns="45720" rtlCol="0"/>
+          <a:lstStyle>
+            <a:lvl1pPr algn="r">
+              <a:defRPr sz="1200"/>
+            </a:lvl1pPr>
+          </a:lstStyle>
+          <a:p>
+            <a:fld id="{5D84C3B8-A29B-4FA2-A181-573356ACB1E5}" type="datetimeFigureOut">
+              <a:rPr lang="ru-RU" smtClean="0"/>
+              <a:t>14.06.2017</a:t>
+            </a:fld>
+            <a:endParaRPr lang="ru-RU"/>
+          </a:p>
+        </p:txBody>
+      </p:sp>
+      <p:sp>
+        <p:nvSpPr>
+          <p:cNvPr id="4" name="Образ слайда 3"/>
+          <p:cNvSpPr>
+            <a:spLocks noGrp="1" noRot="1" noChangeAspect="1"/>
+          </p:cNvSpPr>
+          <p:nvPr>
+            <p:ph type="sldImg" idx="2"/>
+          </p:nvPr>
+        </p:nvSpPr>
+        <p:spPr>
+          <a:xfrm>
+            <a:off x="685800" y="1143000"/>
+            <a:ext cx="5486400" cy="3086100"/>
+          </a:xfrm>
+          <a:prstGeom prst="rect">
+            <a:avLst/>
+          </a:prstGeom>
+          <a:noFill/>
+          <a:ln w="12700">
+            <a:solidFill>
+              <a:prstClr val="black"/>
+            </a:solidFill>
+          </a:ln>
+        </p:spPr>
+        <p:txBody>
+          <a:bodyPr vert="horz" lIns="91440" tIns="45720" rIns="91440" bIns="45720" rtlCol="0" anchor="ctr"/>
+          <a:lstStyle/>
+          <a:p>
+            <a:endParaRPr lang="ru-RU"/>
+          </a:p>
+        </p:txBody>
+      </p:sp>
+      <p:sp>
+        <p:nvSpPr>
+          <p:cNvPr id="5" name="Заметки 4"/>
+          <p:cNvSpPr>
+            <a:spLocks noGrp="1"/>
+          </p:cNvSpPr>
+          <p:nvPr>
+            <p:ph type="body" sz="quarter" idx="3"/>
+          </p:nvPr>
+        </p:nvSpPr>
+        <p:spPr>
+          <a:xfrm>
+            <a:off x="685800" y="4400550"/>
+            <a:ext cx="5486400" cy="3600450"/>
+          </a:xfrm>
+          <a:prstGeom prst="rect">
+            <a:avLst/>
+          </a:prstGeom>
+        </p:spPr>
+        <p:txBody>
+          <a:bodyPr vert="horz" lIns="91440" tIns="45720" rIns="91440" bIns="45720" rtlCol="0"/>
+          <a:lstStyle/>
+          <a:p>
+            <a:pPr lvl="0"/>
+            <a:r>
+              <a:rPr lang="ru-RU" smtClean="0"/>
+              <a:t>Образец текста</a:t>
+            </a:r>
+          </a:p>
+          <a:p>
+            <a:pPr lvl="1"/>
+            <a:r>
+              <a:rPr lang="ru-RU" smtClean="0"/>
+              <a:t>Второй уровень</a:t>
+            </a:r>
+          </a:p>
+          <a:p>
+            <a:pPr lvl="2"/>
+            <a:r>
+              <a:rPr lang="ru-RU" smtClean="0"/>
+              <a:t>Третий уровень</a:t>
+            </a:r>
+          </a:p>
+          <a:p>
+            <a:pPr lvl="3"/>
+            <a:r>
+              <a:rPr lang="ru-RU" smtClean="0"/>
+              <a:t>Четвертый уровень</a:t>
+            </a:r>
+          </a:p>
+          <a:p>
+            <a:pPr lvl="4"/>
+            <a:r>
+              <a:rPr lang="ru-RU" smtClean="0"/>
+              <a:t>Пятый уровень</a:t>
+            </a:r>
+            <a:endParaRPr lang="ru-RU"/>
+          </a:p>
+        </p:txBody>
+      </p:sp>
+      <p:sp>
+        <p:nvSpPr>
+          <p:cNvPr id="6" name="Нижний колонтитул 5"/>
+          <p:cNvSpPr>
+            <a:spLocks noGrp="1"/>
+          </p:cNvSpPr>
+          <p:nvPr>
+            <p:ph type="ftr" sz="quarter" idx="4"/>
+          </p:nvPr>
+        </p:nvSpPr>
+        <p:spPr>
+          <a:xfrm>
+            <a:off x="0" y="8685213"/>
+            <a:ext cx="2971800" cy="458787"/>
+          </a:xfrm>
+          <a:prstGeom prst="rect">
+            <a:avLst/>
+          </a:prstGeom>
+        </p:spPr>
+        <p:txBody>
+          <a:bodyPr vert="horz" lIns="91440" tIns="45720" rIns="91440" bIns="45720" rtlCol="0" anchor="b"/>
+          <a:lstStyle>
+            <a:lvl1pPr algn="l">
+              <a:defRPr sz="1200"/>
+            </a:lvl1pPr>
+          </a:lstStyle>
+          <a:p>
+            <a:endParaRPr lang="ru-RU"/>
+          </a:p>
+        </p:txBody>
+      </p:sp>
+      <p:sp>
+        <p:nvSpPr>
+          <p:cNvPr id="7" name="Номер слайда 6"/>
+          <p:cNvSpPr>
+            <a:spLocks noGrp="1"/>
+          </p:cNvSpPr>
+          <p:nvPr>
+            <p:ph type="sldNum" sz="quarter" idx="5"/>
+          </p:nvPr>
+        </p:nvSpPr>
+        <p:spPr>
+          <a:xfrm>
+            <a:off x="3884613" y="8685213"/>
+            <a:ext cx="2971800" cy="458787"/>
+          </a:xfrm>
+          <a:prstGeom prst="rect">
+            <a:avLst/>
+          </a:prstGeom>
+        </p:spPr>
+        <p:txBody>
+          <a:bodyPr vert="horz" lIns="91440" tIns="45720" rIns="91440" bIns="45720" rtlCol="0" anchor="b"/>
+          <a:lstStyle>
+            <a:lvl1pPr algn="r">
+              <a:defRPr sz="1200"/>
+            </a:lvl1pPr>
+          </a:lstStyle>
+          <a:p>
+            <a:fld id="{F57A3BED-6B87-4A01-91AE-83340B7ECA5F}" type="slidenum">
+              <a:rPr lang="ru-RU" smtClean="0"/>
+              <a:t>‹#›</a:t>
+            </a:fld>
+            <a:endParaRPr lang="ru-RU"/>
+          </a:p>
+        </p:txBody>
+      </p:sp>
+    </p:spTree>
+    <p:extLst>
+      <p:ext uri="{BB962C8B-B14F-4D97-AF65-F5344CB8AC3E}">
+        <p14:creationId xmlns:p14="http://schemas.microsoft.com/office/powerpoint/2010/main" val="2385540151"/>
+      </p:ext>
+    </p:extLst>
+  </p:cSld>
+  <p:clrMap bg1="lt1" tx1="dk1" bg2="lt2" tx2="dk2" accent1="accent1" accent2="accent2" accent3="accent3" accent4="accent4" accent5="accent5" accent6="accent6" hlink="hlink" folHlink="folHlink"/>
+  <p:notesStyle>
+    <a:lvl1pPr marL="0" algn="l" defTabSz="914400" rtl="0" eaLnBrk="1" latinLnBrk="0" hangingPunct="1">
+      <a:defRPr sz="1200" kern="1200">
+        <a:solidFill>
+          <a:schemeClr val="tx1"/>
+        </a:solidFill>
+        <a:latin typeface="+mn-lt"/>
+        <a:ea typeface="+mn-ea"/>
+        <a:cs typeface="+mn-cs"/>
+      </a:defRPr>
+    </a:lvl1pPr>
+    <a:lvl2pPr marL="457200" algn="l" defTabSz="914400" rtl="0" eaLnBrk="1" latinLnBrk="0" hangingPunct="1">
+      <a:defRPr sz="1200" kern="1200">
+        <a:solidFill>
+          <a:schemeClr val="tx1"/>
+        </a:solidFill>
+        <a:latin typeface="+mn-lt"/>
+        <a:ea typeface="+mn-ea"/>
+        <a:cs typeface="+mn-cs"/>
+      </a:defRPr>
+    </a:lvl2pPr>
+    <a:lvl3pPr marL="914400" algn="l" defTabSz="914400" rtl="0" eaLnBrk="1" latinLnBrk="0" hangingPunct="1">
+      <a:defRPr sz="1200" kern="1200">
+        <a:solidFill>
+          <a:schemeClr val="tx1"/>
+        </a:solidFill>
+        <a:latin typeface="+mn-lt"/>
+        <a:ea typeface="+mn-ea"/>
+        <a:cs typeface="+mn-cs"/>
+      </a:defRPr>
+    </a:lvl3pPr>
+    <a:lvl4pPr marL="1371600" algn="l" defTabSz="914400" rtl="0" eaLnBrk="1" latinLnBrk="0" hangingPunct="1">
+      <a:defRPr sz="1200" kern="1200">
+        <a:solidFill>
+          <a:schemeClr val="tx1"/>
+        </a:solidFill>
+        <a:latin typeface="+mn-lt"/>
+        <a:ea typeface="+mn-ea"/>
+        <a:cs typeface="+mn-cs"/>
+      </a:defRPr>
+    </a:lvl4pPr>
+    <a:lvl5pPr marL="1828800" algn="l" defTabSz="914400" rtl="0" eaLnBrk="1" latinLnBrk="0" hangingPunct="1">
+      <a:defRPr sz="1200" kern="1200">
+        <a:solidFill>
+          <a:schemeClr val="tx1"/>
+        </a:solidFill>
+        <a:latin typeface="+mn-lt"/>
+        <a:ea typeface="+mn-ea"/>
+        <a:cs typeface="+mn-cs"/>
+      </a:defRPr>
+    </a:lvl5pPr>
+    <a:lvl6pPr marL="2286000" algn="l" defTabSz="914400" rtl="0" eaLnBrk="1" latinLnBrk="0" hangingPunct="1">
+      <a:defRPr sz="1200" kern="1200">
+        <a:solidFill>
+          <a:schemeClr val="tx1"/>
+        </a:solidFill>
+        <a:latin typeface="+mn-lt"/>
+        <a:ea typeface="+mn-ea"/>
+        <a:cs typeface="+mn-cs"/>
+      </a:defRPr>
+    </a:lvl6pPr>
+    <a:lvl7pPr marL="2743200" algn="l" defTabSz="914400" rtl="0" eaLnBrk="1" latinLnBrk="0" hangingPunct="1">
+      <a:defRPr sz="1200" kern="1200">
+        <a:solidFill>
+          <a:schemeClr val="tx1"/>
+        </a:solidFill>
+        <a:latin typeface="+mn-lt"/>
+        <a:ea typeface="+mn-ea"/>
+        <a:cs typeface="+mn-cs"/>
+      </a:defRPr>
+    </a:lvl7pPr>
+    <a:lvl8pPr marL="3200400" algn="l" defTabSz="914400" rtl="0" eaLnBrk="1" latinLnBrk="0" hangingPunct="1">
+      <a:defRPr sz="1200" kern="1200">
+        <a:solidFill>
+          <a:schemeClr val="tx1"/>
+        </a:solidFill>
+        <a:latin typeface="+mn-lt"/>
+        <a:ea typeface="+mn-ea"/>
+        <a:cs typeface="+mn-cs"/>
+      </a:defRPr>
+    </a:lvl8pPr>
+    <a:lvl9pPr marL="3657600" algn="l" defTabSz="914400" rtl="0" eaLnBrk="1" latinLnBrk="0" hangingPunct="1">
+      <a:defRPr sz="1200" kern="1200">
+        <a:solidFill>
+          <a:schemeClr val="tx1"/>
+        </a:solidFill>
+        <a:latin typeface="+mn-lt"/>
+        <a:ea typeface="+mn-ea"/>
+        <a:cs typeface="+mn-cs"/>
+      </a:defRPr>
+    </a:lvl9pPr>
+  </p:notesStyle>
+</p:notesMaster>
+</file>
+
+<file path=ppt/notesSlides/notesSlide1.xml><?xml version="1.0" encoding="utf-8"?>
+<p:notes xmlns:a="http://schemas.openxmlformats.org/drawingml/2006/main" xmlns:r="http://schemas.openxmlformats.org/officeDocument/2006/relationships" xmlns:p="http://schemas.openxmlformats.org/presentationml/2006/main">
+  <p:cSld>
+    <p:spTree>
+      <p:nvGrpSpPr>
+        <p:cNvPr id="1" name=""/>
+        <p:cNvGrpSpPr/>
+        <p:nvPr/>
+      </p:nvGrpSpPr>
+      <p:grpSpPr>
+        <a:xfrm>
+          <a:off x="0" y="0"/>
+          <a:ext cx="0" cy="0"/>
+          <a:chOff x="0" y="0"/>
+          <a:chExt cx="0" cy="0"/>
+        </a:xfrm>
+      </p:grpSpPr>
+      <p:sp>
+        <p:nvSpPr>
+          <p:cNvPr id="2" name="Образ слайда 1"/>
+          <p:cNvSpPr>
+            <a:spLocks noGrp="1" noRot="1" noChangeAspect="1"/>
+          </p:cNvSpPr>
+          <p:nvPr>
+            <p:ph type="sldImg"/>
+          </p:nvPr>
+        </p:nvSpPr>
+        <p:spPr/>
+      </p:sp>
+      <p:sp>
+        <p:nvSpPr>
+          <p:cNvPr id="3" name="Заметки 2"/>
+          <p:cNvSpPr>
+            <a:spLocks noGrp="1"/>
+          </p:cNvSpPr>
+          <p:nvPr>
+            <p:ph type="body" idx="1"/>
+          </p:nvPr>
+        </p:nvSpPr>
+        <p:spPr/>
+        <p:txBody>
+          <a:bodyPr/>
+          <a:lstStyle/>
+          <a:p>
+            <a:endParaRPr lang="ru-RU"/>
+          </a:p>
+        </p:txBody>
+      </p:sp>
+      <p:sp>
+        <p:nvSpPr>
+          <p:cNvPr id="4" name="Номер слайда 3"/>
+          <p:cNvSpPr>
+            <a:spLocks noGrp="1"/>
+          </p:cNvSpPr>
+          <p:nvPr>
+            <p:ph type="sldNum" sz="quarter" idx="10"/>
+          </p:nvPr>
+        </p:nvSpPr>
+        <p:spPr/>
+        <p:txBody>
+          <a:bodyPr/>
+          <a:lstStyle/>
+          <a:p>
+            <a:fld id="{F57A3BED-6B87-4A01-91AE-83340B7ECA5F}" type="slidenum">
+              <a:rPr lang="ru-RU" smtClean="0"/>
+              <a:t>1</a:t>
+            </a:fld>
+            <a:endParaRPr lang="ru-RU"/>
+          </a:p>
+        </p:txBody>
+      </p:sp>
+    </p:spTree>
+    <p:extLst>
+      <p:ext uri="{BB962C8B-B14F-4D97-AF65-F5344CB8AC3E}">
+        <p14:creationId xmlns:p14="http://schemas.microsoft.com/office/powerpoint/2010/main" val="1460602761"/>
+      </p:ext>
+    </p:extLst>
+  </p:cSld>
+  <p:clrMapOvr>
+    <a:masterClrMapping/>
+  </p:clrMapOvr>
+</p:notes>
+</file>
+
 <file path=ppt/slideLayouts/slideLayout1.xml><?xml version="1.0" encoding="utf-8"?>
 <p:sldLayout xmlns:a="http://schemas.openxmlformats.org/drawingml/2006/main" xmlns:r="http://schemas.openxmlformats.org/officeDocument/2006/relationships" xmlns:p="http://schemas.openxmlformats.org/presentationml/2006/main" type="title" preserve="1">
   <p:cSld name="Титульный слайд">
@@ -307,10 +744,9 @@
           <a:bodyPr/>
           <a:lstStyle/>
           <a:p>
-            <a:fld id="{B61BEF0D-F0BB-DE4B-95CE-6DB70DBA9567}" type="datetimeFigureOut">
-              <a:rPr lang="en-US" dirty="0"/>
-              <a:pPr/>
-              <a:t>6/4/2017</a:t>
+            <a:fld id="{0570866F-3657-4C92-BF5C-DB442844A436}" type="datetime1">
+              <a:rPr lang="en-US" smtClean="0"/>
+              <a:t>6/14/2017</a:t>
             </a:fld>
             <a:endParaRPr lang="en-US" dirty="0"/>
           </a:p>
@@ -642,10 +1078,9 @@
           <a:bodyPr/>
           <a:lstStyle/>
           <a:p>
-            <a:fld id="{B61BEF0D-F0BB-DE4B-95CE-6DB70DBA9567}" type="datetimeFigureOut">
-              <a:rPr lang="en-US" dirty="0"/>
-              <a:pPr/>
-              <a:t>6/4/2017</a:t>
+            <a:fld id="{0A820E42-6EDB-4F60-B27F-1095566D2585}" type="datetime1">
+              <a:rPr lang="en-US" smtClean="0"/>
+              <a:t>6/14/2017</a:t>
             </a:fld>
             <a:endParaRPr lang="en-US" dirty="0"/>
           </a:p>
@@ -1040,10 +1475,9 @@
           <a:bodyPr/>
           <a:lstStyle/>
           <a:p>
-            <a:fld id="{B61BEF0D-F0BB-DE4B-95CE-6DB70DBA9567}" type="datetimeFigureOut">
-              <a:rPr lang="en-US" dirty="0"/>
-              <a:pPr/>
-              <a:t>6/4/2017</a:t>
+            <a:fld id="{4B53F595-2520-4454-8606-FB5EDE23008C}" type="datetime1">
+              <a:rPr lang="en-US" smtClean="0"/>
+              <a:t>6/14/2017</a:t>
             </a:fld>
             <a:endParaRPr lang="en-US" dirty="0"/>
           </a:p>
@@ -1372,10 +1806,9 @@
           <a:bodyPr/>
           <a:lstStyle/>
           <a:p>
-            <a:fld id="{B61BEF0D-F0BB-DE4B-95CE-6DB70DBA9567}" type="datetimeFigureOut">
-              <a:rPr lang="en-US" dirty="0"/>
-              <a:pPr/>
-              <a:t>6/4/2017</a:t>
+            <a:fld id="{4242B554-07A5-405D-8351-A3C24F0E5C1E}" type="datetime1">
+              <a:rPr lang="en-US" smtClean="0"/>
+              <a:t>6/14/2017</a:t>
             </a:fld>
             <a:endParaRPr lang="en-US" dirty="0"/>
           </a:p>
@@ -1689,10 +2122,9 @@
           <a:bodyPr/>
           <a:lstStyle/>
           <a:p>
-            <a:fld id="{B61BEF0D-F0BB-DE4B-95CE-6DB70DBA9567}" type="datetimeFigureOut">
-              <a:rPr lang="en-US" dirty="0"/>
-              <a:pPr/>
-              <a:t>6/4/2017</a:t>
+            <a:fld id="{9564549F-DE2A-492A-B519-35D5B710A7D1}" type="datetime1">
+              <a:rPr lang="en-US" smtClean="0"/>
+              <a:t>6/14/2017</a:t>
             </a:fld>
             <a:endParaRPr lang="en-US" dirty="0"/>
           </a:p>
@@ -2082,10 +2514,9 @@
           <a:bodyPr/>
           <a:lstStyle/>
           <a:p>
-            <a:fld id="{B61BEF0D-F0BB-DE4B-95CE-6DB70DBA9567}" type="datetimeFigureOut">
-              <a:rPr lang="en-US" dirty="0"/>
-              <a:pPr/>
-              <a:t>6/4/2017</a:t>
+            <a:fld id="{2C9FACB9-CCE3-4A20-9580-1400D5164890}" type="datetime1">
+              <a:rPr lang="en-US" smtClean="0"/>
+              <a:t>6/14/2017</a:t>
             </a:fld>
             <a:endParaRPr lang="en-US" dirty="0"/>
           </a:p>
@@ -2336,10 +2767,9 @@
           <a:bodyPr/>
           <a:lstStyle/>
           <a:p>
-            <a:fld id="{B61BEF0D-F0BB-DE4B-95CE-6DB70DBA9567}" type="datetimeFigureOut">
-              <a:rPr lang="en-US" dirty="0"/>
-              <a:pPr/>
-              <a:t>6/4/2017</a:t>
+            <a:fld id="{40027895-2A1A-4573-A49C-34C673FC71C1}" type="datetime1">
+              <a:rPr lang="en-US" smtClean="0"/>
+              <a:t>6/14/2017</a:t>
             </a:fld>
             <a:endParaRPr lang="en-US" dirty="0"/>
           </a:p>
@@ -2595,10 +3025,9 @@
           <a:bodyPr/>
           <a:lstStyle/>
           <a:p>
-            <a:fld id="{B61BEF0D-F0BB-DE4B-95CE-6DB70DBA9567}" type="datetimeFigureOut">
-              <a:rPr lang="en-US" dirty="0"/>
-              <a:pPr/>
-              <a:t>6/4/2017</a:t>
+            <a:fld id="{F0DBECF4-8A79-421F-97AC-B6415A08F1AD}" type="datetime1">
+              <a:rPr lang="en-US" smtClean="0"/>
+              <a:t>6/14/2017</a:t>
             </a:fld>
             <a:endParaRPr lang="en-US" dirty="0"/>
           </a:p>
@@ -2854,10 +3283,9 @@
           <a:bodyPr/>
           <a:lstStyle/>
           <a:p>
-            <a:fld id="{B61BEF0D-F0BB-DE4B-95CE-6DB70DBA9567}" type="datetimeFigureOut">
-              <a:rPr lang="en-US" dirty="0"/>
-              <a:pPr/>
-              <a:t>6/4/2017</a:t>
+            <a:fld id="{08E027C0-F494-4CB3-A9E6-B017F2436109}" type="datetime1">
+              <a:rPr lang="en-US" smtClean="0"/>
+              <a:t>6/14/2017</a:t>
             </a:fld>
             <a:endParaRPr lang="en-US" dirty="0"/>
           </a:p>
@@ -3180,10 +3608,9 @@
           <a:bodyPr/>
           <a:lstStyle/>
           <a:p>
-            <a:fld id="{B61BEF0D-F0BB-DE4B-95CE-6DB70DBA9567}" type="datetimeFigureOut">
-              <a:rPr lang="en-US" dirty="0"/>
-              <a:pPr/>
-              <a:t>6/4/2017</a:t>
+            <a:fld id="{05CC7835-4122-4D28-A992-AC61EBBC5ADC}" type="datetime1">
+              <a:rPr lang="en-US" smtClean="0"/>
+              <a:t>6/14/2017</a:t>
             </a:fld>
             <a:endParaRPr lang="en-US" dirty="0"/>
           </a:p>
@@ -3500,10 +3927,9 @@
           <a:bodyPr/>
           <a:lstStyle/>
           <a:p>
-            <a:fld id="{B61BEF0D-F0BB-DE4B-95CE-6DB70DBA9567}" type="datetimeFigureOut">
-              <a:rPr lang="en-US" dirty="0"/>
-              <a:pPr/>
-              <a:t>6/4/2017</a:t>
+            <a:fld id="{B226077D-4E2D-41C1-B06F-54D12F868BF3}" type="datetime1">
+              <a:rPr lang="en-US" smtClean="0"/>
+              <a:t>6/14/2017</a:t>
             </a:fld>
             <a:endParaRPr lang="en-US" dirty="0"/>
           </a:p>
@@ -3954,10 +4380,9 @@
           <a:bodyPr/>
           <a:lstStyle/>
           <a:p>
-            <a:fld id="{B61BEF0D-F0BB-DE4B-95CE-6DB70DBA9567}" type="datetimeFigureOut">
-              <a:rPr lang="en-US" dirty="0"/>
-              <a:pPr/>
-              <a:t>6/4/2017</a:t>
+            <a:fld id="{46B988C7-1FDE-40C0-B5C8-ECF7CBB4E810}" type="datetime1">
+              <a:rPr lang="en-US" smtClean="0"/>
+              <a:t>6/14/2017</a:t>
             </a:fld>
             <a:endParaRPr lang="en-US" dirty="0"/>
           </a:p>
@@ -4156,10 +4581,9 @@
           <a:bodyPr/>
           <a:lstStyle/>
           <a:p>
-            <a:fld id="{B61BEF0D-F0BB-DE4B-95CE-6DB70DBA9567}" type="datetimeFigureOut">
-              <a:rPr lang="en-US" dirty="0"/>
-              <a:pPr/>
-              <a:t>6/4/2017</a:t>
+            <a:fld id="{7CA69BAE-4F5C-4629-AF26-5EE4C7818A53}" type="datetime1">
+              <a:rPr lang="en-US" smtClean="0"/>
+              <a:t>6/14/2017</a:t>
             </a:fld>
             <a:endParaRPr lang="en-US" dirty="0"/>
           </a:p>
@@ -4330,10 +4754,9 @@
           <a:bodyPr/>
           <a:lstStyle/>
           <a:p>
-            <a:fld id="{B61BEF0D-F0BB-DE4B-95CE-6DB70DBA9567}" type="datetimeFigureOut">
-              <a:rPr lang="en-US" dirty="0"/>
-              <a:pPr/>
-              <a:t>6/4/2017</a:t>
+            <a:fld id="{0AFD6F3C-3C15-410B-98F0-2E7186B58D36}" type="datetime1">
+              <a:rPr lang="en-US" smtClean="0"/>
+              <a:t>6/14/2017</a:t>
             </a:fld>
             <a:endParaRPr lang="en-US" dirty="0"/>
           </a:p>
@@ -4660,10 +5083,9 @@
           <a:bodyPr/>
           <a:lstStyle/>
           <a:p>
-            <a:fld id="{B61BEF0D-F0BB-DE4B-95CE-6DB70DBA9567}" type="datetimeFigureOut">
-              <a:rPr lang="en-US" dirty="0"/>
-              <a:pPr/>
-              <a:t>6/4/2017</a:t>
+            <a:fld id="{163E69F6-69B3-49DE-A734-D8F90E008C29}" type="datetime1">
+              <a:rPr lang="en-US" smtClean="0"/>
+              <a:t>6/14/2017</a:t>
             </a:fld>
             <a:endParaRPr lang="en-US" dirty="0"/>
           </a:p>
@@ -5002,10 +5424,9 @@
           <a:bodyPr/>
           <a:lstStyle/>
           <a:p>
-            <a:fld id="{B61BEF0D-F0BB-DE4B-95CE-6DB70DBA9567}" type="datetimeFigureOut">
-              <a:rPr lang="en-US" dirty="0"/>
-              <a:pPr/>
-              <a:t>6/4/2017</a:t>
+            <a:fld id="{313C33B0-FC34-42D8-BD01-773D5AF233DC}" type="datetime1">
+              <a:rPr lang="en-US" smtClean="0"/>
+              <a:t>6/14/2017</a:t>
             </a:fld>
             <a:endParaRPr lang="en-US" dirty="0"/>
           </a:p>
@@ -7116,10 +7537,9 @@
             </a:lvl1pPr>
           </a:lstStyle>
           <a:p>
-            <a:fld id="{B61BEF0D-F0BB-DE4B-95CE-6DB70DBA9567}" type="datetimeFigureOut">
-              <a:rPr lang="en-US" dirty="0"/>
-              <a:pPr/>
-              <a:t>6/4/2017</a:t>
+            <a:fld id="{1A595554-8E56-44A2-8860-CCC387A273C6}" type="datetime1">
+              <a:rPr lang="en-US" smtClean="0"/>
+              <a:t>6/14/2017</a:t>
             </a:fld>
             <a:endParaRPr lang="en-US" dirty="0"/>
           </a:p>
@@ -7223,6 +7643,7 @@
     <p:sldLayoutId id="2147483658" r:id="rId15"/>
     <p:sldLayoutId id="2147483659" r:id="rId16"/>
   </p:sldLayoutIdLst>
+  <p:hf hdr="0" ftr="0" dt="0"/>
   <p:txStyles>
     <p:titleStyle>
       <a:lvl1pPr algn="l" defTabSz="457200" rtl="0" eaLnBrk="1" latinLnBrk="0" hangingPunct="1">
@@ -7645,7 +8066,7 @@
         </p:nvSpPr>
         <p:spPr>
           <a:xfrm>
-            <a:off x="1979613" y="1155700"/>
+            <a:off x="1852613" y="1841500"/>
             <a:ext cx="8915399" cy="2262781"/>
           </a:xfrm>
         </p:spPr>
@@ -7720,6 +8141,42 @@
           </a:p>
         </p:txBody>
       </p:sp>
+      <p:pic>
+        <p:nvPicPr>
+          <p:cNvPr id="5" name="Рисунок 4"/>
+          <p:cNvPicPr>
+            <a:picLocks noChangeAspect="1"/>
+          </p:cNvPicPr>
+          <p:nvPr/>
+        </p:nvPicPr>
+        <p:blipFill>
+          <a:blip r:embed="rId3">
+            <a:extLst>
+              <a:ext uri="{28A0092B-C50C-407E-A947-70E740481C1C}">
+                <a14:useLocalDpi xmlns:a14="http://schemas.microsoft.com/office/drawing/2010/main" val="0"/>
+              </a:ext>
+            </a:extLst>
+          </a:blip>
+          <a:stretch>
+            <a:fillRect/>
+          </a:stretch>
+        </p:blipFill>
+        <p:spPr>
+          <a:xfrm>
+            <a:off x="9114943" y="0"/>
+            <a:ext cx="3077057" cy="1701800"/>
+          </a:xfrm>
+          <a:prstGeom prst="rect">
+            <a:avLst/>
+          </a:prstGeom>
+          <a:ln>
+            <a:noFill/>
+          </a:ln>
+          <a:effectLst>
+            <a:softEdge rad="112500"/>
+          </a:effectLst>
+        </p:spPr>
+      </p:pic>
     </p:spTree>
     <p:extLst>
       <p:ext uri="{BB962C8B-B14F-4D97-AF65-F5344CB8AC3E}">
@@ -7759,73 +8216,432 @@
       </p:grpSpPr>
       <p:sp>
         <p:nvSpPr>
-          <p:cNvPr id="2" name="Заголовок 1"/>
-          <p:cNvSpPr>
-            <a:spLocks noGrp="1"/>
-          </p:cNvSpPr>
-          <p:nvPr>
-            <p:ph type="title"/>
-          </p:nvPr>
+          <p:cNvPr id="3" name="Номер слайда 2"/>
+          <p:cNvSpPr>
+            <a:spLocks noGrp="1"/>
+          </p:cNvSpPr>
+          <p:nvPr>
+            <p:ph type="sldNum" sz="quarter" idx="12"/>
+          </p:nvPr>
+        </p:nvSpPr>
+        <p:spPr/>
+        <p:txBody>
+          <a:bodyPr/>
+          <a:lstStyle/>
+          <a:p>
+            <a:fld id="{D57F1E4F-1CFF-5643-939E-217C01CDF565}" type="slidenum">
+              <a:rPr lang="en-US" smtClean="0"/>
+              <a:pPr/>
+              <a:t>10</a:t>
+            </a:fld>
+            <a:endParaRPr lang="en-US" dirty="0"/>
+          </a:p>
+        </p:txBody>
+      </p:sp>
+      <p:sp>
+        <p:nvSpPr>
+          <p:cNvPr id="8" name="Заголовок 1"/>
+          <p:cNvSpPr txBox="1">
+            <a:spLocks/>
+          </p:cNvSpPr>
+          <p:nvPr/>
         </p:nvSpPr>
         <p:spPr>
           <a:xfrm>
-            <a:off x="2211925" y="2046510"/>
-            <a:ext cx="9980075" cy="3757390"/>
+            <a:off x="1852613" y="1841500"/>
+            <a:ext cx="8915399" cy="2262781"/>
           </a:xfrm>
+          <a:prstGeom prst="rect">
+            <a:avLst/>
+          </a:prstGeom>
         </p:spPr>
         <p:txBody>
-          <a:bodyPr>
-            <a:normAutofit/>
+          <a:bodyPr vert="horz" lIns="91440" tIns="45720" rIns="91440" bIns="45720" rtlCol="0" anchor="t">
+            <a:noAutofit/>
           </a:bodyPr>
-          <a:lstStyle/>
-          <a:p>
-            <a:r>
-              <a:rPr lang="ru-RU" sz="5400" dirty="0" smtClean="0"/>
-              <a:t>СПАСИБО ЗА ВНИМАНИЕ!</a:t>
-            </a:r>
-            <a:endParaRPr lang="ru-RU" sz="5400" dirty="0"/>
-          </a:p>
-        </p:txBody>
-      </p:sp>
-      <p:sp>
-        <p:nvSpPr>
-          <p:cNvPr id="3" name="Объект 2"/>
-          <p:cNvSpPr>
-            <a:spLocks noGrp="1"/>
-          </p:cNvSpPr>
-          <p:nvPr>
-            <p:ph idx="1"/>
-          </p:nvPr>
+          <a:lstStyle>
+            <a:lvl1pPr algn="l" defTabSz="457200" rtl="0" eaLnBrk="1" latinLnBrk="0" hangingPunct="1">
+              <a:spcBef>
+                <a:spcPct val="0"/>
+              </a:spcBef>
+              <a:buNone/>
+              <a:defRPr sz="3600" kern="1200">
+                <a:solidFill>
+                  <a:schemeClr val="tx1">
+                    <a:lumMod val="85000"/>
+                    <a:lumOff val="15000"/>
+                  </a:schemeClr>
+                </a:solidFill>
+                <a:latin typeface="+mj-lt"/>
+                <a:ea typeface="+mj-ea"/>
+                <a:cs typeface="+mj-cs"/>
+              </a:defRPr>
+            </a:lvl1pPr>
+            <a:lvl2pPr eaLnBrk="1" hangingPunct="1">
+              <a:defRPr>
+                <a:solidFill>
+                  <a:schemeClr val="tx2"/>
+                </a:solidFill>
+              </a:defRPr>
+            </a:lvl2pPr>
+            <a:lvl3pPr eaLnBrk="1" hangingPunct="1">
+              <a:defRPr>
+                <a:solidFill>
+                  <a:schemeClr val="tx2"/>
+                </a:solidFill>
+              </a:defRPr>
+            </a:lvl3pPr>
+            <a:lvl4pPr eaLnBrk="1" hangingPunct="1">
+              <a:defRPr>
+                <a:solidFill>
+                  <a:schemeClr val="tx2"/>
+                </a:solidFill>
+              </a:defRPr>
+            </a:lvl4pPr>
+            <a:lvl5pPr eaLnBrk="1" hangingPunct="1">
+              <a:defRPr>
+                <a:solidFill>
+                  <a:schemeClr val="tx2"/>
+                </a:solidFill>
+              </a:defRPr>
+            </a:lvl5pPr>
+            <a:lvl6pPr eaLnBrk="1" hangingPunct="1">
+              <a:defRPr>
+                <a:solidFill>
+                  <a:schemeClr val="tx2"/>
+                </a:solidFill>
+              </a:defRPr>
+            </a:lvl6pPr>
+            <a:lvl7pPr eaLnBrk="1" hangingPunct="1">
+              <a:defRPr>
+                <a:solidFill>
+                  <a:schemeClr val="tx2"/>
+                </a:solidFill>
+              </a:defRPr>
+            </a:lvl7pPr>
+            <a:lvl8pPr eaLnBrk="1" hangingPunct="1">
+              <a:defRPr>
+                <a:solidFill>
+                  <a:schemeClr val="tx2"/>
+                </a:solidFill>
+              </a:defRPr>
+            </a:lvl8pPr>
+            <a:lvl9pPr eaLnBrk="1" hangingPunct="1">
+              <a:defRPr>
+                <a:solidFill>
+                  <a:schemeClr val="tx2"/>
+                </a:solidFill>
+              </a:defRPr>
+            </a:lvl9pPr>
+          </a:lstStyle>
+          <a:p>
+            <a:pPr algn="ctr"/>
+            <a:r>
+              <a:rPr lang="ru-RU" sz="4000" b="1" smtClean="0"/>
+              <a:t>Разработка клиент-серверного фреймворка для высоконагруженных вычислений на базе Linux и MP</a:t>
+            </a:r>
+            <a:r>
+              <a:rPr lang="en-US" sz="4000" b="1" smtClean="0"/>
+              <a:t>I</a:t>
+            </a:r>
+            <a:endParaRPr lang="ru-RU" sz="4000" dirty="0"/>
+          </a:p>
+        </p:txBody>
+      </p:sp>
+      <p:sp>
+        <p:nvSpPr>
+          <p:cNvPr id="9" name="Подзаголовок 2"/>
+          <p:cNvSpPr txBox="1">
+            <a:spLocks/>
+          </p:cNvSpPr>
+          <p:nvPr/>
         </p:nvSpPr>
         <p:spPr>
           <a:xfrm>
-            <a:off x="2211925" y="5181600"/>
-            <a:ext cx="9446675" cy="3777622"/>
+            <a:off x="1979613" y="5196479"/>
+            <a:ext cx="9958387" cy="1471021"/>
           </a:xfrm>
+          <a:prstGeom prst="rect">
+            <a:avLst/>
+          </a:prstGeom>
         </p:spPr>
         <p:txBody>
-          <a:bodyPr>
-            <a:normAutofit/>
+          <a:bodyPr vert="horz" lIns="91440" tIns="45720" rIns="91440" bIns="45720" rtlCol="0">
+            <a:noAutofit/>
           </a:bodyPr>
-          <a:lstStyle/>
-          <a:p>
-            <a:r>
-              <a:rPr lang="ru-RU" sz="2500" dirty="0"/>
+          <a:lstStyle>
+            <a:lvl1pPr marL="342900" indent="-342900" algn="l" defTabSz="457200" rtl="0" eaLnBrk="1" latinLnBrk="0" hangingPunct="1">
+              <a:spcBef>
+                <a:spcPts val="1000"/>
+              </a:spcBef>
+              <a:spcAft>
+                <a:spcPts val="0"/>
+              </a:spcAft>
+              <a:buClr>
+                <a:schemeClr val="accent1"/>
+              </a:buClr>
+              <a:buFont typeface="Wingdings 3" charset="2"/>
+              <a:buChar char=""/>
+              <a:defRPr sz="1800" kern="1200">
+                <a:solidFill>
+                  <a:schemeClr val="tx1">
+                    <a:lumMod val="75000"/>
+                    <a:lumOff val="25000"/>
+                  </a:schemeClr>
+                </a:solidFill>
+                <a:latin typeface="+mn-lt"/>
+                <a:ea typeface="+mn-ea"/>
+                <a:cs typeface="+mn-cs"/>
+              </a:defRPr>
+            </a:lvl1pPr>
+            <a:lvl2pPr marL="742950" indent="-285750" algn="l" defTabSz="457200" rtl="0" eaLnBrk="1" latinLnBrk="0" hangingPunct="1">
+              <a:spcBef>
+                <a:spcPts val="1000"/>
+              </a:spcBef>
+              <a:spcAft>
+                <a:spcPts val="0"/>
+              </a:spcAft>
+              <a:buClr>
+                <a:schemeClr val="accent1"/>
+              </a:buClr>
+              <a:buFont typeface="Wingdings 3" charset="2"/>
+              <a:buChar char=""/>
+              <a:defRPr sz="1600" kern="1200">
+                <a:solidFill>
+                  <a:schemeClr val="tx1">
+                    <a:lumMod val="75000"/>
+                    <a:lumOff val="25000"/>
+                  </a:schemeClr>
+                </a:solidFill>
+                <a:latin typeface="+mn-lt"/>
+                <a:ea typeface="+mn-ea"/>
+                <a:cs typeface="+mn-cs"/>
+              </a:defRPr>
+            </a:lvl2pPr>
+            <a:lvl3pPr marL="1143000" indent="-228600" algn="l" defTabSz="457200" rtl="0" eaLnBrk="1" latinLnBrk="0" hangingPunct="1">
+              <a:spcBef>
+                <a:spcPts val="1000"/>
+              </a:spcBef>
+              <a:spcAft>
+                <a:spcPts val="0"/>
+              </a:spcAft>
+              <a:buClr>
+                <a:schemeClr val="accent1"/>
+              </a:buClr>
+              <a:buFont typeface="Wingdings 3" charset="2"/>
+              <a:buChar char=""/>
+              <a:defRPr sz="1400" kern="1200">
+                <a:solidFill>
+                  <a:schemeClr val="tx1">
+                    <a:lumMod val="75000"/>
+                    <a:lumOff val="25000"/>
+                  </a:schemeClr>
+                </a:solidFill>
+                <a:latin typeface="+mn-lt"/>
+                <a:ea typeface="+mn-ea"/>
+                <a:cs typeface="+mn-cs"/>
+              </a:defRPr>
+            </a:lvl3pPr>
+            <a:lvl4pPr marL="1600200" indent="-228600" algn="l" defTabSz="457200" rtl="0" eaLnBrk="1" latinLnBrk="0" hangingPunct="1">
+              <a:spcBef>
+                <a:spcPts val="1000"/>
+              </a:spcBef>
+              <a:spcAft>
+                <a:spcPts val="0"/>
+              </a:spcAft>
+              <a:buClr>
+                <a:schemeClr val="accent1"/>
+              </a:buClr>
+              <a:buFont typeface="Wingdings 3" charset="2"/>
+              <a:buChar char=""/>
+              <a:defRPr sz="1200" kern="1200">
+                <a:solidFill>
+                  <a:schemeClr val="tx1">
+                    <a:lumMod val="75000"/>
+                    <a:lumOff val="25000"/>
+                  </a:schemeClr>
+                </a:solidFill>
+                <a:latin typeface="+mn-lt"/>
+                <a:ea typeface="+mn-ea"/>
+                <a:cs typeface="+mn-cs"/>
+              </a:defRPr>
+            </a:lvl4pPr>
+            <a:lvl5pPr marL="2057400" indent="-228600" algn="l" defTabSz="457200" rtl="0" eaLnBrk="1" latinLnBrk="0" hangingPunct="1">
+              <a:spcBef>
+                <a:spcPts val="1000"/>
+              </a:spcBef>
+              <a:spcAft>
+                <a:spcPts val="0"/>
+              </a:spcAft>
+              <a:buClr>
+                <a:schemeClr val="accent1"/>
+              </a:buClr>
+              <a:buFont typeface="Wingdings 3" charset="2"/>
+              <a:buChar char=""/>
+              <a:defRPr sz="1200" kern="1200">
+                <a:solidFill>
+                  <a:schemeClr val="tx1">
+                    <a:lumMod val="75000"/>
+                    <a:lumOff val="25000"/>
+                  </a:schemeClr>
+                </a:solidFill>
+                <a:latin typeface="+mn-lt"/>
+                <a:ea typeface="+mn-ea"/>
+                <a:cs typeface="+mn-cs"/>
+              </a:defRPr>
+            </a:lvl5pPr>
+            <a:lvl6pPr marL="2514600" indent="-228600" algn="l" defTabSz="457200" rtl="0" eaLnBrk="1" latinLnBrk="0" hangingPunct="1">
+              <a:spcBef>
+                <a:spcPts val="1000"/>
+              </a:spcBef>
+              <a:spcAft>
+                <a:spcPts val="0"/>
+              </a:spcAft>
+              <a:buClr>
+                <a:schemeClr val="accent1"/>
+              </a:buClr>
+              <a:buFont typeface="Wingdings 3" charset="2"/>
+              <a:buChar char=""/>
+              <a:defRPr sz="1200" kern="1200">
+                <a:solidFill>
+                  <a:schemeClr val="tx1">
+                    <a:lumMod val="75000"/>
+                    <a:lumOff val="25000"/>
+                  </a:schemeClr>
+                </a:solidFill>
+                <a:latin typeface="+mn-lt"/>
+                <a:ea typeface="+mn-ea"/>
+                <a:cs typeface="+mn-cs"/>
+              </a:defRPr>
+            </a:lvl6pPr>
+            <a:lvl7pPr marL="2971800" indent="-228600" algn="l" defTabSz="457200" rtl="0" eaLnBrk="1" latinLnBrk="0" hangingPunct="1">
+              <a:spcBef>
+                <a:spcPts val="1000"/>
+              </a:spcBef>
+              <a:spcAft>
+                <a:spcPts val="0"/>
+              </a:spcAft>
+              <a:buClr>
+                <a:schemeClr val="accent1"/>
+              </a:buClr>
+              <a:buFont typeface="Wingdings 3" charset="2"/>
+              <a:buChar char=""/>
+              <a:defRPr sz="1200" kern="1200">
+                <a:solidFill>
+                  <a:schemeClr val="tx1">
+                    <a:lumMod val="75000"/>
+                    <a:lumOff val="25000"/>
+                  </a:schemeClr>
+                </a:solidFill>
+                <a:latin typeface="+mn-lt"/>
+                <a:ea typeface="+mn-ea"/>
+                <a:cs typeface="+mn-cs"/>
+              </a:defRPr>
+            </a:lvl7pPr>
+            <a:lvl8pPr marL="3429000" indent="-228600" algn="l" defTabSz="457200" rtl="0" eaLnBrk="1" latinLnBrk="0" hangingPunct="1">
+              <a:spcBef>
+                <a:spcPts val="1000"/>
+              </a:spcBef>
+              <a:spcAft>
+                <a:spcPts val="0"/>
+              </a:spcAft>
+              <a:buClr>
+                <a:schemeClr val="accent1"/>
+              </a:buClr>
+              <a:buFont typeface="Wingdings 3" charset="2"/>
+              <a:buChar char=""/>
+              <a:defRPr sz="1200" kern="1200">
+                <a:solidFill>
+                  <a:schemeClr val="tx1">
+                    <a:lumMod val="75000"/>
+                    <a:lumOff val="25000"/>
+                  </a:schemeClr>
+                </a:solidFill>
+                <a:latin typeface="+mn-lt"/>
+                <a:ea typeface="+mn-ea"/>
+                <a:cs typeface="+mn-cs"/>
+              </a:defRPr>
+            </a:lvl8pPr>
+            <a:lvl9pPr marL="3886200" indent="-228600" algn="l" defTabSz="457200" rtl="0" eaLnBrk="1" latinLnBrk="0" hangingPunct="1">
+              <a:spcBef>
+                <a:spcPts val="1000"/>
+              </a:spcBef>
+              <a:spcAft>
+                <a:spcPts val="0"/>
+              </a:spcAft>
+              <a:buClr>
+                <a:schemeClr val="accent1"/>
+              </a:buClr>
+              <a:buFont typeface="Wingdings 3" charset="2"/>
+              <a:buChar char=""/>
+              <a:defRPr sz="1200" kern="1200">
+                <a:solidFill>
+                  <a:schemeClr val="tx1">
+                    <a:lumMod val="75000"/>
+                    <a:lumOff val="25000"/>
+                  </a:schemeClr>
+                </a:solidFill>
+                <a:latin typeface="+mn-lt"/>
+                <a:ea typeface="+mn-ea"/>
+                <a:cs typeface="+mn-cs"/>
+              </a:defRPr>
+            </a:lvl9pPr>
+          </a:lstStyle>
+          <a:p>
+            <a:r>
+              <a:rPr lang="ru-RU" sz="2500" smtClean="0"/>
               <a:t>Выполнил: Габидуллин Ибрагим Анварович гр. 11-308</a:t>
             </a:r>
           </a:p>
           <a:p>
             <a:r>
-              <a:rPr lang="ru-RU" sz="2500" dirty="0"/>
+              <a:rPr lang="ru-RU" sz="2500" smtClean="0"/>
               <a:t>Научный руководитель: Тощев Александр Сергеевич</a:t>
             </a:r>
-          </a:p>
-        </p:txBody>
-      </p:sp>
+            <a:endParaRPr lang="ru-RU" sz="2500" dirty="0"/>
+          </a:p>
+        </p:txBody>
+      </p:sp>
+      <p:pic>
+        <p:nvPicPr>
+          <p:cNvPr id="10" name="Рисунок 9"/>
+          <p:cNvPicPr>
+            <a:picLocks noChangeAspect="1"/>
+          </p:cNvPicPr>
+          <p:nvPr/>
+        </p:nvPicPr>
+        <p:blipFill>
+          <a:blip r:embed="rId2">
+            <a:extLst>
+              <a:ext uri="{28A0092B-C50C-407E-A947-70E740481C1C}">
+                <a14:useLocalDpi xmlns:a14="http://schemas.microsoft.com/office/drawing/2010/main" val="0"/>
+              </a:ext>
+            </a:extLst>
+          </a:blip>
+          <a:stretch>
+            <a:fillRect/>
+          </a:stretch>
+        </p:blipFill>
+        <p:spPr>
+          <a:xfrm>
+            <a:off x="9114943" y="0"/>
+            <a:ext cx="3077057" cy="1701800"/>
+          </a:xfrm>
+          <a:prstGeom prst="rect">
+            <a:avLst/>
+          </a:prstGeom>
+          <a:ln>
+            <a:noFill/>
+          </a:ln>
+          <a:effectLst>
+            <a:softEdge rad="112500"/>
+          </a:effectLst>
+        </p:spPr>
+      </p:pic>
     </p:spTree>
     <p:extLst>
       <p:ext uri="{BB962C8B-B14F-4D97-AF65-F5344CB8AC3E}">
-        <p14:creationId xmlns:p14="http://schemas.microsoft.com/office/powerpoint/2010/main" val="1020008568"/>
+        <p14:creationId xmlns:p14="http://schemas.microsoft.com/office/powerpoint/2010/main" val="1105018507"/>
       </p:ext>
     </p:extLst>
   </p:cSld>
@@ -7869,19 +8685,14 @@
             <p:ph type="title"/>
           </p:nvPr>
         </p:nvSpPr>
-        <p:spPr>
-          <a:xfrm>
-            <a:off x="2592925" y="636810"/>
-            <a:ext cx="8911687" cy="1280890"/>
-          </a:xfrm>
-        </p:spPr>
+        <p:spPr/>
         <p:txBody>
           <a:bodyPr/>
           <a:lstStyle/>
           <a:p>
             <a:r>
               <a:rPr lang="ru-RU" dirty="0" smtClean="0"/>
-              <a:t>Цель работы</a:t>
+              <a:t>Постановка задачи</a:t>
             </a:r>
             <a:endParaRPr lang="ru-RU" dirty="0"/>
           </a:p>
@@ -7897,64 +8708,79 @@
             <p:ph idx="1"/>
           </p:nvPr>
         </p:nvSpPr>
-        <p:spPr>
-          <a:xfrm>
-            <a:off x="2592925" y="2501900"/>
-            <a:ext cx="9424988" cy="5130800"/>
-          </a:xfrm>
-        </p:spPr>
+        <p:spPr/>
         <p:txBody>
           <a:bodyPr>
             <a:normAutofit/>
           </a:bodyPr>
           <a:lstStyle/>
           <a:p>
-            <a:pPr marL="0" indent="0">
-              <a:buNone/>
-            </a:pPr>
             <a:r>
               <a:rPr lang="ru-RU" sz="3000" dirty="0" smtClean="0"/>
-              <a:t>Разработать гибкий, лёгкий в настройке и развёртывании клиент-серверный </a:t>
-            </a:r>
-            <a:r>
-              <a:rPr lang="ru-RU" sz="3000" dirty="0" err="1" smtClean="0"/>
-              <a:t>фреймворк</a:t>
-            </a:r>
+              <a:t>Большие данные</a:t>
+            </a:r>
+            <a:endParaRPr lang="en-US" sz="3000" dirty="0" smtClean="0"/>
+          </a:p>
+          <a:p>
             <a:r>
               <a:rPr lang="ru-RU" sz="3000" dirty="0" smtClean="0"/>
-              <a:t> для управления параллельными вычислениями</a:t>
-            </a:r>
-            <a:r>
-              <a:rPr lang="ru-RU" dirty="0" smtClean="0"/>
-              <a:t>.</a:t>
-            </a:r>
-          </a:p>
-          <a:p>
-            <a:pPr>
-              <a:buFont typeface="+mj-lt"/>
-              <a:buAutoNum type="arabicPeriod"/>
-            </a:pPr>
-            <a:endParaRPr lang="ru-RU" dirty="0"/>
+              <a:t>Большие вычисления</a:t>
+            </a:r>
+          </a:p>
+          <a:p>
+            <a:r>
+              <a:rPr lang="ru-RU" sz="3000" dirty="0" smtClean="0"/>
+              <a:t>Время</a:t>
+            </a:r>
+          </a:p>
+          <a:p>
+            <a:r>
+              <a:rPr lang="ru-RU" sz="3000" dirty="0" smtClean="0"/>
+              <a:t>Параллельные вычисления</a:t>
+            </a:r>
+          </a:p>
+          <a:p>
+            <a:r>
+              <a:rPr lang="ru-RU" sz="3000" dirty="0" smtClean="0"/>
+              <a:t>Управление вычислениями</a:t>
+            </a:r>
+          </a:p>
+        </p:txBody>
+      </p:sp>
+      <p:sp>
+        <p:nvSpPr>
+          <p:cNvPr id="4" name="Номер слайда 3"/>
+          <p:cNvSpPr>
+            <a:spLocks noGrp="1"/>
+          </p:cNvSpPr>
+          <p:nvPr>
+            <p:ph type="sldNum" sz="quarter" idx="12"/>
+          </p:nvPr>
+        </p:nvSpPr>
+        <p:spPr/>
+        <p:txBody>
+          <a:bodyPr/>
+          <a:lstStyle/>
+          <a:p>
+            <a:fld id="{D57F1E4F-1CFF-5643-939E-217C01CDF565}" type="slidenum">
+              <a:rPr lang="en-US" smtClean="0"/>
+              <a:pPr/>
+              <a:t>2</a:t>
+            </a:fld>
+            <a:endParaRPr lang="en-US" dirty="0"/>
           </a:p>
         </p:txBody>
       </p:sp>
     </p:spTree>
     <p:extLst>
       <p:ext uri="{BB962C8B-B14F-4D97-AF65-F5344CB8AC3E}">
-        <p14:creationId xmlns:p14="http://schemas.microsoft.com/office/powerpoint/2010/main" val="3160600721"/>
+        <p14:creationId xmlns:p14="http://schemas.microsoft.com/office/powerpoint/2010/main" val="4162942515"/>
       </p:ext>
     </p:extLst>
   </p:cSld>
   <p:clrMapOvr>
     <a:masterClrMapping/>
   </p:clrMapOvr>
-  <p:timing>
-    <p:tnLst>
-      <p:par>
-        <p:cTn id="1" dur="indefinite" restart="never" nodeType="tmRoot"/>
-      </p:par>
-    </p:tnLst>
-  </p:timing>
 </p:sld>
 </file>
 
@@ -7987,7 +8813,7 @@
         </p:nvSpPr>
         <p:spPr>
           <a:xfrm>
-            <a:off x="2592925" y="624110"/>
+            <a:off x="2592925" y="636810"/>
             <a:ext cx="8911687" cy="1280890"/>
           </a:xfrm>
         </p:spPr>
@@ -7997,7 +8823,7 @@
           <a:p>
             <a:r>
               <a:rPr lang="ru-RU" dirty="0" smtClean="0"/>
-              <a:t>Задачи работы</a:t>
+              <a:t>Цель работы</a:t>
             </a:r>
             <a:endParaRPr lang="ru-RU" dirty="0"/>
           </a:p>
@@ -8015,85 +8841,73 @@
         </p:nvSpPr>
         <p:spPr>
           <a:xfrm>
-            <a:off x="2589212" y="1803400"/>
-            <a:ext cx="8915400" cy="3777622"/>
+            <a:off x="2592925" y="2501900"/>
+            <a:ext cx="9424988" cy="5130800"/>
           </a:xfrm>
         </p:spPr>
         <p:txBody>
           <a:bodyPr>
-            <a:noAutofit/>
+            <a:normAutofit/>
           </a:bodyPr>
           <a:lstStyle/>
           <a:p>
-            <a:pPr lvl="0"/>
-            <a:r>
-              <a:rPr lang="ru-RU" sz="2000" dirty="0" smtClean="0"/>
-              <a:t>изучить </a:t>
-            </a:r>
-            <a:r>
-              <a:rPr lang="ru-RU" sz="2000" dirty="0"/>
-              <a:t>парадигмы и технологии параллельных вычислений;</a:t>
-            </a:r>
-          </a:p>
-          <a:p>
-            <a:pPr lvl="0"/>
-            <a:r>
-              <a:rPr lang="ru-RU" sz="2000" dirty="0"/>
-              <a:t>исследовать существующие системы управления параллельными </a:t>
-            </a:r>
-            <a:r>
-              <a:rPr lang="ru-RU" sz="2000" dirty="0" smtClean="0"/>
-              <a:t>вычислениями;</a:t>
-            </a:r>
-            <a:endParaRPr lang="ru-RU" sz="2000" dirty="0"/>
-          </a:p>
-          <a:p>
-            <a:pPr lvl="0"/>
-            <a:r>
-              <a:rPr lang="ru-RU" sz="2000" dirty="0" smtClean="0"/>
-              <a:t>спроектировать архитектуру </a:t>
-            </a:r>
-            <a:r>
-              <a:rPr lang="ru-RU" sz="2000" dirty="0" err="1"/>
-              <a:t>фреймворка</a:t>
-            </a:r>
-            <a:r>
-              <a:rPr lang="ru-RU" sz="2000" dirty="0"/>
-              <a:t>, клиентской и серверной части;</a:t>
-            </a:r>
-          </a:p>
-          <a:p>
-            <a:pPr lvl="0"/>
-            <a:r>
-              <a:rPr lang="ru-RU" sz="2000" dirty="0" smtClean="0"/>
-              <a:t>разработать серверную и клиентскую части;</a:t>
-            </a:r>
-            <a:endParaRPr lang="ru-RU" sz="2000" dirty="0"/>
-          </a:p>
-          <a:p>
-            <a:pPr lvl="0"/>
-            <a:r>
-              <a:rPr lang="ru-RU" sz="2000" dirty="0" smtClean="0"/>
-              <a:t>исследовать работу </a:t>
-            </a:r>
-            <a:r>
-              <a:rPr lang="ru-RU" sz="2000" dirty="0" err="1"/>
-              <a:t>фреймворка</a:t>
-            </a:r>
-            <a:r>
-              <a:rPr lang="ru-RU" sz="2000" dirty="0"/>
-              <a:t> на разных операционных системах.</a:t>
-            </a:r>
-          </a:p>
-          <a:p>
-            <a:endParaRPr lang="ru-RU" sz="2000" dirty="0"/>
+            <a:pPr marL="0" indent="0">
+              <a:buNone/>
+            </a:pPr>
+            <a:r>
+              <a:rPr lang="ru-RU" sz="3000" dirty="0" smtClean="0"/>
+              <a:t>Разработать гибкий, лёгкий в настройке и развёртывании клиент-серверный </a:t>
+            </a:r>
+            <a:r>
+              <a:rPr lang="ru-RU" sz="3000" dirty="0" err="1" smtClean="0"/>
+              <a:t>фреймворк</a:t>
+            </a:r>
+            <a:r>
+              <a:rPr lang="ru-RU" sz="3000" dirty="0" smtClean="0"/>
+              <a:t> для управления параллельными вычислениями</a:t>
+            </a:r>
+            <a:r>
+              <a:rPr lang="ru-RU" dirty="0" smtClean="0"/>
+              <a:t>.</a:t>
+            </a:r>
+          </a:p>
+          <a:p>
+            <a:pPr>
+              <a:buFont typeface="+mj-lt"/>
+              <a:buAutoNum type="arabicPeriod"/>
+            </a:pPr>
+            <a:endParaRPr lang="ru-RU" dirty="0"/>
+          </a:p>
+        </p:txBody>
+      </p:sp>
+      <p:sp>
+        <p:nvSpPr>
+          <p:cNvPr id="4" name="Номер слайда 3"/>
+          <p:cNvSpPr>
+            <a:spLocks noGrp="1"/>
+          </p:cNvSpPr>
+          <p:nvPr>
+            <p:ph type="sldNum" sz="quarter" idx="12"/>
+          </p:nvPr>
+        </p:nvSpPr>
+        <p:spPr/>
+        <p:txBody>
+          <a:bodyPr/>
+          <a:lstStyle/>
+          <a:p>
+            <a:fld id="{D57F1E4F-1CFF-5643-939E-217C01CDF565}" type="slidenum">
+              <a:rPr lang="en-US" smtClean="0"/>
+              <a:pPr/>
+              <a:t>3</a:t>
+            </a:fld>
+            <a:endParaRPr lang="en-US" dirty="0"/>
           </a:p>
         </p:txBody>
       </p:sp>
     </p:spTree>
     <p:extLst>
       <p:ext uri="{BB962C8B-B14F-4D97-AF65-F5344CB8AC3E}">
-        <p14:creationId xmlns:p14="http://schemas.microsoft.com/office/powerpoint/2010/main" val="3964381677"/>
+        <p14:creationId xmlns:p14="http://schemas.microsoft.com/office/powerpoint/2010/main" val="3160600721"/>
       </p:ext>
     </p:extLst>
   </p:cSld>
@@ -8137,24 +8951,19 @@
             <p:ph type="title"/>
           </p:nvPr>
         </p:nvSpPr>
-        <p:spPr/>
-        <p:txBody>
-          <a:bodyPr>
-            <a:normAutofit/>
-          </a:bodyPr>
+        <p:spPr>
+          <a:xfrm>
+            <a:off x="2592925" y="624110"/>
+            <a:ext cx="8911687" cy="1280890"/>
+          </a:xfrm>
+        </p:spPr>
+        <p:txBody>
+          <a:bodyPr/>
           <a:lstStyle/>
           <a:p>
             <a:r>
               <a:rPr lang="ru-RU" dirty="0" smtClean="0"/>
-              <a:t>Парадигмы</a:t>
-            </a:r>
-            <a:r>
-              <a:rPr lang="en-US" dirty="0" smtClean="0"/>
-              <a:t> </a:t>
-            </a:r>
-            <a:r>
-              <a:rPr lang="ru-RU" dirty="0" smtClean="0"/>
-              <a:t>параллельных вычислений</a:t>
+              <a:t>Задачи работы</a:t>
             </a:r>
             <a:endParaRPr lang="ru-RU" dirty="0"/>
           </a:p>
@@ -8170,7 +8979,12 @@
             <p:ph idx="1"/>
           </p:nvPr>
         </p:nvSpPr>
-        <p:spPr/>
+        <p:spPr>
+          <a:xfrm>
+            <a:off x="2589212" y="1803400"/>
+            <a:ext cx="8915400" cy="3777622"/>
+          </a:xfrm>
+        </p:spPr>
         <p:txBody>
           <a:bodyPr>
             <a:noAutofit/>
@@ -8179,224 +8993,116 @@
           <a:p>
             <a:pPr lvl="0"/>
             <a:r>
+              <a:rPr lang="ru-RU" sz="2000" dirty="0" smtClean="0"/>
+              <a:t>изучить </a:t>
+            </a:r>
+            <a:r>
               <a:rPr lang="ru-RU" sz="2000" dirty="0"/>
-              <a:t>ОКОД — система, которая работает с одиночным потоком команд и одиночным потоком данных (</a:t>
+              <a:t>парадигмы и технологии параллельных </a:t>
+            </a:r>
+            <a:r>
+              <a:rPr lang="ru-RU" sz="2000" dirty="0" smtClean="0"/>
+              <a:t>вычислений</a:t>
+            </a:r>
+            <a:endParaRPr lang="ru-RU" sz="2000" dirty="0"/>
+          </a:p>
+          <a:p>
+            <a:pPr lvl="0"/>
+            <a:r>
+              <a:rPr lang="ru-RU" sz="2000" dirty="0"/>
+              <a:t>исследовать существующие системы управления параллельными </a:t>
+            </a:r>
+            <a:r>
+              <a:rPr lang="ru-RU" sz="2000" dirty="0" smtClean="0"/>
+              <a:t>вычислениями</a:t>
+            </a:r>
+            <a:endParaRPr lang="ru-RU" sz="2000" dirty="0"/>
+          </a:p>
+          <a:p>
+            <a:pPr lvl="0"/>
+            <a:r>
+              <a:rPr lang="ru-RU" sz="2000" dirty="0" smtClean="0"/>
+              <a:t>спроектировать архитектуру </a:t>
             </a:r>
             <a:r>
               <a:rPr lang="ru-RU" sz="2000" dirty="0" err="1"/>
-              <a:t>Single</a:t>
+              <a:t>фреймворка</a:t>
             </a:r>
             <a:r>
               <a:rPr lang="ru-RU" sz="2000" dirty="0"/>
-              <a:t> </a:t>
+              <a:t>, клиентской и серверной </a:t>
+            </a:r>
+            <a:r>
+              <a:rPr lang="ru-RU" sz="2000" dirty="0" smtClean="0"/>
+              <a:t>части</a:t>
+            </a:r>
+            <a:endParaRPr lang="ru-RU" sz="2000" dirty="0"/>
+          </a:p>
+          <a:p>
+            <a:pPr lvl="0"/>
+            <a:r>
+              <a:rPr lang="ru-RU" sz="2000" dirty="0" smtClean="0"/>
+              <a:t>разработать серверную и клиентскую </a:t>
+            </a:r>
+            <a:r>
+              <a:rPr lang="ru-RU" sz="2000" dirty="0" smtClean="0"/>
+              <a:t>части</a:t>
+            </a:r>
+            <a:endParaRPr lang="ru-RU" sz="2000" dirty="0"/>
+          </a:p>
+          <a:p>
+            <a:pPr lvl="0"/>
+            <a:r>
+              <a:rPr lang="ru-RU" sz="2000" dirty="0" smtClean="0"/>
+              <a:t>исследовать работу </a:t>
             </a:r>
             <a:r>
               <a:rPr lang="ru-RU" sz="2000" dirty="0" err="1"/>
-              <a:t>Instruction</a:t>
+              <a:t>фреймворка</a:t>
             </a:r>
             <a:r>
               <a:rPr lang="ru-RU" sz="2000" dirty="0"/>
-              <a:t> </a:t>
-            </a:r>
-            <a:r>
-              <a:rPr lang="ru-RU" sz="2000" dirty="0" err="1"/>
-              <a:t>stream</a:t>
-            </a:r>
-            <a:r>
-              <a:rPr lang="ru-RU" sz="2000" dirty="0"/>
-              <a:t> </a:t>
-            </a:r>
-            <a:r>
-              <a:rPr lang="ru-RU" sz="2000" dirty="0" err="1"/>
-              <a:t>over</a:t>
-            </a:r>
-            <a:r>
-              <a:rPr lang="ru-RU" sz="2000" dirty="0"/>
-              <a:t> a </a:t>
-            </a:r>
-            <a:r>
-              <a:rPr lang="ru-RU" sz="2000" dirty="0" err="1"/>
-              <a:t>Single</a:t>
-            </a:r>
-            <a:r>
-              <a:rPr lang="ru-RU" sz="2000" dirty="0"/>
-              <a:t> </a:t>
-            </a:r>
-            <a:r>
-              <a:rPr lang="ru-RU" sz="2000" dirty="0" err="1"/>
-              <a:t>Data</a:t>
-            </a:r>
-            <a:r>
-              <a:rPr lang="ru-RU" sz="2000" dirty="0"/>
-              <a:t> </a:t>
-            </a:r>
-            <a:r>
-              <a:rPr lang="ru-RU" sz="2000" dirty="0" err="1"/>
-              <a:t>stream</a:t>
+              <a:t> на разных операционных </a:t>
             </a:r>
             <a:r>
               <a:rPr lang="ru-RU" sz="2000" dirty="0" smtClean="0"/>
-              <a:t>)</a:t>
-            </a:r>
-            <a:r>
-              <a:rPr lang="en-US" sz="2000" dirty="0" smtClean="0"/>
-              <a:t> – </a:t>
-            </a:r>
-            <a:r>
-              <a:rPr lang="ru-RU" sz="2000" dirty="0" smtClean="0"/>
-              <a:t>классический компьютер;</a:t>
+              <a:t>системах</a:t>
             </a:r>
             <a:endParaRPr lang="ru-RU" sz="2000" dirty="0"/>
           </a:p>
           <a:p>
-            <a:pPr lvl="0"/>
-            <a:r>
-              <a:rPr lang="ru-RU" sz="2000" dirty="0"/>
-              <a:t>ОКМД — система, которая работает с одиночным потоком команд и множественным потоком данных (</a:t>
-            </a:r>
-            <a:r>
-              <a:rPr lang="ru-RU" sz="2000" dirty="0" err="1"/>
-              <a:t>Single</a:t>
-            </a:r>
-            <a:r>
-              <a:rPr lang="ru-RU" sz="2000" dirty="0"/>
-              <a:t> </a:t>
-            </a:r>
-            <a:r>
-              <a:rPr lang="ru-RU" sz="2000" dirty="0" err="1"/>
-              <a:t>Instruction</a:t>
-            </a:r>
-            <a:r>
-              <a:rPr lang="ru-RU" sz="2000" dirty="0"/>
-              <a:t>, </a:t>
-            </a:r>
-            <a:r>
-              <a:rPr lang="ru-RU" sz="2000" dirty="0" err="1"/>
-              <a:t>Multiple</a:t>
-            </a:r>
-            <a:r>
-              <a:rPr lang="ru-RU" sz="2000" dirty="0"/>
-              <a:t> </a:t>
-            </a:r>
-            <a:r>
-              <a:rPr lang="ru-RU" sz="2000" dirty="0" err="1" smtClean="0"/>
-              <a:t>Data</a:t>
-            </a:r>
-            <a:r>
-              <a:rPr lang="ru-RU" sz="2000" dirty="0" smtClean="0"/>
-              <a:t>)</a:t>
-            </a:r>
-            <a:r>
-              <a:rPr lang="en-US" sz="2000" dirty="0" smtClean="0"/>
-              <a:t> –</a:t>
-            </a:r>
-            <a:r>
-              <a:rPr lang="ru-RU" sz="2000" dirty="0" smtClean="0"/>
-              <a:t> </a:t>
-            </a:r>
-            <a:r>
-              <a:rPr lang="en-US" sz="2000" dirty="0" err="1" smtClean="0"/>
-              <a:t>OpenMP</a:t>
-            </a:r>
-            <a:r>
-              <a:rPr lang="ru-RU" sz="2000" dirty="0" smtClean="0"/>
-              <a:t>;</a:t>
-            </a:r>
             <a:endParaRPr lang="ru-RU" sz="2000" dirty="0"/>
           </a:p>
-          <a:p>
-            <a:pPr lvl="0"/>
-            <a:r>
-              <a:rPr lang="ru-RU" sz="2000" dirty="0"/>
-              <a:t>МКОД — система, которая работает со множественным потоком команд и одиночным потоком данных (</a:t>
-            </a:r>
-            <a:r>
-              <a:rPr lang="ru-RU" sz="2000" dirty="0" err="1"/>
-              <a:t>Multiple</a:t>
-            </a:r>
-            <a:r>
-              <a:rPr lang="ru-RU" sz="2000" dirty="0"/>
-              <a:t> </a:t>
-            </a:r>
-            <a:r>
-              <a:rPr lang="ru-RU" sz="2000" dirty="0" err="1"/>
-              <a:t>Instruction</a:t>
-            </a:r>
-            <a:r>
-              <a:rPr lang="ru-RU" sz="2000" dirty="0"/>
-              <a:t> </a:t>
-            </a:r>
-            <a:r>
-              <a:rPr lang="ru-RU" sz="2000" dirty="0" err="1"/>
-              <a:t>Single</a:t>
-            </a:r>
-            <a:r>
-              <a:rPr lang="ru-RU" sz="2000" dirty="0"/>
-              <a:t> </a:t>
-            </a:r>
-            <a:r>
-              <a:rPr lang="ru-RU" sz="2000" dirty="0" err="1"/>
-              <a:t>Data</a:t>
-            </a:r>
-            <a:r>
-              <a:rPr lang="ru-RU" sz="2000" dirty="0" smtClean="0"/>
-              <a:t>);</a:t>
-            </a:r>
-            <a:endParaRPr lang="ru-RU" sz="2000" dirty="0"/>
-          </a:p>
-          <a:p>
-            <a:r>
-              <a:rPr lang="ru-RU" sz="2000" dirty="0"/>
-              <a:t>МКМД — система, которая работает со множественным потоком команд и множественным потоком данных (</a:t>
-            </a:r>
-            <a:r>
-              <a:rPr lang="ru-RU" sz="2000" dirty="0" err="1"/>
-              <a:t>Multiple</a:t>
-            </a:r>
-            <a:r>
-              <a:rPr lang="ru-RU" sz="2000" dirty="0"/>
-              <a:t> </a:t>
-            </a:r>
-            <a:r>
-              <a:rPr lang="ru-RU" sz="2000" dirty="0" err="1"/>
-              <a:t>Instruction</a:t>
-            </a:r>
-            <a:r>
-              <a:rPr lang="ru-RU" sz="2000" dirty="0"/>
-              <a:t> </a:t>
-            </a:r>
-            <a:r>
-              <a:rPr lang="ru-RU" sz="2000" dirty="0" err="1"/>
-              <a:t>Multiple</a:t>
-            </a:r>
-            <a:r>
-              <a:rPr lang="ru-RU" sz="2000" dirty="0"/>
-              <a:t> </a:t>
-            </a:r>
-            <a:r>
-              <a:rPr lang="ru-RU" sz="2000" dirty="0" err="1"/>
-              <a:t>Data</a:t>
-            </a:r>
-            <a:r>
-              <a:rPr lang="ru-RU" sz="2000" dirty="0" smtClean="0"/>
-              <a:t>)</a:t>
-            </a:r>
-            <a:r>
-              <a:rPr lang="en-US" sz="2000" dirty="0" smtClean="0"/>
-              <a:t> – MPI</a:t>
-            </a:r>
-            <a:r>
-              <a:rPr lang="ru-RU" sz="2000" dirty="0" smtClean="0"/>
-              <a:t>. </a:t>
-            </a:r>
-            <a:endParaRPr lang="ru-RU" sz="2000" dirty="0"/>
+        </p:txBody>
+      </p:sp>
+      <p:sp>
+        <p:nvSpPr>
+          <p:cNvPr id="4" name="Номер слайда 3"/>
+          <p:cNvSpPr>
+            <a:spLocks noGrp="1"/>
+          </p:cNvSpPr>
+          <p:nvPr>
+            <p:ph type="sldNum" sz="quarter" idx="12"/>
+          </p:nvPr>
+        </p:nvSpPr>
+        <p:spPr/>
+        <p:txBody>
+          <a:bodyPr/>
+          <a:lstStyle/>
+          <a:p>
+            <a:fld id="{D57F1E4F-1CFF-5643-939E-217C01CDF565}" type="slidenum">
+              <a:rPr lang="en-US" smtClean="0"/>
+              <a:pPr/>
+              <a:t>4</a:t>
+            </a:fld>
+            <a:endParaRPr lang="en-US" dirty="0"/>
           </a:p>
         </p:txBody>
       </p:sp>
     </p:spTree>
     <p:extLst>
       <p:ext uri="{BB962C8B-B14F-4D97-AF65-F5344CB8AC3E}">
-        <p14:creationId xmlns:p14="http://schemas.microsoft.com/office/powerpoint/2010/main" val="1924654993"/>
+        <p14:creationId xmlns:p14="http://schemas.microsoft.com/office/powerpoint/2010/main" val="3964381677"/>
       </p:ext>
     </p:extLst>
   </p:cSld>
@@ -8478,26 +9184,54 @@
           <a:p>
             <a:r>
               <a:rPr lang="en-US" sz="3000" dirty="0" smtClean="0"/>
-              <a:t>PBS;</a:t>
+              <a:t>PBS</a:t>
             </a:r>
             <a:endParaRPr lang="en-US" sz="3000" dirty="0"/>
           </a:p>
           <a:p>
             <a:r>
               <a:rPr lang="en-US" sz="3000" dirty="0" smtClean="0"/>
-              <a:t>TORQUE;</a:t>
+              <a:t>TORQUE</a:t>
             </a:r>
             <a:endParaRPr lang="en-US" sz="3000" dirty="0"/>
           </a:p>
           <a:p>
             <a:r>
               <a:rPr lang="en-US" sz="3000" dirty="0" smtClean="0"/>
-              <a:t>IBM Platform LSF.</a:t>
+              <a:t>IBM Platform </a:t>
+            </a:r>
+            <a:r>
+              <a:rPr lang="en-US" sz="3000" dirty="0" smtClean="0"/>
+              <a:t>LSF</a:t>
             </a:r>
             <a:endParaRPr lang="en-US" sz="3000" dirty="0"/>
           </a:p>
           <a:p>
             <a:endParaRPr lang="ru-RU" dirty="0"/>
+          </a:p>
+        </p:txBody>
+      </p:sp>
+      <p:sp>
+        <p:nvSpPr>
+          <p:cNvPr id="4" name="Номер слайда 3"/>
+          <p:cNvSpPr>
+            <a:spLocks noGrp="1"/>
+          </p:cNvSpPr>
+          <p:nvPr>
+            <p:ph type="sldNum" sz="quarter" idx="12"/>
+          </p:nvPr>
+        </p:nvSpPr>
+        <p:spPr/>
+        <p:txBody>
+          <a:bodyPr/>
+          <a:lstStyle/>
+          <a:p>
+            <a:fld id="{D57F1E4F-1CFF-5643-939E-217C01CDF565}" type="slidenum">
+              <a:rPr lang="en-US" smtClean="0"/>
+              <a:pPr/>
+              <a:t>5</a:t>
+            </a:fld>
+            <a:endParaRPr lang="en-US" dirty="0"/>
           </a:p>
         </p:txBody>
       </p:sp>
@@ -8584,7 +9318,7 @@
         </p:blipFill>
         <p:spPr>
           <a:xfrm>
-            <a:off x="1527242" y="1447800"/>
+            <a:off x="2148425" y="1366155"/>
             <a:ext cx="8708958" cy="5087812"/>
           </a:xfrm>
           <a:prstGeom prst="roundRect">
@@ -8605,6 +9339,30 @@
           </a:effectLst>
         </p:spPr>
       </p:pic>
+      <p:sp>
+        <p:nvSpPr>
+          <p:cNvPr id="3" name="Номер слайда 2"/>
+          <p:cNvSpPr>
+            <a:spLocks noGrp="1"/>
+          </p:cNvSpPr>
+          <p:nvPr>
+            <p:ph type="sldNum" sz="quarter" idx="12"/>
+          </p:nvPr>
+        </p:nvSpPr>
+        <p:spPr/>
+        <p:txBody>
+          <a:bodyPr/>
+          <a:lstStyle/>
+          <a:p>
+            <a:fld id="{D57F1E4F-1CFF-5643-939E-217C01CDF565}" type="slidenum">
+              <a:rPr lang="en-US" smtClean="0"/>
+              <a:pPr/>
+              <a:t>6</a:t>
+            </a:fld>
+            <a:endParaRPr lang="en-US" dirty="0"/>
+          </a:p>
+        </p:txBody>
+      </p:sp>
     </p:spTree>
     <p:extLst>
       <p:ext uri="{BB962C8B-B14F-4D97-AF65-F5344CB8AC3E}">
@@ -8710,6 +9468,30 @@
           </a:effectLst>
         </p:spPr>
       </p:pic>
+      <p:sp>
+        <p:nvSpPr>
+          <p:cNvPr id="3" name="Номер слайда 2"/>
+          <p:cNvSpPr>
+            <a:spLocks noGrp="1"/>
+          </p:cNvSpPr>
+          <p:nvPr>
+            <p:ph type="sldNum" sz="quarter" idx="12"/>
+          </p:nvPr>
+        </p:nvSpPr>
+        <p:spPr/>
+        <p:txBody>
+          <a:bodyPr/>
+          <a:lstStyle/>
+          <a:p>
+            <a:fld id="{D57F1E4F-1CFF-5643-939E-217C01CDF565}" type="slidenum">
+              <a:rPr lang="en-US" smtClean="0"/>
+              <a:pPr/>
+              <a:t>7</a:t>
+            </a:fld>
+            <a:endParaRPr lang="en-US" dirty="0"/>
+          </a:p>
+        </p:txBody>
+      </p:sp>
     </p:spTree>
     <p:extLst>
       <p:ext uri="{BB962C8B-B14F-4D97-AF65-F5344CB8AC3E}">
@@ -8885,6 +9667,30 @@
           </a:prstGeom>
         </p:spPr>
       </p:pic>
+      <p:sp>
+        <p:nvSpPr>
+          <p:cNvPr id="7" name="Номер слайда 6"/>
+          <p:cNvSpPr>
+            <a:spLocks noGrp="1"/>
+          </p:cNvSpPr>
+          <p:nvPr>
+            <p:ph type="sldNum" sz="quarter" idx="12"/>
+          </p:nvPr>
+        </p:nvSpPr>
+        <p:spPr/>
+        <p:txBody>
+          <a:bodyPr/>
+          <a:lstStyle/>
+          <a:p>
+            <a:fld id="{D57F1E4F-1CFF-5643-939E-217C01CDF565}" type="slidenum">
+              <a:rPr lang="en-US" smtClean="0"/>
+              <a:pPr/>
+              <a:t>8</a:t>
+            </a:fld>
+            <a:endParaRPr lang="en-US" dirty="0"/>
+          </a:p>
+        </p:txBody>
+      </p:sp>
     </p:spTree>
     <p:extLst>
       <p:ext uri="{BB962C8B-B14F-4D97-AF65-F5344CB8AC3E}">
@@ -8939,11 +9745,7 @@
           <a:p>
             <a:r>
               <a:rPr lang="ru-RU" dirty="0" smtClean="0"/>
-              <a:t>Работа </a:t>
-            </a:r>
-            <a:r>
-              <a:rPr lang="ru-RU" dirty="0" err="1" smtClean="0"/>
-              <a:t>фреймворка</a:t>
+              <a:t>Результаты работы</a:t>
             </a:r>
             <a:endParaRPr lang="ru-RU" dirty="0"/>
           </a:p>
@@ -9008,6 +9810,30 @@
           </a:xfrm>
         </p:spPr>
       </p:pic>
+      <p:sp>
+        <p:nvSpPr>
+          <p:cNvPr id="3" name="Номер слайда 2"/>
+          <p:cNvSpPr>
+            <a:spLocks noGrp="1"/>
+          </p:cNvSpPr>
+          <p:nvPr>
+            <p:ph type="sldNum" sz="quarter" idx="12"/>
+          </p:nvPr>
+        </p:nvSpPr>
+        <p:spPr/>
+        <p:txBody>
+          <a:bodyPr/>
+          <a:lstStyle/>
+          <a:p>
+            <a:fld id="{D57F1E4F-1CFF-5643-939E-217C01CDF565}" type="slidenum">
+              <a:rPr lang="en-US" smtClean="0"/>
+              <a:pPr/>
+              <a:t>9</a:t>
+            </a:fld>
+            <a:endParaRPr lang="en-US" dirty="0"/>
+          </a:p>
+        </p:txBody>
+      </p:sp>
     </p:spTree>
     <p:extLst>
       <p:ext uri="{BB962C8B-B14F-4D97-AF65-F5344CB8AC3E}">
@@ -9269,4 +10095,265 @@
     </a:ext>
   </a:extLst>
 </a:theme>
+</file>
+
+<file path=ppt/theme/theme2.xml><?xml version="1.0" encoding="utf-8"?>
+<a:theme xmlns:a="http://schemas.openxmlformats.org/drawingml/2006/main" name="Тема Office">
+  <a:themeElements>
+    <a:clrScheme name="Стандартная">
+      <a:dk1>
+        <a:sysClr val="windowText" lastClr="000000"/>
+      </a:dk1>
+      <a:lt1>
+        <a:sysClr val="window" lastClr="FFFFFF"/>
+      </a:lt1>
+      <a:dk2>
+        <a:srgbClr val="44546A"/>
+      </a:dk2>
+      <a:lt2>
+        <a:srgbClr val="E7E6E6"/>
+      </a:lt2>
+      <a:accent1>
+        <a:srgbClr val="5B9BD5"/>
+      </a:accent1>
+      <a:accent2>
+        <a:srgbClr val="ED7D31"/>
+      </a:accent2>
+      <a:accent3>
+        <a:srgbClr val="A5A5A5"/>
+      </a:accent3>
+      <a:accent4>
+        <a:srgbClr val="FFC000"/>
+      </a:accent4>
+      <a:accent5>
+        <a:srgbClr val="4472C4"/>
+      </a:accent5>
+      <a:accent6>
+        <a:srgbClr val="70AD47"/>
+      </a:accent6>
+      <a:hlink>
+        <a:srgbClr val="0563C1"/>
+      </a:hlink>
+      <a:folHlink>
+        <a:srgbClr val="954F72"/>
+      </a:folHlink>
+    </a:clrScheme>
+    <a:fontScheme name="Стандартная">
+      <a:majorFont>
+        <a:latin typeface="Calibri Light" panose="020F0302020204030204"/>
+        <a:ea typeface=""/>
+        <a:cs typeface=""/>
+        <a:font script="Jpan" typeface="ＭＳ Ｐゴシック"/>
+        <a:font script="Hang" typeface="맑은 고딕"/>
+        <a:font script="Hans" typeface="宋体"/>
+        <a:font script="Hant" typeface="新細明體"/>
+        <a:font script="Arab" typeface="Times New Roman"/>
+        <a:font script="Hebr" typeface="Times New Roman"/>
+        <a:font script="Thai" typeface="Angsana New"/>
+        <a:font script="Ethi" typeface="Nyala"/>
+        <a:font script="Beng" typeface="Vrinda"/>
+        <a:font script="Gujr" typeface="Shruti"/>
+        <a:font script="Khmr" typeface="MoolBoran"/>
+        <a:font script="Knda" typeface="Tunga"/>
+        <a:font script="Guru" typeface="Raavi"/>
+        <a:font script="Cans" typeface="Euphemia"/>
+        <a:font script="Cher" typeface="Plantagenet Cherokee"/>
+        <a:font script="Yiii" typeface="Microsoft Yi Baiti"/>
+        <a:font script="Tibt" typeface="Microsoft Himalaya"/>
+        <a:font script="Thaa" typeface="MV Boli"/>
+        <a:font script="Deva" typeface="Mangal"/>
+        <a:font script="Telu" typeface="Gautami"/>
+        <a:font script="Taml" typeface="Latha"/>
+        <a:font script="Syrc" typeface="Estrangelo Edessa"/>
+        <a:font script="Orya" typeface="Kalinga"/>
+        <a:font script="Mlym" typeface="Kartika"/>
+        <a:font script="Laoo" typeface="DokChampa"/>
+        <a:font script="Sinh" typeface="Iskoola Pota"/>
+        <a:font script="Mong" typeface="Mongolian Baiti"/>
+        <a:font script="Viet" typeface="Times New Roman"/>
+        <a:font script="Uigh" typeface="Microsoft Uighur"/>
+        <a:font script="Geor" typeface="Sylfaen"/>
+      </a:majorFont>
+      <a:minorFont>
+        <a:latin typeface="Calibri" panose="020F0502020204030204"/>
+        <a:ea typeface=""/>
+        <a:cs typeface=""/>
+        <a:font script="Jpan" typeface="ＭＳ Ｐゴシック"/>
+        <a:font script="Hang" typeface="맑은 고딕"/>
+        <a:font script="Hans" typeface="宋体"/>
+        <a:font script="Hant" typeface="新細明體"/>
+        <a:font script="Arab" typeface="Arial"/>
+        <a:font script="Hebr" typeface="Arial"/>
+        <a:font script="Thai" typeface="Cordia New"/>
+        <a:font script="Ethi" typeface="Nyala"/>
+        <a:font script="Beng" typeface="Vrinda"/>
+        <a:font script="Gujr" typeface="Shruti"/>
+        <a:font script="Khmr" typeface="DaunPenh"/>
+        <a:font script="Knda" typeface="Tunga"/>
+        <a:font script="Guru" typeface="Raavi"/>
+        <a:font script="Cans" typeface="Euphemia"/>
+        <a:font script="Cher" typeface="Plantagenet Cherokee"/>
+        <a:font script="Yiii" typeface="Microsoft Yi Baiti"/>
+        <a:font script="Tibt" typeface="Microsoft Himalaya"/>
+        <a:font script="Thaa" typeface="MV Boli"/>
+        <a:font script="Deva" typeface="Mangal"/>
+        <a:font script="Telu" typeface="Gautami"/>
+        <a:font script="Taml" typeface="Latha"/>
+        <a:font script="Syrc" typeface="Estrangelo Edessa"/>
+        <a:font script="Orya" typeface="Kalinga"/>
+        <a:font script="Mlym" typeface="Kartika"/>
+        <a:font script="Laoo" typeface="DokChampa"/>
+        <a:font script="Sinh" typeface="Iskoola Pota"/>
+        <a:font script="Mong" typeface="Mongolian Baiti"/>
+        <a:font script="Viet" typeface="Arial"/>
+        <a:font script="Uigh" typeface="Microsoft Uighur"/>
+        <a:font script="Geor" typeface="Sylfaen"/>
+      </a:minorFont>
+    </a:fontScheme>
+    <a:fmtScheme name="Стандартная">
+      <a:fillStyleLst>
+        <a:solidFill>
+          <a:schemeClr val="phClr"/>
+        </a:solidFill>
+        <a:gradFill rotWithShape="1">
+          <a:gsLst>
+            <a:gs pos="0">
+              <a:schemeClr val="phClr">
+                <a:lumMod val="110000"/>
+                <a:satMod val="105000"/>
+                <a:tint val="67000"/>
+              </a:schemeClr>
+            </a:gs>
+            <a:gs pos="50000">
+              <a:schemeClr val="phClr">
+                <a:lumMod val="105000"/>
+                <a:satMod val="103000"/>
+                <a:tint val="73000"/>
+              </a:schemeClr>
+            </a:gs>
+            <a:gs pos="100000">
+              <a:schemeClr val="phClr">
+                <a:lumMod val="105000"/>
+                <a:satMod val="109000"/>
+                <a:tint val="81000"/>
+              </a:schemeClr>
+            </a:gs>
+          </a:gsLst>
+          <a:lin ang="5400000" scaled="0"/>
+        </a:gradFill>
+        <a:gradFill rotWithShape="1">
+          <a:gsLst>
+            <a:gs pos="0">
+              <a:schemeClr val="phClr">
+                <a:satMod val="103000"/>
+                <a:lumMod val="102000"/>
+                <a:tint val="94000"/>
+              </a:schemeClr>
+            </a:gs>
+            <a:gs pos="50000">
+              <a:schemeClr val="phClr">
+                <a:satMod val="110000"/>
+                <a:lumMod val="100000"/>
+                <a:shade val="100000"/>
+              </a:schemeClr>
+            </a:gs>
+            <a:gs pos="100000">
+              <a:schemeClr val="phClr">
+                <a:lumMod val="99000"/>
+                <a:satMod val="120000"/>
+                <a:shade val="78000"/>
+              </a:schemeClr>
+            </a:gs>
+          </a:gsLst>
+          <a:lin ang="5400000" scaled="0"/>
+        </a:gradFill>
+      </a:fillStyleLst>
+      <a:lnStyleLst>
+        <a:ln w="6350" cap="flat" cmpd="sng" algn="ctr">
+          <a:solidFill>
+            <a:schemeClr val="phClr"/>
+          </a:solidFill>
+          <a:prstDash val="solid"/>
+          <a:miter lim="800000"/>
+        </a:ln>
+        <a:ln w="12700" cap="flat" cmpd="sng" algn="ctr">
+          <a:solidFill>
+            <a:schemeClr val="phClr"/>
+          </a:solidFill>
+          <a:prstDash val="solid"/>
+          <a:miter lim="800000"/>
+        </a:ln>
+        <a:ln w="19050" cap="flat" cmpd="sng" algn="ctr">
+          <a:solidFill>
+            <a:schemeClr val="phClr"/>
+          </a:solidFill>
+          <a:prstDash val="solid"/>
+          <a:miter lim="800000"/>
+        </a:ln>
+      </a:lnStyleLst>
+      <a:effectStyleLst>
+        <a:effectStyle>
+          <a:effectLst/>
+        </a:effectStyle>
+        <a:effectStyle>
+          <a:effectLst/>
+        </a:effectStyle>
+        <a:effectStyle>
+          <a:effectLst>
+            <a:outerShdw blurRad="57150" dist="19050" dir="5400000" algn="ctr" rotWithShape="0">
+              <a:srgbClr val="000000">
+                <a:alpha val="63000"/>
+              </a:srgbClr>
+            </a:outerShdw>
+          </a:effectLst>
+        </a:effectStyle>
+      </a:effectStyleLst>
+      <a:bgFillStyleLst>
+        <a:solidFill>
+          <a:schemeClr val="phClr"/>
+        </a:solidFill>
+        <a:solidFill>
+          <a:schemeClr val="phClr">
+            <a:tint val="95000"/>
+            <a:satMod val="170000"/>
+          </a:schemeClr>
+        </a:solidFill>
+        <a:gradFill rotWithShape="1">
+          <a:gsLst>
+            <a:gs pos="0">
+              <a:schemeClr val="phClr">
+                <a:tint val="93000"/>
+                <a:satMod val="150000"/>
+                <a:shade val="98000"/>
+                <a:lumMod val="102000"/>
+              </a:schemeClr>
+            </a:gs>
+            <a:gs pos="50000">
+              <a:schemeClr val="phClr">
+                <a:tint val="98000"/>
+                <a:satMod val="130000"/>
+                <a:shade val="90000"/>
+                <a:lumMod val="103000"/>
+              </a:schemeClr>
+            </a:gs>
+            <a:gs pos="100000">
+              <a:schemeClr val="phClr">
+                <a:shade val="63000"/>
+                <a:satMod val="120000"/>
+              </a:schemeClr>
+            </a:gs>
+          </a:gsLst>
+          <a:lin ang="5400000" scaled="0"/>
+        </a:gradFill>
+      </a:bgFillStyleLst>
+    </a:fmtScheme>
+  </a:themeElements>
+  <a:objectDefaults/>
+  <a:extraClrSchemeLst/>
+  <a:extLst>
+    <a:ext uri="{05A4C25C-085E-4340-85A3-A5531E510DB2}">
+      <thm15:themeFamily xmlns:thm15="http://schemas.microsoft.com/office/thememl/2012/main" name="Office Theme" id="{62F939B6-93AF-4DB8-9C6B-D6C7DFDC589F}" vid="{4A3C46E8-61CC-4603-A589-7422A47A8E4A}"/>
+    </a:ext>
+  </a:extLst>
+</a:theme>
 </file>
--- a/презентация.pptx
+++ b/презентация.pptx
@@ -124,6 +124,18 @@
 </p:presentation>
 </file>
 
+<file path=ppt/commentAuthors.xml><?xml version="1.0" encoding="utf-8"?>
+<p:cmAuthorLst xmlns:a="http://schemas.openxmlformats.org/drawingml/2006/main" xmlns:r="http://schemas.openxmlformats.org/officeDocument/2006/relationships" xmlns:p="http://schemas.openxmlformats.org/presentationml/2006/main">
+  <p:cmAuthor id="1" name="Ibragim Gabidullin" initials="IG" lastIdx="1" clrIdx="0">
+    <p:extLst>
+      <p:ext uri="{19B8F6BF-5375-455C-9EA6-DF929625EA0E}">
+        <p15:presenceInfo xmlns:p15="http://schemas.microsoft.com/office/powerpoint/2012/main" userId="Ibragim Gabidullin" providerId="None"/>
+      </p:ext>
+    </p:extLst>
+  </p:cmAuthor>
+</p:cmAuthorLst>
+</file>
+
 <file path=ppt/notesMasters/notesMaster1.xml><?xml version="1.0" encoding="utf-8"?>
 <p:notesMaster xmlns:a="http://schemas.openxmlformats.org/drawingml/2006/main" xmlns:r="http://schemas.openxmlformats.org/officeDocument/2006/relationships" xmlns:p="http://schemas.openxmlformats.org/presentationml/2006/main">
   <p:cSld>
@@ -206,7 +218,7 @@
           <a:p>
             <a:fld id="{5D84C3B8-A29B-4FA2-A181-573356ACB1E5}" type="datetimeFigureOut">
               <a:rPr lang="ru-RU" smtClean="0"/>
-              <a:t>14.06.2017</a:t>
+              <a:t>20.06.2017</a:t>
             </a:fld>
             <a:endParaRPr lang="ru-RU"/>
           </a:p>
@@ -518,7 +530,7 @@
           <a:bodyPr/>
           <a:lstStyle/>
           <a:p>
-            <a:endParaRPr lang="ru-RU"/>
+            <a:endParaRPr lang="ru-RU" dirty="0"/>
           </a:p>
         </p:txBody>
       </p:sp>
@@ -549,6 +561,1948 @@
     <p:extLst>
       <p:ext uri="{BB962C8B-B14F-4D97-AF65-F5344CB8AC3E}">
         <p14:creationId xmlns:p14="http://schemas.microsoft.com/office/powerpoint/2010/main" val="1460602761"/>
+      </p:ext>
+    </p:extLst>
+  </p:cSld>
+  <p:clrMapOvr>
+    <a:masterClrMapping/>
+  </p:clrMapOvr>
+</p:notes>
+</file>
+
+<file path=ppt/notesSlides/notesSlide2.xml><?xml version="1.0" encoding="utf-8"?>
+<p:notes xmlns:a="http://schemas.openxmlformats.org/drawingml/2006/main" xmlns:r="http://schemas.openxmlformats.org/officeDocument/2006/relationships" xmlns:p="http://schemas.openxmlformats.org/presentationml/2006/main">
+  <p:cSld>
+    <p:spTree>
+      <p:nvGrpSpPr>
+        <p:cNvPr id="1" name=""/>
+        <p:cNvGrpSpPr/>
+        <p:nvPr/>
+      </p:nvGrpSpPr>
+      <p:grpSpPr>
+        <a:xfrm>
+          <a:off x="0" y="0"/>
+          <a:ext cx="0" cy="0"/>
+          <a:chOff x="0" y="0"/>
+          <a:chExt cx="0" cy="0"/>
+        </a:xfrm>
+      </p:grpSpPr>
+      <p:sp>
+        <p:nvSpPr>
+          <p:cNvPr id="2" name="Slide Image Placeholder 1"/>
+          <p:cNvSpPr>
+            <a:spLocks noGrp="1" noRot="1" noChangeAspect="1"/>
+          </p:cNvSpPr>
+          <p:nvPr>
+            <p:ph type="sldImg"/>
+          </p:nvPr>
+        </p:nvSpPr>
+        <p:spPr/>
+      </p:sp>
+      <p:sp>
+        <p:nvSpPr>
+          <p:cNvPr id="3" name="Notes Placeholder 2"/>
+          <p:cNvSpPr>
+            <a:spLocks noGrp="1"/>
+          </p:cNvSpPr>
+          <p:nvPr>
+            <p:ph type="body" idx="1"/>
+          </p:nvPr>
+        </p:nvSpPr>
+        <p:spPr/>
+        <p:txBody>
+          <a:bodyPr/>
+          <a:lstStyle/>
+          <a:p>
+            <a:pPr marL="0" marR="0" lvl="0" indent="0" algn="l" defTabSz="914400" rtl="0" eaLnBrk="1" fontAlgn="auto" latinLnBrk="0" hangingPunct="1">
+              <a:lnSpc>
+                <a:spcPct val="100000"/>
+              </a:lnSpc>
+              <a:spcBef>
+                <a:spcPts val="0"/>
+              </a:spcBef>
+              <a:spcAft>
+                <a:spcPts val="0"/>
+              </a:spcAft>
+              <a:buClrTx/>
+              <a:buSzTx/>
+              <a:buFontTx/>
+              <a:buNone/>
+              <a:tabLst/>
+              <a:defRPr/>
+            </a:pPr>
+            <a:r>
+              <a:rPr lang="ru-RU" sz="1200" kern="1200" dirty="0" smtClean="0">
+                <a:solidFill>
+                  <a:schemeClr val="tx1"/>
+                </a:solidFill>
+                <a:effectLst/>
+                <a:latin typeface="+mn-lt"/>
+                <a:ea typeface="+mn-ea"/>
+                <a:cs typeface="+mn-cs"/>
+              </a:rPr>
+              <a:t>В настоящее время существует большое количество данных, которые должны подлежать анализу и обработке. Для обработки больших данных используются такая вещь как параллельные вычисления. Данные вычисления выполняются на кластерах. Но для управления ими существующие решения являются либо сложными, либо дорогими. </a:t>
+            </a:r>
+          </a:p>
+          <a:p>
+            <a:endParaRPr lang="ru-RU" dirty="0"/>
+          </a:p>
+        </p:txBody>
+      </p:sp>
+      <p:sp>
+        <p:nvSpPr>
+          <p:cNvPr id="4" name="Slide Number Placeholder 3"/>
+          <p:cNvSpPr>
+            <a:spLocks noGrp="1"/>
+          </p:cNvSpPr>
+          <p:nvPr>
+            <p:ph type="sldNum" sz="quarter" idx="10"/>
+          </p:nvPr>
+        </p:nvSpPr>
+        <p:spPr/>
+        <p:txBody>
+          <a:bodyPr/>
+          <a:lstStyle/>
+          <a:p>
+            <a:fld id="{F57A3BED-6B87-4A01-91AE-83340B7ECA5F}" type="slidenum">
+              <a:rPr lang="ru-RU" smtClean="0"/>
+              <a:t>2</a:t>
+            </a:fld>
+            <a:endParaRPr lang="ru-RU"/>
+          </a:p>
+        </p:txBody>
+      </p:sp>
+    </p:spTree>
+    <p:extLst>
+      <p:ext uri="{BB962C8B-B14F-4D97-AF65-F5344CB8AC3E}">
+        <p14:creationId xmlns:p14="http://schemas.microsoft.com/office/powerpoint/2010/main" val="2657205959"/>
+      </p:ext>
+    </p:extLst>
+  </p:cSld>
+  <p:clrMapOvr>
+    <a:masterClrMapping/>
+  </p:clrMapOvr>
+</p:notes>
+</file>
+
+<file path=ppt/notesSlides/notesSlide3.xml><?xml version="1.0" encoding="utf-8"?>
+<p:notes xmlns:a="http://schemas.openxmlformats.org/drawingml/2006/main" xmlns:r="http://schemas.openxmlformats.org/officeDocument/2006/relationships" xmlns:p="http://schemas.openxmlformats.org/presentationml/2006/main">
+  <p:cSld>
+    <p:spTree>
+      <p:nvGrpSpPr>
+        <p:cNvPr id="1" name=""/>
+        <p:cNvGrpSpPr/>
+        <p:nvPr/>
+      </p:nvGrpSpPr>
+      <p:grpSpPr>
+        <a:xfrm>
+          <a:off x="0" y="0"/>
+          <a:ext cx="0" cy="0"/>
+          <a:chOff x="0" y="0"/>
+          <a:chExt cx="0" cy="0"/>
+        </a:xfrm>
+      </p:grpSpPr>
+      <p:sp>
+        <p:nvSpPr>
+          <p:cNvPr id="2" name="Slide Image Placeholder 1"/>
+          <p:cNvSpPr>
+            <a:spLocks noGrp="1" noRot="1" noChangeAspect="1"/>
+          </p:cNvSpPr>
+          <p:nvPr>
+            <p:ph type="sldImg"/>
+          </p:nvPr>
+        </p:nvSpPr>
+        <p:spPr/>
+      </p:sp>
+      <p:sp>
+        <p:nvSpPr>
+          <p:cNvPr id="3" name="Notes Placeholder 2"/>
+          <p:cNvSpPr>
+            <a:spLocks noGrp="1"/>
+          </p:cNvSpPr>
+          <p:nvPr>
+            <p:ph type="body" idx="1"/>
+          </p:nvPr>
+        </p:nvSpPr>
+        <p:spPr/>
+        <p:txBody>
+          <a:bodyPr/>
+          <a:lstStyle/>
+          <a:p>
+            <a:pPr marL="0" marR="0" lvl="0" indent="0" algn="l" defTabSz="914400" rtl="0" eaLnBrk="1" fontAlgn="auto" latinLnBrk="0" hangingPunct="1">
+              <a:lnSpc>
+                <a:spcPct val="100000"/>
+              </a:lnSpc>
+              <a:spcBef>
+                <a:spcPts val="0"/>
+              </a:spcBef>
+              <a:spcAft>
+                <a:spcPts val="0"/>
+              </a:spcAft>
+              <a:buClrTx/>
+              <a:buSzTx/>
+              <a:buFontTx/>
+              <a:buNone/>
+              <a:tabLst/>
+              <a:defRPr/>
+            </a:pPr>
+            <a:r>
+              <a:rPr lang="ru-RU" sz="1200" kern="1200" dirty="0" smtClean="0">
+                <a:solidFill>
+                  <a:schemeClr val="tx1"/>
+                </a:solidFill>
+                <a:effectLst/>
+                <a:latin typeface="+mn-lt"/>
+                <a:ea typeface="+mn-ea"/>
+                <a:cs typeface="+mn-cs"/>
+              </a:rPr>
+              <a:t>Таким образом, целью моей работы является разработать готовый к развёртыванию и использованию клиент-серверный </a:t>
+            </a:r>
+            <a:r>
+              <a:rPr lang="ru-RU" sz="1200" kern="1200" dirty="0" err="1" smtClean="0">
+                <a:solidFill>
+                  <a:schemeClr val="tx1"/>
+                </a:solidFill>
+                <a:effectLst/>
+                <a:latin typeface="+mn-lt"/>
+                <a:ea typeface="+mn-ea"/>
+                <a:cs typeface="+mn-cs"/>
+              </a:rPr>
+              <a:t>фреймворка</a:t>
+            </a:r>
+            <a:r>
+              <a:rPr lang="ru-RU" sz="1200" kern="1200" dirty="0" smtClean="0">
+                <a:solidFill>
+                  <a:schemeClr val="tx1"/>
+                </a:solidFill>
+                <a:effectLst/>
+                <a:latin typeface="+mn-lt"/>
+                <a:ea typeface="+mn-ea"/>
+                <a:cs typeface="+mn-cs"/>
+              </a:rPr>
+              <a:t> для управлений параллельными вычислениями. Почему </a:t>
+            </a:r>
+            <a:r>
+              <a:rPr lang="ru-RU" sz="1200" kern="1200" dirty="0" err="1" smtClean="0">
+                <a:solidFill>
+                  <a:schemeClr val="tx1"/>
+                </a:solidFill>
+                <a:effectLst/>
+                <a:latin typeface="+mn-lt"/>
+                <a:ea typeface="+mn-ea"/>
+                <a:cs typeface="+mn-cs"/>
+              </a:rPr>
+              <a:t>фреймворк</a:t>
+            </a:r>
+            <a:r>
+              <a:rPr lang="ru-RU" sz="1200" kern="1200" dirty="0" smtClean="0">
+                <a:solidFill>
+                  <a:schemeClr val="tx1"/>
+                </a:solidFill>
+                <a:effectLst/>
+                <a:latin typeface="+mn-lt"/>
+                <a:ea typeface="+mn-ea"/>
+                <a:cs typeface="+mn-cs"/>
+              </a:rPr>
+              <a:t>? Потому что подразумевается, что проект может быть модифицирован для определенных систем. К примеру, в базовом варианте система управляет </a:t>
+            </a:r>
+            <a:r>
+              <a:rPr lang="en-US" sz="1200" kern="1200" dirty="0" smtClean="0">
+                <a:solidFill>
+                  <a:schemeClr val="tx1"/>
+                </a:solidFill>
+                <a:effectLst/>
+                <a:latin typeface="+mn-lt"/>
+                <a:ea typeface="+mn-ea"/>
+                <a:cs typeface="+mn-cs"/>
+              </a:rPr>
+              <a:t>MPI </a:t>
+            </a:r>
+            <a:r>
+              <a:rPr lang="ru-RU" sz="1200" kern="1200" dirty="0" smtClean="0">
+                <a:solidFill>
+                  <a:schemeClr val="tx1"/>
+                </a:solidFill>
+                <a:effectLst/>
+                <a:latin typeface="+mn-lt"/>
+                <a:ea typeface="+mn-ea"/>
+                <a:cs typeface="+mn-cs"/>
+              </a:rPr>
+              <a:t>вычислениями, но при желании можно легко добавить управление другими технологиями параллельных вычислений.</a:t>
+            </a:r>
+          </a:p>
+          <a:p>
+            <a:endParaRPr lang="ru-RU" dirty="0"/>
+          </a:p>
+        </p:txBody>
+      </p:sp>
+      <p:sp>
+        <p:nvSpPr>
+          <p:cNvPr id="4" name="Slide Number Placeholder 3"/>
+          <p:cNvSpPr>
+            <a:spLocks noGrp="1"/>
+          </p:cNvSpPr>
+          <p:nvPr>
+            <p:ph type="sldNum" sz="quarter" idx="10"/>
+          </p:nvPr>
+        </p:nvSpPr>
+        <p:spPr/>
+        <p:txBody>
+          <a:bodyPr/>
+          <a:lstStyle/>
+          <a:p>
+            <a:fld id="{F57A3BED-6B87-4A01-91AE-83340B7ECA5F}" type="slidenum">
+              <a:rPr lang="ru-RU" smtClean="0"/>
+              <a:t>3</a:t>
+            </a:fld>
+            <a:endParaRPr lang="ru-RU"/>
+          </a:p>
+        </p:txBody>
+      </p:sp>
+    </p:spTree>
+    <p:extLst>
+      <p:ext uri="{BB962C8B-B14F-4D97-AF65-F5344CB8AC3E}">
+        <p14:creationId xmlns:p14="http://schemas.microsoft.com/office/powerpoint/2010/main" val="2965518882"/>
+      </p:ext>
+    </p:extLst>
+  </p:cSld>
+  <p:clrMapOvr>
+    <a:masterClrMapping/>
+  </p:clrMapOvr>
+</p:notes>
+</file>
+
+<file path=ppt/notesSlides/notesSlide4.xml><?xml version="1.0" encoding="utf-8"?>
+<p:notes xmlns:a="http://schemas.openxmlformats.org/drawingml/2006/main" xmlns:r="http://schemas.openxmlformats.org/officeDocument/2006/relationships" xmlns:p="http://schemas.openxmlformats.org/presentationml/2006/main">
+  <p:cSld>
+    <p:spTree>
+      <p:nvGrpSpPr>
+        <p:cNvPr id="1" name=""/>
+        <p:cNvGrpSpPr/>
+        <p:nvPr/>
+      </p:nvGrpSpPr>
+      <p:grpSpPr>
+        <a:xfrm>
+          <a:off x="0" y="0"/>
+          <a:ext cx="0" cy="0"/>
+          <a:chOff x="0" y="0"/>
+          <a:chExt cx="0" cy="0"/>
+        </a:xfrm>
+      </p:grpSpPr>
+      <p:sp>
+        <p:nvSpPr>
+          <p:cNvPr id="2" name="Slide Image Placeholder 1"/>
+          <p:cNvSpPr>
+            <a:spLocks noGrp="1" noRot="1" noChangeAspect="1"/>
+          </p:cNvSpPr>
+          <p:nvPr>
+            <p:ph type="sldImg"/>
+          </p:nvPr>
+        </p:nvSpPr>
+        <p:spPr/>
+      </p:sp>
+      <p:sp>
+        <p:nvSpPr>
+          <p:cNvPr id="3" name="Notes Placeholder 2"/>
+          <p:cNvSpPr>
+            <a:spLocks noGrp="1"/>
+          </p:cNvSpPr>
+          <p:nvPr>
+            <p:ph type="body" idx="1"/>
+          </p:nvPr>
+        </p:nvSpPr>
+        <p:spPr/>
+        <p:txBody>
+          <a:bodyPr/>
+          <a:lstStyle/>
+          <a:p>
+            <a:r>
+              <a:rPr lang="ru-RU" sz="1200" kern="1200" dirty="0" smtClean="0">
+                <a:solidFill>
+                  <a:schemeClr val="tx1"/>
+                </a:solidFill>
+                <a:effectLst/>
+                <a:latin typeface="+mn-lt"/>
+                <a:ea typeface="+mn-ea"/>
+                <a:cs typeface="+mn-cs"/>
+              </a:rPr>
+              <a:t>Для достижения цели, я поставил перед собой задачи:</a:t>
+            </a:r>
+          </a:p>
+          <a:p>
+            <a:pPr lvl="0"/>
+            <a:r>
+              <a:rPr lang="ru-RU" sz="1200" kern="1200" dirty="0" smtClean="0">
+                <a:solidFill>
+                  <a:schemeClr val="tx1"/>
+                </a:solidFill>
+                <a:effectLst/>
+                <a:latin typeface="+mn-lt"/>
+                <a:ea typeface="+mn-ea"/>
+                <a:cs typeface="+mn-cs"/>
+              </a:rPr>
+              <a:t>Для того, чтобы знать, чем нужно управлять, мне нужно изучить парадигмы и технологии параллельных вычислений;</a:t>
+            </a:r>
+          </a:p>
+          <a:p>
+            <a:pPr lvl="0"/>
+            <a:r>
+              <a:rPr lang="ru-RU" sz="1200" kern="1200" dirty="0" smtClean="0">
+                <a:solidFill>
+                  <a:schemeClr val="tx1"/>
+                </a:solidFill>
+                <a:effectLst/>
+                <a:latin typeface="+mn-lt"/>
+                <a:ea typeface="+mn-ea"/>
+                <a:cs typeface="+mn-cs"/>
+              </a:rPr>
+              <a:t>Также нужно исследовать существующие системы управления параллельными вычислениями, для того чтобы знать какие системы уже существуют и на что ориентироваться при разработке;</a:t>
+            </a:r>
+          </a:p>
+          <a:p>
+            <a:pPr lvl="0"/>
+            <a:r>
+              <a:rPr lang="ru-RU" sz="1200" kern="1200" dirty="0" smtClean="0">
+                <a:solidFill>
+                  <a:schemeClr val="tx1"/>
+                </a:solidFill>
+                <a:effectLst/>
+                <a:latin typeface="+mn-lt"/>
+                <a:ea typeface="+mn-ea"/>
+                <a:cs typeface="+mn-cs"/>
+              </a:rPr>
+              <a:t>Очевидно, что нужно спроектировать архитектуру </a:t>
+            </a:r>
+            <a:r>
+              <a:rPr lang="ru-RU" sz="1200" kern="1200" dirty="0" err="1" smtClean="0">
+                <a:solidFill>
+                  <a:schemeClr val="tx1"/>
+                </a:solidFill>
+                <a:effectLst/>
+                <a:latin typeface="+mn-lt"/>
+                <a:ea typeface="+mn-ea"/>
+                <a:cs typeface="+mn-cs"/>
+              </a:rPr>
+              <a:t>фреймворка</a:t>
+            </a:r>
+            <a:r>
+              <a:rPr lang="ru-RU" sz="1200" kern="1200" dirty="0" smtClean="0">
+                <a:solidFill>
+                  <a:schemeClr val="tx1"/>
+                </a:solidFill>
+                <a:effectLst/>
+                <a:latin typeface="+mn-lt"/>
+                <a:ea typeface="+mn-ea"/>
+                <a:cs typeface="+mn-cs"/>
+              </a:rPr>
+              <a:t>, клиентской и серверной части. В данном случае в архитектуре важна гибкость и ясность;</a:t>
+            </a:r>
+          </a:p>
+          <a:p>
+            <a:pPr lvl="0"/>
+            <a:r>
+              <a:rPr lang="ru-RU" sz="1200" kern="1200" dirty="0" smtClean="0">
+                <a:solidFill>
+                  <a:schemeClr val="tx1"/>
+                </a:solidFill>
+                <a:effectLst/>
+                <a:latin typeface="+mn-lt"/>
+                <a:ea typeface="+mn-ea"/>
+                <a:cs typeface="+mn-cs"/>
+              </a:rPr>
+              <a:t>После этого приняться за разработать серверную и клиентскую части;</a:t>
+            </a:r>
+          </a:p>
+          <a:p>
+            <a:pPr lvl="0"/>
+            <a:r>
+              <a:rPr lang="ru-RU" sz="1200" kern="1200" dirty="0" smtClean="0">
+                <a:solidFill>
+                  <a:schemeClr val="tx1"/>
+                </a:solidFill>
+                <a:effectLst/>
+                <a:latin typeface="+mn-lt"/>
+                <a:ea typeface="+mn-ea"/>
+                <a:cs typeface="+mn-cs"/>
+              </a:rPr>
+              <a:t>В конце работы нужно исследовать работу </a:t>
+            </a:r>
+            <a:r>
+              <a:rPr lang="ru-RU" sz="1200" kern="1200" dirty="0" err="1" smtClean="0">
+                <a:solidFill>
+                  <a:schemeClr val="tx1"/>
+                </a:solidFill>
+                <a:effectLst/>
+                <a:latin typeface="+mn-lt"/>
+                <a:ea typeface="+mn-ea"/>
+                <a:cs typeface="+mn-cs"/>
+              </a:rPr>
+              <a:t>фреймворка</a:t>
+            </a:r>
+            <a:r>
+              <a:rPr lang="ru-RU" sz="1200" kern="1200" dirty="0" smtClean="0">
+                <a:solidFill>
+                  <a:schemeClr val="tx1"/>
+                </a:solidFill>
+                <a:effectLst/>
+                <a:latin typeface="+mn-lt"/>
+                <a:ea typeface="+mn-ea"/>
+                <a:cs typeface="+mn-cs"/>
+              </a:rPr>
+              <a:t> на разных операционных системах.</a:t>
+            </a:r>
+          </a:p>
+          <a:p>
+            <a:endParaRPr lang="ru-RU" dirty="0"/>
+          </a:p>
+        </p:txBody>
+      </p:sp>
+      <p:sp>
+        <p:nvSpPr>
+          <p:cNvPr id="4" name="Slide Number Placeholder 3"/>
+          <p:cNvSpPr>
+            <a:spLocks noGrp="1"/>
+          </p:cNvSpPr>
+          <p:nvPr>
+            <p:ph type="sldNum" sz="quarter" idx="10"/>
+          </p:nvPr>
+        </p:nvSpPr>
+        <p:spPr/>
+        <p:txBody>
+          <a:bodyPr/>
+          <a:lstStyle/>
+          <a:p>
+            <a:fld id="{F57A3BED-6B87-4A01-91AE-83340B7ECA5F}" type="slidenum">
+              <a:rPr lang="ru-RU" smtClean="0"/>
+              <a:t>4</a:t>
+            </a:fld>
+            <a:endParaRPr lang="ru-RU"/>
+          </a:p>
+        </p:txBody>
+      </p:sp>
+    </p:spTree>
+    <p:extLst>
+      <p:ext uri="{BB962C8B-B14F-4D97-AF65-F5344CB8AC3E}">
+        <p14:creationId xmlns:p14="http://schemas.microsoft.com/office/powerpoint/2010/main" val="3488228811"/>
+      </p:ext>
+    </p:extLst>
+  </p:cSld>
+  <p:clrMapOvr>
+    <a:masterClrMapping/>
+  </p:clrMapOvr>
+</p:notes>
+</file>
+
+<file path=ppt/notesSlides/notesSlide5.xml><?xml version="1.0" encoding="utf-8"?>
+<p:notes xmlns:a="http://schemas.openxmlformats.org/drawingml/2006/main" xmlns:r="http://schemas.openxmlformats.org/officeDocument/2006/relationships" xmlns:p="http://schemas.openxmlformats.org/presentationml/2006/main">
+  <p:cSld>
+    <p:spTree>
+      <p:nvGrpSpPr>
+        <p:cNvPr id="1" name=""/>
+        <p:cNvGrpSpPr/>
+        <p:nvPr/>
+      </p:nvGrpSpPr>
+      <p:grpSpPr>
+        <a:xfrm>
+          <a:off x="0" y="0"/>
+          <a:ext cx="0" cy="0"/>
+          <a:chOff x="0" y="0"/>
+          <a:chExt cx="0" cy="0"/>
+        </a:xfrm>
+      </p:grpSpPr>
+      <p:sp>
+        <p:nvSpPr>
+          <p:cNvPr id="2" name="Slide Image Placeholder 1"/>
+          <p:cNvSpPr>
+            <a:spLocks noGrp="1" noRot="1" noChangeAspect="1"/>
+          </p:cNvSpPr>
+          <p:nvPr>
+            <p:ph type="sldImg"/>
+          </p:nvPr>
+        </p:nvSpPr>
+        <p:spPr/>
+      </p:sp>
+      <p:sp>
+        <p:nvSpPr>
+          <p:cNvPr id="3" name="Notes Placeholder 2"/>
+          <p:cNvSpPr>
+            <a:spLocks noGrp="1"/>
+          </p:cNvSpPr>
+          <p:nvPr>
+            <p:ph type="body" idx="1"/>
+          </p:nvPr>
+        </p:nvSpPr>
+        <p:spPr/>
+        <p:txBody>
+          <a:bodyPr/>
+          <a:lstStyle/>
+          <a:p>
+            <a:r>
+              <a:rPr lang="ru-RU" sz="1200" kern="1200" dirty="0" smtClean="0">
+                <a:solidFill>
+                  <a:schemeClr val="tx1"/>
+                </a:solidFill>
+                <a:effectLst/>
+                <a:latin typeface="+mn-lt"/>
+                <a:ea typeface="+mn-ea"/>
+                <a:cs typeface="+mn-cs"/>
+              </a:rPr>
+              <a:t>Системы управления</a:t>
+            </a:r>
+          </a:p>
+          <a:p>
+            <a:r>
+              <a:rPr lang="ru-RU" sz="1200" kern="1200" dirty="0" smtClean="0">
+                <a:solidFill>
+                  <a:schemeClr val="tx1"/>
+                </a:solidFill>
+                <a:effectLst/>
+                <a:latin typeface="+mn-lt"/>
+                <a:ea typeface="+mn-ea"/>
+                <a:cs typeface="+mn-cs"/>
+              </a:rPr>
+              <a:t>Разниц между системами практически. Все обладают примерно одинаковым функционалом, таким как запуск задачи, остановка, запуск её по времени. Подстройка программы под определенную систему.</a:t>
+            </a:r>
+          </a:p>
+          <a:p>
+            <a:r>
+              <a:rPr lang="ru-RU" sz="1200" kern="1200" dirty="0" smtClean="0">
+                <a:solidFill>
+                  <a:schemeClr val="tx1"/>
+                </a:solidFill>
+                <a:effectLst/>
+                <a:latin typeface="+mn-lt"/>
+                <a:ea typeface="+mn-ea"/>
+                <a:cs typeface="+mn-cs"/>
+              </a:rPr>
+              <a:t>PBS (</a:t>
+            </a:r>
+            <a:r>
+              <a:rPr lang="ru-RU" sz="1200" kern="1200" dirty="0" err="1" smtClean="0">
+                <a:solidFill>
+                  <a:schemeClr val="tx1"/>
+                </a:solidFill>
+                <a:effectLst/>
+                <a:latin typeface="+mn-lt"/>
+                <a:ea typeface="+mn-ea"/>
+                <a:cs typeface="+mn-cs"/>
+              </a:rPr>
+              <a:t>Portable</a:t>
+            </a:r>
+            <a:r>
+              <a:rPr lang="ru-RU" sz="1200" kern="1200" dirty="0" smtClean="0">
+                <a:solidFill>
+                  <a:schemeClr val="tx1"/>
+                </a:solidFill>
+                <a:effectLst/>
+                <a:latin typeface="+mn-lt"/>
+                <a:ea typeface="+mn-ea"/>
+                <a:cs typeface="+mn-cs"/>
+              </a:rPr>
+              <a:t> </a:t>
+            </a:r>
+            <a:r>
+              <a:rPr lang="ru-RU" sz="1200" kern="1200" dirty="0" err="1" smtClean="0">
+                <a:solidFill>
+                  <a:schemeClr val="tx1"/>
+                </a:solidFill>
+                <a:effectLst/>
+                <a:latin typeface="+mn-lt"/>
+                <a:ea typeface="+mn-ea"/>
+                <a:cs typeface="+mn-cs"/>
+              </a:rPr>
+              <a:t>Batch</a:t>
+            </a:r>
+            <a:r>
+              <a:rPr lang="ru-RU" sz="1200" kern="1200" dirty="0" smtClean="0">
+                <a:solidFill>
+                  <a:schemeClr val="tx1"/>
+                </a:solidFill>
+                <a:effectLst/>
+                <a:latin typeface="+mn-lt"/>
+                <a:ea typeface="+mn-ea"/>
+                <a:cs typeface="+mn-cs"/>
+              </a:rPr>
+              <a:t> </a:t>
+            </a:r>
+            <a:r>
+              <a:rPr lang="ru-RU" sz="1200" kern="1200" dirty="0" err="1" smtClean="0">
+                <a:solidFill>
+                  <a:schemeClr val="tx1"/>
+                </a:solidFill>
+                <a:effectLst/>
+                <a:latin typeface="+mn-lt"/>
+                <a:ea typeface="+mn-ea"/>
+                <a:cs typeface="+mn-cs"/>
+              </a:rPr>
+              <a:t>System</a:t>
+            </a:r>
+            <a:r>
+              <a:rPr lang="ru-RU" sz="1200" kern="1200" dirty="0" smtClean="0">
+                <a:solidFill>
+                  <a:schemeClr val="tx1"/>
+                </a:solidFill>
+                <a:effectLst/>
+                <a:latin typeface="+mn-lt"/>
+                <a:ea typeface="+mn-ea"/>
+                <a:cs typeface="+mn-cs"/>
+              </a:rPr>
+              <a:t>) — система управления распределенными вычислениями. Основная функция PBS — запуск вычислительных задач в вычислительной среде по расписанию. </a:t>
+            </a:r>
+          </a:p>
+          <a:p>
+            <a:r>
+              <a:rPr lang="ru-RU" sz="1200" kern="1200" dirty="0" smtClean="0">
+                <a:solidFill>
+                  <a:schemeClr val="tx1"/>
+                </a:solidFill>
+                <a:effectLst/>
+                <a:latin typeface="+mn-lt"/>
+                <a:ea typeface="+mn-ea"/>
+                <a:cs typeface="+mn-cs"/>
+              </a:rPr>
+              <a:t>TORQUE (</a:t>
+            </a:r>
+            <a:r>
+              <a:rPr lang="ru-RU" sz="1200" kern="1200" dirty="0" err="1" smtClean="0">
+                <a:solidFill>
+                  <a:schemeClr val="tx1"/>
+                </a:solidFill>
+                <a:effectLst/>
+                <a:latin typeface="+mn-lt"/>
+                <a:ea typeface="+mn-ea"/>
+                <a:cs typeface="+mn-cs"/>
+              </a:rPr>
+              <a:t>Terascale</a:t>
+            </a:r>
+            <a:r>
+              <a:rPr lang="ru-RU" sz="1200" kern="1200" dirty="0" smtClean="0">
+                <a:solidFill>
+                  <a:schemeClr val="tx1"/>
+                </a:solidFill>
+                <a:effectLst/>
+                <a:latin typeface="+mn-lt"/>
+                <a:ea typeface="+mn-ea"/>
+                <a:cs typeface="+mn-cs"/>
+              </a:rPr>
+              <a:t> </a:t>
+            </a:r>
+            <a:r>
+              <a:rPr lang="ru-RU" sz="1200" kern="1200" dirty="0" err="1" smtClean="0">
+                <a:solidFill>
+                  <a:schemeClr val="tx1"/>
+                </a:solidFill>
+                <a:effectLst/>
+                <a:latin typeface="+mn-lt"/>
+                <a:ea typeface="+mn-ea"/>
+                <a:cs typeface="+mn-cs"/>
+              </a:rPr>
+              <a:t>Open-Source</a:t>
+            </a:r>
+            <a:r>
+              <a:rPr lang="ru-RU" sz="1200" kern="1200" dirty="0" smtClean="0">
+                <a:solidFill>
+                  <a:schemeClr val="tx1"/>
+                </a:solidFill>
+                <a:effectLst/>
+                <a:latin typeface="+mn-lt"/>
+                <a:ea typeface="+mn-ea"/>
+                <a:cs typeface="+mn-cs"/>
+              </a:rPr>
+              <a:t> </a:t>
+            </a:r>
+            <a:r>
+              <a:rPr lang="ru-RU" sz="1200" kern="1200" dirty="0" err="1" smtClean="0">
+                <a:solidFill>
+                  <a:schemeClr val="tx1"/>
+                </a:solidFill>
+                <a:effectLst/>
+                <a:latin typeface="+mn-lt"/>
+                <a:ea typeface="+mn-ea"/>
+                <a:cs typeface="+mn-cs"/>
+              </a:rPr>
+              <a:t>Resource</a:t>
+            </a:r>
+            <a:r>
+              <a:rPr lang="ru-RU" sz="1200" kern="1200" dirty="0" smtClean="0">
+                <a:solidFill>
+                  <a:schemeClr val="tx1"/>
+                </a:solidFill>
+                <a:effectLst/>
+                <a:latin typeface="+mn-lt"/>
+                <a:ea typeface="+mn-ea"/>
+                <a:cs typeface="+mn-cs"/>
+              </a:rPr>
+              <a:t> </a:t>
+            </a:r>
+            <a:r>
+              <a:rPr lang="ru-RU" sz="1200" kern="1200" dirty="0" err="1" smtClean="0">
+                <a:solidFill>
+                  <a:schemeClr val="tx1"/>
+                </a:solidFill>
+                <a:effectLst/>
+                <a:latin typeface="+mn-lt"/>
+                <a:ea typeface="+mn-ea"/>
+                <a:cs typeface="+mn-cs"/>
+              </a:rPr>
+              <a:t>and</a:t>
+            </a:r>
+            <a:r>
+              <a:rPr lang="ru-RU" sz="1200" kern="1200" dirty="0" smtClean="0">
+                <a:solidFill>
+                  <a:schemeClr val="tx1"/>
+                </a:solidFill>
+                <a:effectLst/>
+                <a:latin typeface="+mn-lt"/>
+                <a:ea typeface="+mn-ea"/>
+                <a:cs typeface="+mn-cs"/>
+              </a:rPr>
+              <a:t> </a:t>
+            </a:r>
+            <a:r>
+              <a:rPr lang="ru-RU" sz="1200" kern="1200" dirty="0" err="1" smtClean="0">
+                <a:solidFill>
+                  <a:schemeClr val="tx1"/>
+                </a:solidFill>
+                <a:effectLst/>
+                <a:latin typeface="+mn-lt"/>
+                <a:ea typeface="+mn-ea"/>
+                <a:cs typeface="+mn-cs"/>
+              </a:rPr>
+              <a:t>QUEue</a:t>
+            </a:r>
+            <a:r>
+              <a:rPr lang="ru-RU" sz="1200" kern="1200" dirty="0" smtClean="0">
+                <a:solidFill>
+                  <a:schemeClr val="tx1"/>
+                </a:solidFill>
+                <a:effectLst/>
+                <a:latin typeface="+mn-lt"/>
+                <a:ea typeface="+mn-ea"/>
+                <a:cs typeface="+mn-cs"/>
+              </a:rPr>
+              <a:t> </a:t>
+            </a:r>
+            <a:r>
+              <a:rPr lang="ru-RU" sz="1200" kern="1200" dirty="0" err="1" smtClean="0">
+                <a:solidFill>
+                  <a:schemeClr val="tx1"/>
+                </a:solidFill>
+                <a:effectLst/>
+                <a:latin typeface="+mn-lt"/>
+                <a:ea typeface="+mn-ea"/>
+                <a:cs typeface="+mn-cs"/>
+              </a:rPr>
+              <a:t>Manager</a:t>
+            </a:r>
+            <a:r>
+              <a:rPr lang="ru-RU" sz="1200" kern="1200" dirty="0" smtClean="0">
+                <a:solidFill>
+                  <a:schemeClr val="tx1"/>
+                </a:solidFill>
+                <a:effectLst/>
+                <a:latin typeface="+mn-lt"/>
+                <a:ea typeface="+mn-ea"/>
+                <a:cs typeface="+mn-cs"/>
+              </a:rPr>
+              <a:t>) — менеджер </a:t>
+            </a:r>
+            <a:r>
+              <a:rPr lang="ru-RU" sz="1200" u="sng" kern="1200" dirty="0" smtClean="0">
+                <a:solidFill>
+                  <a:schemeClr val="tx1"/>
+                </a:solidFill>
+                <a:effectLst/>
+                <a:latin typeface="+mn-lt"/>
+                <a:ea typeface="+mn-ea"/>
+                <a:cs typeface="+mn-cs"/>
+                <a:hlinkClick r:id="rId3" tooltip="Распределённые системы"/>
+              </a:rPr>
+              <a:t>распределенных ресурсов</a:t>
+            </a:r>
+            <a:r>
+              <a:rPr lang="ru-RU" sz="1200" kern="1200" dirty="0" smtClean="0">
+                <a:solidFill>
+                  <a:schemeClr val="tx1"/>
+                </a:solidFill>
+                <a:effectLst/>
+                <a:latin typeface="+mn-lt"/>
+                <a:ea typeface="+mn-ea"/>
+                <a:cs typeface="+mn-cs"/>
+              </a:rPr>
+              <a:t> для вычислительных </a:t>
+            </a:r>
+            <a:r>
+              <a:rPr lang="ru-RU" sz="1200" u="sng" kern="1200" dirty="0" smtClean="0">
+                <a:solidFill>
+                  <a:schemeClr val="tx1"/>
+                </a:solidFill>
+                <a:effectLst/>
+                <a:latin typeface="+mn-lt"/>
+                <a:ea typeface="+mn-ea"/>
+                <a:cs typeface="+mn-cs"/>
+                <a:hlinkClick r:id="rId4" tooltip="Кластер (группа компьютеров)"/>
+              </a:rPr>
+              <a:t>кластеров</a:t>
+            </a:r>
+            <a:r>
+              <a:rPr lang="ru-RU" sz="1200" kern="1200" dirty="0" smtClean="0">
+                <a:solidFill>
+                  <a:schemeClr val="tx1"/>
+                </a:solidFill>
+                <a:effectLst/>
+                <a:latin typeface="+mn-lt"/>
+                <a:ea typeface="+mn-ea"/>
+                <a:cs typeface="+mn-cs"/>
+              </a:rPr>
+              <a:t> из </a:t>
+            </a:r>
+            <a:r>
+              <a:rPr lang="ru-RU" sz="1200" u="sng" kern="1200" dirty="0" smtClean="0">
+                <a:solidFill>
+                  <a:schemeClr val="tx1"/>
+                </a:solidFill>
+                <a:effectLst/>
+                <a:latin typeface="+mn-lt"/>
+                <a:ea typeface="+mn-ea"/>
+                <a:cs typeface="+mn-cs"/>
+                <a:hlinkClick r:id="rId5" tooltip="Хост"/>
+              </a:rPr>
+              <a:t>машин</a:t>
+            </a:r>
+            <a:r>
+              <a:rPr lang="ru-RU" sz="1200" kern="1200" dirty="0" smtClean="0">
+                <a:solidFill>
+                  <a:schemeClr val="tx1"/>
+                </a:solidFill>
+                <a:effectLst/>
+                <a:latin typeface="+mn-lt"/>
+                <a:ea typeface="+mn-ea"/>
+                <a:cs typeface="+mn-cs"/>
+              </a:rPr>
+              <a:t> под управлением </a:t>
+            </a:r>
+            <a:r>
+              <a:rPr lang="ru-RU" sz="1200" u="sng" kern="1200" dirty="0" err="1" smtClean="0">
+                <a:solidFill>
+                  <a:schemeClr val="tx1"/>
+                </a:solidFill>
+                <a:effectLst/>
+                <a:latin typeface="+mn-lt"/>
+                <a:ea typeface="+mn-ea"/>
+                <a:cs typeface="+mn-cs"/>
+                <a:hlinkClick r:id="rId6" tooltip="Linux"/>
+              </a:rPr>
+              <a:t>Linux</a:t>
+            </a:r>
+            <a:r>
+              <a:rPr lang="ru-RU" sz="1200" kern="1200" dirty="0" smtClean="0">
+                <a:solidFill>
+                  <a:schemeClr val="tx1"/>
+                </a:solidFill>
+                <a:effectLst/>
+                <a:latin typeface="+mn-lt"/>
+                <a:ea typeface="+mn-ea"/>
+                <a:cs typeface="+mn-cs"/>
+              </a:rPr>
+              <a:t> и других </a:t>
+            </a:r>
+            <a:r>
+              <a:rPr lang="ru-RU" sz="1200" u="sng" kern="1200" dirty="0" err="1" smtClean="0">
+                <a:solidFill>
+                  <a:schemeClr val="tx1"/>
+                </a:solidFill>
+                <a:effectLst/>
+                <a:latin typeface="+mn-lt"/>
+                <a:ea typeface="+mn-ea"/>
+                <a:cs typeface="+mn-cs"/>
+                <a:hlinkClick r:id="rId7" tooltip="UNIX-подобная операционная система"/>
+              </a:rPr>
+              <a:t>Unix</a:t>
+            </a:r>
+            <a:r>
+              <a:rPr lang="ru-RU" sz="1200" u="sng" kern="1200" dirty="0" smtClean="0">
+                <a:solidFill>
+                  <a:schemeClr val="tx1"/>
+                </a:solidFill>
+                <a:effectLst/>
+                <a:latin typeface="+mn-lt"/>
+                <a:ea typeface="+mn-ea"/>
+                <a:cs typeface="+mn-cs"/>
+                <a:hlinkClick r:id="rId7" tooltip="UNIX-подобная операционная система"/>
+              </a:rPr>
+              <a:t>-подобных</a:t>
+            </a:r>
+            <a:r>
+              <a:rPr lang="ru-RU" sz="1200" kern="1200" dirty="0" smtClean="0">
+                <a:solidFill>
+                  <a:schemeClr val="tx1"/>
+                </a:solidFill>
+                <a:effectLst/>
+                <a:latin typeface="+mn-lt"/>
+                <a:ea typeface="+mn-ea"/>
+                <a:cs typeface="+mn-cs"/>
+              </a:rPr>
+              <a:t> </a:t>
+            </a:r>
+            <a:r>
+              <a:rPr lang="ru-RU" sz="1200" u="sng" kern="1200" dirty="0" smtClean="0">
+                <a:solidFill>
+                  <a:schemeClr val="tx1"/>
+                </a:solidFill>
+                <a:effectLst/>
+                <a:latin typeface="+mn-lt"/>
+                <a:ea typeface="+mn-ea"/>
+                <a:cs typeface="+mn-cs"/>
+                <a:hlinkClick r:id="rId8" tooltip="Операционная система"/>
+              </a:rPr>
+              <a:t>операционных систем</a:t>
+            </a:r>
+            <a:r>
+              <a:rPr lang="ru-RU" sz="1200" kern="1200" dirty="0" smtClean="0">
+                <a:solidFill>
+                  <a:schemeClr val="tx1"/>
+                </a:solidFill>
+                <a:effectLst/>
+                <a:latin typeface="+mn-lt"/>
+                <a:ea typeface="+mn-ea"/>
+                <a:cs typeface="+mn-cs"/>
+              </a:rPr>
+              <a:t>. Является современной версией </a:t>
+            </a:r>
+            <a:r>
+              <a:rPr lang="en-US" sz="1200" kern="1200" dirty="0" smtClean="0">
+                <a:solidFill>
+                  <a:schemeClr val="tx1"/>
+                </a:solidFill>
+                <a:effectLst/>
+                <a:latin typeface="+mn-lt"/>
+                <a:ea typeface="+mn-ea"/>
+                <a:cs typeface="+mn-cs"/>
+              </a:rPr>
+              <a:t>PBS</a:t>
+            </a:r>
+            <a:r>
+              <a:rPr lang="ru-RU" sz="1200" kern="1200" dirty="0" smtClean="0">
+                <a:solidFill>
+                  <a:schemeClr val="tx1"/>
+                </a:solidFill>
+                <a:effectLst/>
+                <a:latin typeface="+mn-lt"/>
+                <a:ea typeface="+mn-ea"/>
+                <a:cs typeface="+mn-cs"/>
+              </a:rPr>
+              <a:t>. Одна из самых развитых систем управления распределенными вычислениями, поддерживается большим организаций и научных лабораторий.</a:t>
+            </a:r>
+          </a:p>
+          <a:p>
+            <a:r>
+              <a:rPr lang="ru-RU" sz="1200" kern="1200" dirty="0" smtClean="0">
+                <a:solidFill>
+                  <a:schemeClr val="tx1"/>
+                </a:solidFill>
+                <a:effectLst/>
+                <a:latin typeface="+mn-lt"/>
+                <a:ea typeface="+mn-ea"/>
+                <a:cs typeface="+mn-cs"/>
+              </a:rPr>
+              <a:t>В вычислительном кластере на базе Казанского (Приволжского) Федерального университета для управления вычислениями используется такая система как IBM </a:t>
+            </a:r>
+            <a:r>
+              <a:rPr lang="ru-RU" sz="1200" kern="1200" dirty="0" err="1" smtClean="0">
+                <a:solidFill>
+                  <a:schemeClr val="tx1"/>
+                </a:solidFill>
+                <a:effectLst/>
+                <a:latin typeface="+mn-lt"/>
+                <a:ea typeface="+mn-ea"/>
+                <a:cs typeface="+mn-cs"/>
+              </a:rPr>
+              <a:t>Platform</a:t>
+            </a:r>
+            <a:r>
+              <a:rPr lang="ru-RU" sz="1200" kern="1200" dirty="0" smtClean="0">
+                <a:solidFill>
+                  <a:schemeClr val="tx1"/>
+                </a:solidFill>
+                <a:effectLst/>
+                <a:latin typeface="+mn-lt"/>
+                <a:ea typeface="+mn-ea"/>
+                <a:cs typeface="+mn-cs"/>
+              </a:rPr>
+              <a:t> LSF. Данная система является мощной платформой управления нагрузок для распределенных сред высокопроизводительных вычислений. Но имеет несколько минусов, являясь коммерческой и зарубежной разработкой.</a:t>
+            </a:r>
+          </a:p>
+          <a:p>
+            <a:endParaRPr lang="ru-RU" dirty="0"/>
+          </a:p>
+        </p:txBody>
+      </p:sp>
+      <p:sp>
+        <p:nvSpPr>
+          <p:cNvPr id="4" name="Slide Number Placeholder 3"/>
+          <p:cNvSpPr>
+            <a:spLocks noGrp="1"/>
+          </p:cNvSpPr>
+          <p:nvPr>
+            <p:ph type="sldNum" sz="quarter" idx="10"/>
+          </p:nvPr>
+        </p:nvSpPr>
+        <p:spPr/>
+        <p:txBody>
+          <a:bodyPr/>
+          <a:lstStyle/>
+          <a:p>
+            <a:fld id="{F57A3BED-6B87-4A01-91AE-83340B7ECA5F}" type="slidenum">
+              <a:rPr lang="ru-RU" smtClean="0"/>
+              <a:t>5</a:t>
+            </a:fld>
+            <a:endParaRPr lang="ru-RU"/>
+          </a:p>
+        </p:txBody>
+      </p:sp>
+    </p:spTree>
+    <p:extLst>
+      <p:ext uri="{BB962C8B-B14F-4D97-AF65-F5344CB8AC3E}">
+        <p14:creationId xmlns:p14="http://schemas.microsoft.com/office/powerpoint/2010/main" val="1437901004"/>
+      </p:ext>
+    </p:extLst>
+  </p:cSld>
+  <p:clrMapOvr>
+    <a:masterClrMapping/>
+  </p:clrMapOvr>
+</p:notes>
+</file>
+
+<file path=ppt/notesSlides/notesSlide6.xml><?xml version="1.0" encoding="utf-8"?>
+<p:notes xmlns:a="http://schemas.openxmlformats.org/drawingml/2006/main" xmlns:r="http://schemas.openxmlformats.org/officeDocument/2006/relationships" xmlns:p="http://schemas.openxmlformats.org/presentationml/2006/main">
+  <p:cSld>
+    <p:spTree>
+      <p:nvGrpSpPr>
+        <p:cNvPr id="1" name=""/>
+        <p:cNvGrpSpPr/>
+        <p:nvPr/>
+      </p:nvGrpSpPr>
+      <p:grpSpPr>
+        <a:xfrm>
+          <a:off x="0" y="0"/>
+          <a:ext cx="0" cy="0"/>
+          <a:chOff x="0" y="0"/>
+          <a:chExt cx="0" cy="0"/>
+        </a:xfrm>
+      </p:grpSpPr>
+      <p:sp>
+        <p:nvSpPr>
+          <p:cNvPr id="2" name="Slide Image Placeholder 1"/>
+          <p:cNvSpPr>
+            <a:spLocks noGrp="1" noRot="1" noChangeAspect="1"/>
+          </p:cNvSpPr>
+          <p:nvPr>
+            <p:ph type="sldImg"/>
+          </p:nvPr>
+        </p:nvSpPr>
+        <p:spPr/>
+      </p:sp>
+      <p:sp>
+        <p:nvSpPr>
+          <p:cNvPr id="3" name="Notes Placeholder 2"/>
+          <p:cNvSpPr>
+            <a:spLocks noGrp="1"/>
+          </p:cNvSpPr>
+          <p:nvPr>
+            <p:ph type="body" idx="1"/>
+          </p:nvPr>
+        </p:nvSpPr>
+        <p:spPr/>
+        <p:txBody>
+          <a:bodyPr/>
+          <a:lstStyle/>
+          <a:p>
+            <a:pPr marL="0" marR="0" lvl="0" indent="0" algn="l" defTabSz="914400" rtl="0" eaLnBrk="1" fontAlgn="auto" latinLnBrk="0" hangingPunct="1">
+              <a:lnSpc>
+                <a:spcPct val="100000"/>
+              </a:lnSpc>
+              <a:spcBef>
+                <a:spcPts val="0"/>
+              </a:spcBef>
+              <a:spcAft>
+                <a:spcPts val="0"/>
+              </a:spcAft>
+              <a:buClrTx/>
+              <a:buSzTx/>
+              <a:buFontTx/>
+              <a:buNone/>
+              <a:tabLst/>
+              <a:defRPr/>
+            </a:pPr>
+            <a:r>
+              <a:rPr lang="ru-RU" sz="1200" kern="1200" dirty="0" smtClean="0">
+                <a:solidFill>
+                  <a:schemeClr val="tx1"/>
+                </a:solidFill>
+                <a:effectLst/>
+                <a:latin typeface="+mn-lt"/>
+                <a:ea typeface="+mn-ea"/>
+                <a:cs typeface="+mn-cs"/>
+              </a:rPr>
+              <a:t>Проект разделяется на три большие части: клиент, сервер управления и сервис параллельных задач, что вы можете увидеть на картинке. Архитектура довольно классическая, а также простая для модернизации</a:t>
+            </a:r>
+          </a:p>
+          <a:p>
+            <a:endParaRPr lang="ru-RU" dirty="0"/>
+          </a:p>
+        </p:txBody>
+      </p:sp>
+      <p:sp>
+        <p:nvSpPr>
+          <p:cNvPr id="4" name="Slide Number Placeholder 3"/>
+          <p:cNvSpPr>
+            <a:spLocks noGrp="1"/>
+          </p:cNvSpPr>
+          <p:nvPr>
+            <p:ph type="sldNum" sz="quarter" idx="10"/>
+          </p:nvPr>
+        </p:nvSpPr>
+        <p:spPr/>
+        <p:txBody>
+          <a:bodyPr/>
+          <a:lstStyle/>
+          <a:p>
+            <a:fld id="{F57A3BED-6B87-4A01-91AE-83340B7ECA5F}" type="slidenum">
+              <a:rPr lang="ru-RU" smtClean="0"/>
+              <a:t>6</a:t>
+            </a:fld>
+            <a:endParaRPr lang="ru-RU"/>
+          </a:p>
+        </p:txBody>
+      </p:sp>
+    </p:spTree>
+    <p:extLst>
+      <p:ext uri="{BB962C8B-B14F-4D97-AF65-F5344CB8AC3E}">
+        <p14:creationId xmlns:p14="http://schemas.microsoft.com/office/powerpoint/2010/main" val="3551161027"/>
+      </p:ext>
+    </p:extLst>
+  </p:cSld>
+  <p:clrMapOvr>
+    <a:masterClrMapping/>
+  </p:clrMapOvr>
+</p:notes>
+</file>
+
+<file path=ppt/notesSlides/notesSlide7.xml><?xml version="1.0" encoding="utf-8"?>
+<p:notes xmlns:a="http://schemas.openxmlformats.org/drawingml/2006/main" xmlns:r="http://schemas.openxmlformats.org/officeDocument/2006/relationships" xmlns:p="http://schemas.openxmlformats.org/presentationml/2006/main">
+  <p:cSld>
+    <p:spTree>
+      <p:nvGrpSpPr>
+        <p:cNvPr id="1" name=""/>
+        <p:cNvGrpSpPr/>
+        <p:nvPr/>
+      </p:nvGrpSpPr>
+      <p:grpSpPr>
+        <a:xfrm>
+          <a:off x="0" y="0"/>
+          <a:ext cx="0" cy="0"/>
+          <a:chOff x="0" y="0"/>
+          <a:chExt cx="0" cy="0"/>
+        </a:xfrm>
+      </p:grpSpPr>
+      <p:sp>
+        <p:nvSpPr>
+          <p:cNvPr id="2" name="Slide Image Placeholder 1"/>
+          <p:cNvSpPr>
+            <a:spLocks noGrp="1" noRot="1" noChangeAspect="1"/>
+          </p:cNvSpPr>
+          <p:nvPr>
+            <p:ph type="sldImg"/>
+          </p:nvPr>
+        </p:nvSpPr>
+        <p:spPr/>
+      </p:sp>
+      <p:sp>
+        <p:nvSpPr>
+          <p:cNvPr id="3" name="Notes Placeholder 2"/>
+          <p:cNvSpPr>
+            <a:spLocks noGrp="1"/>
+          </p:cNvSpPr>
+          <p:nvPr>
+            <p:ph type="body" idx="1"/>
+          </p:nvPr>
+        </p:nvSpPr>
+        <p:spPr/>
+        <p:txBody>
+          <a:bodyPr/>
+          <a:lstStyle/>
+          <a:p>
+            <a:pPr marL="0" marR="0" lvl="0" indent="0" algn="l" defTabSz="914400" rtl="0" eaLnBrk="1" fontAlgn="auto" latinLnBrk="0" hangingPunct="1">
+              <a:lnSpc>
+                <a:spcPct val="100000"/>
+              </a:lnSpc>
+              <a:spcBef>
+                <a:spcPts val="0"/>
+              </a:spcBef>
+              <a:spcAft>
+                <a:spcPts val="0"/>
+              </a:spcAft>
+              <a:buClrTx/>
+              <a:buSzTx/>
+              <a:buFontTx/>
+              <a:buNone/>
+              <a:tabLst/>
+              <a:defRPr/>
+            </a:pPr>
+            <a:r>
+              <a:rPr lang="ru-RU" sz="1200" kern="1200" dirty="0" smtClean="0">
+                <a:solidFill>
+                  <a:schemeClr val="tx1"/>
+                </a:solidFill>
+                <a:effectLst/>
+                <a:latin typeface="+mn-lt"/>
+                <a:ea typeface="+mn-ea"/>
+                <a:cs typeface="+mn-cs"/>
+              </a:rPr>
+              <a:t>С другой стороны, в проекте используется модель слоёв Мартина </a:t>
+            </a:r>
+            <a:r>
+              <a:rPr lang="ru-RU" sz="1200" kern="1200" dirty="0" err="1" smtClean="0">
+                <a:solidFill>
+                  <a:schemeClr val="tx1"/>
+                </a:solidFill>
+                <a:effectLst/>
+                <a:latin typeface="+mn-lt"/>
+                <a:ea typeface="+mn-ea"/>
+                <a:cs typeface="+mn-cs"/>
+              </a:rPr>
+              <a:t>Фаулера</a:t>
+            </a:r>
+            <a:r>
+              <a:rPr lang="ru-RU" sz="1200" kern="1200" dirty="0" smtClean="0">
+                <a:solidFill>
+                  <a:schemeClr val="tx1"/>
+                </a:solidFill>
+                <a:effectLst/>
+                <a:latin typeface="+mn-lt"/>
+                <a:ea typeface="+mn-ea"/>
+                <a:cs typeface="+mn-cs"/>
+              </a:rPr>
+              <a:t>. Это добавляет читаемости для программиста. Такая структура ограничивает разделяет функции отдельных частей. Данный паттерн часто используемый и большинство программистов с ходу в нём разберутся.</a:t>
+            </a:r>
+          </a:p>
+          <a:p>
+            <a:endParaRPr lang="ru-RU" dirty="0"/>
+          </a:p>
+        </p:txBody>
+      </p:sp>
+      <p:sp>
+        <p:nvSpPr>
+          <p:cNvPr id="4" name="Slide Number Placeholder 3"/>
+          <p:cNvSpPr>
+            <a:spLocks noGrp="1"/>
+          </p:cNvSpPr>
+          <p:nvPr>
+            <p:ph type="sldNum" sz="quarter" idx="10"/>
+          </p:nvPr>
+        </p:nvSpPr>
+        <p:spPr/>
+        <p:txBody>
+          <a:bodyPr/>
+          <a:lstStyle/>
+          <a:p>
+            <a:fld id="{F57A3BED-6B87-4A01-91AE-83340B7ECA5F}" type="slidenum">
+              <a:rPr lang="ru-RU" smtClean="0"/>
+              <a:t>7</a:t>
+            </a:fld>
+            <a:endParaRPr lang="ru-RU"/>
+          </a:p>
+        </p:txBody>
+      </p:sp>
+    </p:spTree>
+    <p:extLst>
+      <p:ext uri="{BB962C8B-B14F-4D97-AF65-F5344CB8AC3E}">
+        <p14:creationId xmlns:p14="http://schemas.microsoft.com/office/powerpoint/2010/main" val="940140561"/>
+      </p:ext>
+    </p:extLst>
+  </p:cSld>
+  <p:clrMapOvr>
+    <a:masterClrMapping/>
+  </p:clrMapOvr>
+</p:notes>
+</file>
+
+<file path=ppt/notesSlides/notesSlide8.xml><?xml version="1.0" encoding="utf-8"?>
+<p:notes xmlns:a="http://schemas.openxmlformats.org/drawingml/2006/main" xmlns:r="http://schemas.openxmlformats.org/officeDocument/2006/relationships" xmlns:p="http://schemas.openxmlformats.org/presentationml/2006/main">
+  <p:cSld>
+    <p:spTree>
+      <p:nvGrpSpPr>
+        <p:cNvPr id="1" name=""/>
+        <p:cNvGrpSpPr/>
+        <p:nvPr/>
+      </p:nvGrpSpPr>
+      <p:grpSpPr>
+        <a:xfrm>
+          <a:off x="0" y="0"/>
+          <a:ext cx="0" cy="0"/>
+          <a:chOff x="0" y="0"/>
+          <a:chExt cx="0" cy="0"/>
+        </a:xfrm>
+      </p:grpSpPr>
+      <p:sp>
+        <p:nvSpPr>
+          <p:cNvPr id="2" name="Slide Image Placeholder 1"/>
+          <p:cNvSpPr>
+            <a:spLocks noGrp="1" noRot="1" noChangeAspect="1"/>
+          </p:cNvSpPr>
+          <p:nvPr>
+            <p:ph type="sldImg"/>
+          </p:nvPr>
+        </p:nvSpPr>
+        <p:spPr/>
+      </p:sp>
+      <p:sp>
+        <p:nvSpPr>
+          <p:cNvPr id="3" name="Notes Placeholder 2"/>
+          <p:cNvSpPr>
+            <a:spLocks noGrp="1"/>
+          </p:cNvSpPr>
+          <p:nvPr>
+            <p:ph type="body" idx="1"/>
+          </p:nvPr>
+        </p:nvSpPr>
+        <p:spPr/>
+        <p:txBody>
+          <a:bodyPr/>
+          <a:lstStyle/>
+          <a:p>
+            <a:r>
+              <a:rPr lang="ru-RU" sz="1200" kern="1200" dirty="0" smtClean="0">
+                <a:solidFill>
+                  <a:schemeClr val="tx1"/>
+                </a:solidFill>
+                <a:effectLst/>
+                <a:latin typeface="+mn-lt"/>
+                <a:ea typeface="+mn-ea"/>
+                <a:cs typeface="+mn-cs"/>
+              </a:rPr>
+              <a:t>В разработке использовались такие технологии как </a:t>
+            </a:r>
+            <a:r>
+              <a:rPr lang="en-US" sz="1200" kern="1200" dirty="0" smtClean="0">
+                <a:solidFill>
+                  <a:schemeClr val="tx1"/>
+                </a:solidFill>
+                <a:effectLst/>
+                <a:latin typeface="+mn-lt"/>
+                <a:ea typeface="+mn-ea"/>
+                <a:cs typeface="+mn-cs"/>
+              </a:rPr>
+              <a:t>C</a:t>
+            </a:r>
+            <a:r>
+              <a:rPr lang="ru-RU" sz="1200" kern="1200" dirty="0" smtClean="0">
+                <a:solidFill>
+                  <a:schemeClr val="tx1"/>
+                </a:solidFill>
+                <a:effectLst/>
+                <a:latin typeface="+mn-lt"/>
+                <a:ea typeface="+mn-ea"/>
+                <a:cs typeface="+mn-cs"/>
+              </a:rPr>
+              <a:t>#, .</a:t>
+            </a:r>
+            <a:r>
+              <a:rPr lang="en-US" sz="1200" kern="1200" dirty="0" smtClean="0">
+                <a:solidFill>
+                  <a:schemeClr val="tx1"/>
+                </a:solidFill>
+                <a:effectLst/>
+                <a:latin typeface="+mn-lt"/>
+                <a:ea typeface="+mn-ea"/>
+                <a:cs typeface="+mn-cs"/>
+              </a:rPr>
+              <a:t>NET Core</a:t>
+            </a:r>
+            <a:r>
+              <a:rPr lang="ru-RU" sz="1200" kern="1200" dirty="0" smtClean="0">
+                <a:solidFill>
+                  <a:schemeClr val="tx1"/>
+                </a:solidFill>
+                <a:effectLst/>
+                <a:latin typeface="+mn-lt"/>
+                <a:ea typeface="+mn-ea"/>
+                <a:cs typeface="+mn-cs"/>
+              </a:rPr>
+              <a:t>, </a:t>
+            </a:r>
+            <a:r>
+              <a:rPr lang="en-US" sz="1200" kern="1200" dirty="0" smtClean="0">
+                <a:solidFill>
+                  <a:schemeClr val="tx1"/>
+                </a:solidFill>
+                <a:effectLst/>
+                <a:latin typeface="+mn-lt"/>
+                <a:ea typeface="+mn-ea"/>
+                <a:cs typeface="+mn-cs"/>
+              </a:rPr>
+              <a:t>Web API</a:t>
+            </a:r>
+            <a:r>
+              <a:rPr lang="ru-RU" sz="1200" kern="1200" dirty="0" smtClean="0">
+                <a:solidFill>
+                  <a:schemeClr val="tx1"/>
+                </a:solidFill>
+                <a:effectLst/>
+                <a:latin typeface="+mn-lt"/>
+                <a:ea typeface="+mn-ea"/>
+                <a:cs typeface="+mn-cs"/>
+              </a:rPr>
+              <a:t>. </a:t>
+            </a:r>
+            <a:r>
+              <a:rPr lang="en-US" sz="1200" kern="1200" dirty="0" smtClean="0">
+                <a:solidFill>
+                  <a:schemeClr val="tx1"/>
+                </a:solidFill>
+                <a:effectLst/>
+                <a:latin typeface="+mn-lt"/>
+                <a:ea typeface="+mn-ea"/>
+                <a:cs typeface="+mn-cs"/>
+              </a:rPr>
+              <a:t>C</a:t>
+            </a:r>
+            <a:r>
+              <a:rPr lang="ru-RU" sz="1200" kern="1200" dirty="0" smtClean="0">
+                <a:solidFill>
+                  <a:schemeClr val="tx1"/>
+                </a:solidFill>
+                <a:effectLst/>
+                <a:latin typeface="+mn-lt"/>
+                <a:ea typeface="+mn-ea"/>
+                <a:cs typeface="+mn-cs"/>
+              </a:rPr>
+              <a:t># один из самых используемых языков в мире, по индексу </a:t>
+            </a:r>
+            <a:r>
+              <a:rPr lang="en-US" sz="1200" kern="1200" dirty="0" smtClean="0">
+                <a:solidFill>
+                  <a:schemeClr val="tx1"/>
+                </a:solidFill>
+                <a:effectLst/>
+                <a:latin typeface="+mn-lt"/>
+                <a:ea typeface="+mn-ea"/>
+                <a:cs typeface="+mn-cs"/>
+              </a:rPr>
+              <a:t>TIOBE </a:t>
+            </a:r>
+            <a:r>
+              <a:rPr lang="ru-RU" sz="1200" kern="1200" dirty="0" smtClean="0">
+                <a:solidFill>
+                  <a:schemeClr val="tx1"/>
+                </a:solidFill>
+                <a:effectLst/>
+                <a:latin typeface="+mn-lt"/>
+                <a:ea typeface="+mn-ea"/>
+                <a:cs typeface="+mn-cs"/>
+              </a:rPr>
+              <a:t>на май 2017 года занимал 5 место. От этого зависит выбор программной платформы для разработки, в данном случае был выбран .</a:t>
+            </a:r>
+            <a:r>
+              <a:rPr lang="en-US" sz="1200" kern="1200" dirty="0" smtClean="0">
+                <a:solidFill>
+                  <a:schemeClr val="tx1"/>
+                </a:solidFill>
+                <a:effectLst/>
+                <a:latin typeface="+mn-lt"/>
+                <a:ea typeface="+mn-ea"/>
+                <a:cs typeface="+mn-cs"/>
+              </a:rPr>
+              <a:t>NET Core</a:t>
+            </a:r>
+            <a:r>
+              <a:rPr lang="ru-RU" sz="1200" kern="1200" dirty="0" smtClean="0">
+                <a:solidFill>
+                  <a:schemeClr val="tx1"/>
+                </a:solidFill>
+                <a:effectLst/>
+                <a:latin typeface="+mn-lt"/>
+                <a:ea typeface="+mn-ea"/>
+                <a:cs typeface="+mn-cs"/>
+              </a:rPr>
+              <a:t>, </a:t>
+            </a:r>
+            <a:r>
+              <a:rPr lang="ru-RU" sz="1200" kern="1200" dirty="0" err="1" smtClean="0">
+                <a:solidFill>
+                  <a:schemeClr val="tx1"/>
+                </a:solidFill>
+                <a:effectLst/>
+                <a:latin typeface="+mn-lt"/>
+                <a:ea typeface="+mn-ea"/>
+                <a:cs typeface="+mn-cs"/>
+              </a:rPr>
+              <a:t>фреймворк</a:t>
+            </a:r>
+            <a:r>
+              <a:rPr lang="ru-RU" sz="1200" kern="1200" dirty="0" smtClean="0">
+                <a:solidFill>
+                  <a:schemeClr val="tx1"/>
+                </a:solidFill>
+                <a:effectLst/>
+                <a:latin typeface="+mn-lt"/>
+                <a:ea typeface="+mn-ea"/>
+                <a:cs typeface="+mn-cs"/>
+              </a:rPr>
+              <a:t> является молодым, но быстроразвивающимся и поддерживает все функции нужные для проекта, таки как </a:t>
+            </a:r>
+            <a:r>
+              <a:rPr lang="en-US" sz="1200" kern="1200" dirty="0" smtClean="0">
+                <a:solidFill>
+                  <a:schemeClr val="tx1"/>
+                </a:solidFill>
+                <a:effectLst/>
+                <a:latin typeface="+mn-lt"/>
+                <a:ea typeface="+mn-ea"/>
+                <a:cs typeface="+mn-cs"/>
+              </a:rPr>
+              <a:t>Web API </a:t>
+            </a:r>
+            <a:r>
+              <a:rPr lang="ru-RU" sz="1200" kern="1200" dirty="0" smtClean="0">
+                <a:solidFill>
+                  <a:schemeClr val="tx1"/>
+                </a:solidFill>
+                <a:effectLst/>
+                <a:latin typeface="+mn-lt"/>
+                <a:ea typeface="+mn-ea"/>
+                <a:cs typeface="+mn-cs"/>
+              </a:rPr>
+              <a:t>для общения между клиентом и сервером.</a:t>
+            </a:r>
+          </a:p>
+          <a:p>
+            <a:r>
+              <a:rPr lang="ru-RU" sz="1200" kern="1200" dirty="0" smtClean="0">
+                <a:solidFill>
+                  <a:schemeClr val="tx1"/>
+                </a:solidFill>
+                <a:effectLst/>
+                <a:latin typeface="+mn-lt"/>
+                <a:ea typeface="+mn-ea"/>
+                <a:cs typeface="+mn-cs"/>
+              </a:rPr>
+              <a:t>	Можно посмотреть на код, здесь менеджеры и </a:t>
+            </a:r>
+            <a:r>
+              <a:rPr lang="ru-RU" sz="1200" kern="1200" dirty="0" err="1" smtClean="0">
+                <a:solidFill>
+                  <a:schemeClr val="tx1"/>
+                </a:solidFill>
+                <a:effectLst/>
+                <a:latin typeface="+mn-lt"/>
+                <a:ea typeface="+mn-ea"/>
+                <a:cs typeface="+mn-cs"/>
+              </a:rPr>
+              <a:t>энджины</a:t>
+            </a:r>
+            <a:r>
+              <a:rPr lang="ru-RU" sz="1200" kern="1200" dirty="0" smtClean="0">
+                <a:solidFill>
+                  <a:schemeClr val="tx1"/>
+                </a:solidFill>
+                <a:effectLst/>
+                <a:latin typeface="+mn-lt"/>
+                <a:ea typeface="+mn-ea"/>
+                <a:cs typeface="+mn-cs"/>
+              </a:rPr>
+              <a:t>.</a:t>
+            </a:r>
+          </a:p>
+          <a:p>
+            <a:endParaRPr lang="ru-RU" dirty="0"/>
+          </a:p>
+        </p:txBody>
+      </p:sp>
+      <p:sp>
+        <p:nvSpPr>
+          <p:cNvPr id="4" name="Slide Number Placeholder 3"/>
+          <p:cNvSpPr>
+            <a:spLocks noGrp="1"/>
+          </p:cNvSpPr>
+          <p:nvPr>
+            <p:ph type="sldNum" sz="quarter" idx="10"/>
+          </p:nvPr>
+        </p:nvSpPr>
+        <p:spPr/>
+        <p:txBody>
+          <a:bodyPr/>
+          <a:lstStyle/>
+          <a:p>
+            <a:fld id="{F57A3BED-6B87-4A01-91AE-83340B7ECA5F}" type="slidenum">
+              <a:rPr lang="ru-RU" smtClean="0"/>
+              <a:t>8</a:t>
+            </a:fld>
+            <a:endParaRPr lang="ru-RU"/>
+          </a:p>
+        </p:txBody>
+      </p:sp>
+    </p:spTree>
+    <p:extLst>
+      <p:ext uri="{BB962C8B-B14F-4D97-AF65-F5344CB8AC3E}">
+        <p14:creationId xmlns:p14="http://schemas.microsoft.com/office/powerpoint/2010/main" val="3860578399"/>
+      </p:ext>
+    </p:extLst>
+  </p:cSld>
+  <p:clrMapOvr>
+    <a:masterClrMapping/>
+  </p:clrMapOvr>
+</p:notes>
+</file>
+
+<file path=ppt/notesSlides/notesSlide9.xml><?xml version="1.0" encoding="utf-8"?>
+<p:notes xmlns:a="http://schemas.openxmlformats.org/drawingml/2006/main" xmlns:r="http://schemas.openxmlformats.org/officeDocument/2006/relationships" xmlns:p="http://schemas.openxmlformats.org/presentationml/2006/main">
+  <p:cSld>
+    <p:spTree>
+      <p:nvGrpSpPr>
+        <p:cNvPr id="1" name=""/>
+        <p:cNvGrpSpPr/>
+        <p:nvPr/>
+      </p:nvGrpSpPr>
+      <p:grpSpPr>
+        <a:xfrm>
+          <a:off x="0" y="0"/>
+          <a:ext cx="0" cy="0"/>
+          <a:chOff x="0" y="0"/>
+          <a:chExt cx="0" cy="0"/>
+        </a:xfrm>
+      </p:grpSpPr>
+      <p:sp>
+        <p:nvSpPr>
+          <p:cNvPr id="2" name="Slide Image Placeholder 1"/>
+          <p:cNvSpPr>
+            <a:spLocks noGrp="1" noRot="1" noChangeAspect="1"/>
+          </p:cNvSpPr>
+          <p:nvPr>
+            <p:ph type="sldImg"/>
+          </p:nvPr>
+        </p:nvSpPr>
+        <p:spPr/>
+      </p:sp>
+      <p:sp>
+        <p:nvSpPr>
+          <p:cNvPr id="3" name="Notes Placeholder 2"/>
+          <p:cNvSpPr>
+            <a:spLocks noGrp="1"/>
+          </p:cNvSpPr>
+          <p:nvPr>
+            <p:ph type="body" idx="1"/>
+          </p:nvPr>
+        </p:nvSpPr>
+        <p:spPr/>
+        <p:txBody>
+          <a:bodyPr/>
+          <a:lstStyle/>
+          <a:p>
+            <a:r>
+              <a:rPr lang="ru-RU" sz="1200" kern="1200" dirty="0" smtClean="0">
+                <a:solidFill>
+                  <a:schemeClr val="tx1"/>
+                </a:solidFill>
+                <a:effectLst/>
+                <a:latin typeface="+mn-lt"/>
+                <a:ea typeface="+mn-ea"/>
+                <a:cs typeface="+mn-cs"/>
+              </a:rPr>
+              <a:t>Таким образом, перейдем к последней стадии разработки, благодаря .</a:t>
+            </a:r>
+            <a:r>
+              <a:rPr lang="en-US" sz="1200" kern="1200" dirty="0" smtClean="0">
+                <a:solidFill>
+                  <a:schemeClr val="tx1"/>
+                </a:solidFill>
+                <a:effectLst/>
+                <a:latin typeface="+mn-lt"/>
+                <a:ea typeface="+mn-ea"/>
+                <a:cs typeface="+mn-cs"/>
+              </a:rPr>
+              <a:t>NET Core</a:t>
+            </a:r>
+            <a:r>
+              <a:rPr lang="ru-RU" sz="1200" kern="1200" dirty="0" smtClean="0">
+                <a:solidFill>
+                  <a:schemeClr val="tx1"/>
+                </a:solidFill>
+                <a:effectLst/>
+                <a:latin typeface="+mn-lt"/>
+                <a:ea typeface="+mn-ea"/>
+                <a:cs typeface="+mn-cs"/>
+              </a:rPr>
+              <a:t>, система работает как на системах </a:t>
+            </a:r>
+            <a:r>
+              <a:rPr lang="en-US" sz="1200" kern="1200" dirty="0" smtClean="0">
+                <a:solidFill>
+                  <a:schemeClr val="tx1"/>
+                </a:solidFill>
+                <a:effectLst/>
+                <a:latin typeface="+mn-lt"/>
+                <a:ea typeface="+mn-ea"/>
+                <a:cs typeface="+mn-cs"/>
+              </a:rPr>
+              <a:t>Windows</a:t>
+            </a:r>
+            <a:r>
+              <a:rPr lang="ru-RU" sz="1200" kern="1200" dirty="0" smtClean="0">
+                <a:solidFill>
+                  <a:schemeClr val="tx1"/>
+                </a:solidFill>
+                <a:effectLst/>
+                <a:latin typeface="+mn-lt"/>
+                <a:ea typeface="+mn-ea"/>
+                <a:cs typeface="+mn-cs"/>
+              </a:rPr>
+              <a:t>, так и на системах </a:t>
+            </a:r>
+            <a:r>
+              <a:rPr lang="en-US" sz="1200" kern="1200" dirty="0" smtClean="0">
+                <a:solidFill>
+                  <a:schemeClr val="tx1"/>
+                </a:solidFill>
+                <a:effectLst/>
+                <a:latin typeface="+mn-lt"/>
+                <a:ea typeface="+mn-ea"/>
+                <a:cs typeface="+mn-cs"/>
+              </a:rPr>
+              <a:t>Linux</a:t>
+            </a:r>
+            <a:r>
+              <a:rPr lang="ru-RU" sz="1200" kern="1200" dirty="0" smtClean="0">
+                <a:solidFill>
+                  <a:schemeClr val="tx1"/>
+                </a:solidFill>
+                <a:effectLst/>
+                <a:latin typeface="+mn-lt"/>
+                <a:ea typeface="+mn-ea"/>
+                <a:cs typeface="+mn-cs"/>
+              </a:rPr>
+              <a:t>. Фреймворк позволяет запускать </a:t>
+            </a:r>
+            <a:r>
+              <a:rPr lang="en-US" sz="1200" kern="1200" dirty="0" smtClean="0">
+                <a:solidFill>
+                  <a:schemeClr val="tx1"/>
+                </a:solidFill>
+                <a:effectLst/>
+                <a:latin typeface="+mn-lt"/>
+                <a:ea typeface="+mn-ea"/>
+                <a:cs typeface="+mn-cs"/>
+              </a:rPr>
+              <a:t>MPI </a:t>
+            </a:r>
+            <a:r>
+              <a:rPr lang="ru-RU" sz="1200" kern="1200" dirty="0" smtClean="0">
+                <a:solidFill>
+                  <a:schemeClr val="tx1"/>
+                </a:solidFill>
+                <a:effectLst/>
+                <a:latin typeface="+mn-lt"/>
+                <a:ea typeface="+mn-ea"/>
+                <a:cs typeface="+mn-cs"/>
+              </a:rPr>
+              <a:t>задачи, а также управлять выполнением запущенной программы. Таким образом, все поставленные задачи были выполненные, а заданная цель достигнута.</a:t>
+            </a:r>
+          </a:p>
+          <a:p>
+            <a:r>
+              <a:rPr lang="ru-RU" sz="1200" kern="1200" dirty="0" smtClean="0">
+                <a:solidFill>
+                  <a:schemeClr val="tx1"/>
+                </a:solidFill>
+                <a:effectLst/>
+                <a:latin typeface="+mn-lt"/>
+                <a:ea typeface="+mn-ea"/>
+                <a:cs typeface="+mn-cs"/>
+              </a:rPr>
+              <a:t>В дальнейшем планируется развитие продукта, создание веб клиента для управления. Также планируется добавление новой функциональности, </a:t>
+            </a:r>
+            <a:r>
+              <a:rPr lang="ru-RU" sz="1200" kern="1200" dirty="0" err="1" smtClean="0">
+                <a:solidFill>
+                  <a:schemeClr val="tx1"/>
+                </a:solidFill>
+                <a:effectLst/>
+                <a:latin typeface="+mn-lt"/>
+                <a:ea typeface="+mn-ea"/>
+                <a:cs typeface="+mn-cs"/>
+              </a:rPr>
+              <a:t>аткой</a:t>
+            </a:r>
+            <a:r>
+              <a:rPr lang="ru-RU" sz="1200" kern="1200" dirty="0" smtClean="0">
+                <a:solidFill>
+                  <a:schemeClr val="tx1"/>
+                </a:solidFill>
+                <a:effectLst/>
+                <a:latin typeface="+mn-lt"/>
+                <a:ea typeface="+mn-ea"/>
+                <a:cs typeface="+mn-cs"/>
+              </a:rPr>
+              <a:t> как получение статистики работы параллельной программы, работа через протокол </a:t>
+            </a:r>
+            <a:r>
+              <a:rPr lang="en-US" sz="1200" kern="1200" dirty="0" smtClean="0">
+                <a:solidFill>
+                  <a:schemeClr val="tx1"/>
+                </a:solidFill>
+                <a:effectLst/>
+                <a:latin typeface="+mn-lt"/>
+                <a:ea typeface="+mn-ea"/>
+                <a:cs typeface="+mn-cs"/>
+              </a:rPr>
+              <a:t>FTP</a:t>
+            </a:r>
+            <a:r>
+              <a:rPr lang="ru-RU" sz="1200" kern="1200" dirty="0" smtClean="0">
+                <a:solidFill>
+                  <a:schemeClr val="tx1"/>
+                </a:solidFill>
+                <a:effectLst/>
+                <a:latin typeface="+mn-lt"/>
+                <a:ea typeface="+mn-ea"/>
+                <a:cs typeface="+mn-cs"/>
+              </a:rPr>
+              <a:t>, запуск вычислений по определенному расписанию.</a:t>
+            </a:r>
+          </a:p>
+          <a:p>
+            <a:endParaRPr lang="ru-RU" dirty="0"/>
+          </a:p>
+        </p:txBody>
+      </p:sp>
+      <p:sp>
+        <p:nvSpPr>
+          <p:cNvPr id="4" name="Slide Number Placeholder 3"/>
+          <p:cNvSpPr>
+            <a:spLocks noGrp="1"/>
+          </p:cNvSpPr>
+          <p:nvPr>
+            <p:ph type="sldNum" sz="quarter" idx="10"/>
+          </p:nvPr>
+        </p:nvSpPr>
+        <p:spPr/>
+        <p:txBody>
+          <a:bodyPr/>
+          <a:lstStyle/>
+          <a:p>
+            <a:fld id="{F57A3BED-6B87-4A01-91AE-83340B7ECA5F}" type="slidenum">
+              <a:rPr lang="ru-RU" smtClean="0"/>
+              <a:t>9</a:t>
+            </a:fld>
+            <a:endParaRPr lang="ru-RU"/>
+          </a:p>
+        </p:txBody>
+      </p:sp>
+    </p:spTree>
+    <p:extLst>
+      <p:ext uri="{BB962C8B-B14F-4D97-AF65-F5344CB8AC3E}">
+        <p14:creationId xmlns:p14="http://schemas.microsoft.com/office/powerpoint/2010/main" val="1392149058"/>
       </p:ext>
     </p:extLst>
   </p:cSld>
@@ -746,7 +2700,7 @@
           <a:p>
             <a:fld id="{0570866F-3657-4C92-BF5C-DB442844A436}" type="datetime1">
               <a:rPr lang="en-US" smtClean="0"/>
-              <a:t>6/14/2017</a:t>
+              <a:t>6/20/2017</a:t>
             </a:fld>
             <a:endParaRPr lang="en-US" dirty="0"/>
           </a:p>
@@ -1080,7 +3034,7 @@
           <a:p>
             <a:fld id="{0A820E42-6EDB-4F60-B27F-1095566D2585}" type="datetime1">
               <a:rPr lang="en-US" smtClean="0"/>
-              <a:t>6/14/2017</a:t>
+              <a:t>6/20/2017</a:t>
             </a:fld>
             <a:endParaRPr lang="en-US" dirty="0"/>
           </a:p>
@@ -1477,7 +3431,7 @@
           <a:p>
             <a:fld id="{4B53F595-2520-4454-8606-FB5EDE23008C}" type="datetime1">
               <a:rPr lang="en-US" smtClean="0"/>
-              <a:t>6/14/2017</a:t>
+              <a:t>6/20/2017</a:t>
             </a:fld>
             <a:endParaRPr lang="en-US" dirty="0"/>
           </a:p>
@@ -1808,7 +3762,7 @@
           <a:p>
             <a:fld id="{4242B554-07A5-405D-8351-A3C24F0E5C1E}" type="datetime1">
               <a:rPr lang="en-US" smtClean="0"/>
-              <a:t>6/14/2017</a:t>
+              <a:t>6/20/2017</a:t>
             </a:fld>
             <a:endParaRPr lang="en-US" dirty="0"/>
           </a:p>
@@ -2124,7 +4078,7 @@
           <a:p>
             <a:fld id="{9564549F-DE2A-492A-B519-35D5B710A7D1}" type="datetime1">
               <a:rPr lang="en-US" smtClean="0"/>
-              <a:t>6/14/2017</a:t>
+              <a:t>6/20/2017</a:t>
             </a:fld>
             <a:endParaRPr lang="en-US" dirty="0"/>
           </a:p>
@@ -2516,7 +4470,7 @@
           <a:p>
             <a:fld id="{2C9FACB9-CCE3-4A20-9580-1400D5164890}" type="datetime1">
               <a:rPr lang="en-US" smtClean="0"/>
-              <a:t>6/14/2017</a:t>
+              <a:t>6/20/2017</a:t>
             </a:fld>
             <a:endParaRPr lang="en-US" dirty="0"/>
           </a:p>
@@ -2769,7 +4723,7 @@
           <a:p>
             <a:fld id="{40027895-2A1A-4573-A49C-34C673FC71C1}" type="datetime1">
               <a:rPr lang="en-US" smtClean="0"/>
-              <a:t>6/14/2017</a:t>
+              <a:t>6/20/2017</a:t>
             </a:fld>
             <a:endParaRPr lang="en-US" dirty="0"/>
           </a:p>
@@ -3027,7 +4981,7 @@
           <a:p>
             <a:fld id="{F0DBECF4-8A79-421F-97AC-B6415A08F1AD}" type="datetime1">
               <a:rPr lang="en-US" smtClean="0"/>
-              <a:t>6/14/2017</a:t>
+              <a:t>6/20/2017</a:t>
             </a:fld>
             <a:endParaRPr lang="en-US" dirty="0"/>
           </a:p>
@@ -3285,7 +5239,7 @@
           <a:p>
             <a:fld id="{08E027C0-F494-4CB3-A9E6-B017F2436109}" type="datetime1">
               <a:rPr lang="en-US" smtClean="0"/>
-              <a:t>6/14/2017</a:t>
+              <a:t>6/20/2017</a:t>
             </a:fld>
             <a:endParaRPr lang="en-US" dirty="0"/>
           </a:p>
@@ -3610,7 +5564,7 @@
           <a:p>
             <a:fld id="{05CC7835-4122-4D28-A992-AC61EBBC5ADC}" type="datetime1">
               <a:rPr lang="en-US" smtClean="0"/>
-              <a:t>6/14/2017</a:t>
+              <a:t>6/20/2017</a:t>
             </a:fld>
             <a:endParaRPr lang="en-US" dirty="0"/>
           </a:p>
@@ -3929,7 +5883,7 @@
           <a:p>
             <a:fld id="{B226077D-4E2D-41C1-B06F-54D12F868BF3}" type="datetime1">
               <a:rPr lang="en-US" smtClean="0"/>
-              <a:t>6/14/2017</a:t>
+              <a:t>6/20/2017</a:t>
             </a:fld>
             <a:endParaRPr lang="en-US" dirty="0"/>
           </a:p>
@@ -4382,7 +6336,7 @@
           <a:p>
             <a:fld id="{46B988C7-1FDE-40C0-B5C8-ECF7CBB4E810}" type="datetime1">
               <a:rPr lang="en-US" smtClean="0"/>
-              <a:t>6/14/2017</a:t>
+              <a:t>6/20/2017</a:t>
             </a:fld>
             <a:endParaRPr lang="en-US" dirty="0"/>
           </a:p>
@@ -4583,7 +6537,7 @@
           <a:p>
             <a:fld id="{7CA69BAE-4F5C-4629-AF26-5EE4C7818A53}" type="datetime1">
               <a:rPr lang="en-US" smtClean="0"/>
-              <a:t>6/14/2017</a:t>
+              <a:t>6/20/2017</a:t>
             </a:fld>
             <a:endParaRPr lang="en-US" dirty="0"/>
           </a:p>
@@ -4756,7 +6710,7 @@
           <a:p>
             <a:fld id="{0AFD6F3C-3C15-410B-98F0-2E7186B58D36}" type="datetime1">
               <a:rPr lang="en-US" smtClean="0"/>
-              <a:t>6/14/2017</a:t>
+              <a:t>6/20/2017</a:t>
             </a:fld>
             <a:endParaRPr lang="en-US" dirty="0"/>
           </a:p>
@@ -5085,7 +7039,7 @@
           <a:p>
             <a:fld id="{163E69F6-69B3-49DE-A734-D8F90E008C29}" type="datetime1">
               <a:rPr lang="en-US" smtClean="0"/>
-              <a:t>6/14/2017</a:t>
+              <a:t>6/20/2017</a:t>
             </a:fld>
             <a:endParaRPr lang="en-US" dirty="0"/>
           </a:p>
@@ -5426,7 +7380,7 @@
           <a:p>
             <a:fld id="{313C33B0-FC34-42D8-BD01-773D5AF233DC}" type="datetime1">
               <a:rPr lang="en-US" smtClean="0"/>
-              <a:t>6/14/2017</a:t>
+              <a:t>6/20/2017</a:t>
             </a:fld>
             <a:endParaRPr lang="en-US" dirty="0"/>
           </a:p>
@@ -7539,7 +9493,7 @@
           <a:p>
             <a:fld id="{1A595554-8E56-44A2-8860-CCC387A273C6}" type="datetime1">
               <a:rPr lang="en-US" smtClean="0"/>
-              <a:t>6/14/2017</a:t>
+              <a:t>6/20/2017</a:t>
             </a:fld>
             <a:endParaRPr lang="en-US" dirty="0"/>
           </a:p>
@@ -8781,6 +10735,13 @@
   <p:clrMapOvr>
     <a:masterClrMapping/>
   </p:clrMapOvr>
+  <p:timing>
+    <p:tnLst>
+      <p:par>
+        <p:cTn id="1" dur="indefinite" restart="never" nodeType="tmRoot"/>
+      </p:par>
+    </p:tnLst>
+  </p:timing>
 </p:sld>
 </file>
 
@@ -9042,11 +11003,7 @@
             <a:pPr lvl="0"/>
             <a:r>
               <a:rPr lang="ru-RU" sz="2000" dirty="0" smtClean="0"/>
-              <a:t>разработать серверную и клиентскую </a:t>
-            </a:r>
-            <a:r>
-              <a:rPr lang="ru-RU" sz="2000" dirty="0" smtClean="0"/>
-              <a:t>части</a:t>
+              <a:t>разработать серверную и клиентскую части</a:t>
             </a:r>
             <a:endParaRPr lang="ru-RU" sz="2000" dirty="0"/>
           </a:p>
@@ -9198,11 +11155,7 @@
           <a:p>
             <a:r>
               <a:rPr lang="en-US" sz="3000" dirty="0" smtClean="0"/>
-              <a:t>IBM Platform </a:t>
-            </a:r>
-            <a:r>
-              <a:rPr lang="en-US" sz="3000" dirty="0" smtClean="0"/>
-              <a:t>LSF</a:t>
+              <a:t>IBM Platform LSF</a:t>
             </a:r>
             <a:endParaRPr lang="en-US" sz="3000" dirty="0"/>
           </a:p>
@@ -9306,7 +11259,7 @@
           </p:nvPr>
         </p:nvPicPr>
         <p:blipFill rotWithShape="1">
-          <a:blip r:embed="rId2">
+          <a:blip r:embed="rId3">
             <a:extLst>
               <a:ext uri="{28A0092B-C50C-407E-A947-70E740481C1C}">
                 <a14:useLocalDpi xmlns:a14="http://schemas.microsoft.com/office/drawing/2010/main" val="0"/>
@@ -9434,7 +11387,7 @@
           </p:nvPr>
         </p:nvPicPr>
         <p:blipFill>
-          <a:blip r:embed="rId2">
+          <a:blip r:embed="rId3">
             <a:extLst>
               <a:ext uri="{28A0092B-C50C-407E-A947-70E740481C1C}">
                 <a14:useLocalDpi xmlns:a14="http://schemas.microsoft.com/office/drawing/2010/main" val="0"/>
@@ -9603,7 +11556,7 @@
           <p:nvPr/>
         </p:nvPicPr>
         <p:blipFill>
-          <a:blip r:embed="rId2">
+          <a:blip r:embed="rId3">
             <a:extLst>
               <a:ext uri="{28A0092B-C50C-407E-A947-70E740481C1C}">
                 <a14:useLocalDpi xmlns:a14="http://schemas.microsoft.com/office/drawing/2010/main" val="0"/>
@@ -9631,7 +11584,7 @@
           <p:nvPr/>
         </p:nvPicPr>
         <p:blipFill>
-          <a:blip r:embed="rId3"/>
+          <a:blip r:embed="rId4"/>
           <a:stretch>
             <a:fillRect/>
           </a:stretch>
@@ -9653,7 +11606,7 @@
           <p:nvPr/>
         </p:nvPicPr>
         <p:blipFill rotWithShape="1">
-          <a:blip r:embed="rId4"/>
+          <a:blip r:embed="rId5"/>
           <a:srcRect l="-224" t="23754" r="23938" b="1200"/>
           <a:stretch/>
         </p:blipFill>
@@ -9760,7 +11713,7 @@
           <p:nvPr/>
         </p:nvPicPr>
         <p:blipFill>
-          <a:blip r:embed="rId2">
+          <a:blip r:embed="rId3">
             <a:extLst>
               <a:ext uri="{28A0092B-C50C-407E-A947-70E740481C1C}">
                 <a14:useLocalDpi xmlns:a14="http://schemas.microsoft.com/office/drawing/2010/main" val="0"/>
@@ -9792,7 +11745,7 @@
           </p:nvPr>
         </p:nvPicPr>
         <p:blipFill>
-          <a:blip r:embed="rId3">
+          <a:blip r:embed="rId4">
             <a:extLst>
               <a:ext uri="{28A0092B-C50C-407E-A947-70E740481C1C}">
                 <a14:useLocalDpi xmlns:a14="http://schemas.microsoft.com/office/drawing/2010/main" val="0"/>
